--- a/MTD-6.11.pptx
+++ b/MTD-6.11.pptx
@@ -3,10 +3,12 @@
 <p:presentation xmlns:a="http://schemas.openxmlformats.org/drawingml/2006/main" xmlns:r="http://schemas.openxmlformats.org/officeDocument/2006/relationships" xmlns:p="http://schemas.openxmlformats.org/presentationml/2006/main" saveSubsetFonts="1" autoCompressPictures="0">
   <p:sldMasterIdLst>
     <p:sldMasterId id="2147483708" r:id="rId1"/>
+    <p:sldMasterId id="2147483720" r:id="rId2"/>
   </p:sldMasterIdLst>
   <p:sldIdLst>
-    <p:sldId id="263" r:id="rId2"/>
-    <p:sldId id="265" r:id="rId3"/>
+    <p:sldId id="263" r:id="rId3"/>
+    <p:sldId id="265" r:id="rId4"/>
+    <p:sldId id="273" r:id="rId5"/>
   </p:sldIdLst>
   <p:sldSz cx="12192000" cy="16256000"/>
   <p:notesSz cx="6858000" cy="9144000"/>
@@ -244,7 +246,7 @@
           <a:p>
             <a:fld id="{3E73DA82-0082-2445-BF22-418BB184E2E3}" type="datetimeFigureOut">
               <a:rPr kumimoji="1" lang="zh-CN" altLang="en-US" smtClean="0"/>
-              <a:t>2024/6/11</a:t>
+              <a:t>2024/6/17</a:t>
             </a:fld>
             <a:endParaRPr kumimoji="1" lang="zh-CN" altLang="en-US"/>
           </a:p>
@@ -414,7 +416,7 @@
           <a:p>
             <a:fld id="{3E73DA82-0082-2445-BF22-418BB184E2E3}" type="datetimeFigureOut">
               <a:rPr kumimoji="1" lang="zh-CN" altLang="en-US" smtClean="0"/>
-              <a:t>2024/6/11</a:t>
+              <a:t>2024/6/17</a:t>
             </a:fld>
             <a:endParaRPr kumimoji="1" lang="zh-CN" altLang="en-US"/>
           </a:p>
@@ -594,7 +596,7 @@
           <a:p>
             <a:fld id="{3E73DA82-0082-2445-BF22-418BB184E2E3}" type="datetimeFigureOut">
               <a:rPr kumimoji="1" lang="zh-CN" altLang="en-US" smtClean="0"/>
-              <a:t>2024/6/11</a:t>
+              <a:t>2024/6/17</a:t>
             </a:fld>
             <a:endParaRPr kumimoji="1" lang="zh-CN" altLang="en-US"/>
           </a:p>
@@ -646,6 +648,1701 @@
     <p:extLst>
       <p:ext uri="{BB962C8B-B14F-4D97-AF65-F5344CB8AC3E}">
         <p14:creationId xmlns:p14="http://schemas.microsoft.com/office/powerpoint/2010/main" val="961572853"/>
+      </p:ext>
+    </p:extLst>
+  </p:cSld>
+  <p:clrMapOvr>
+    <a:masterClrMapping/>
+  </p:clrMapOvr>
+</p:sldLayout>
+</file>
+
+<file path=ppt/slideLayouts/slideLayout12.xml><?xml version="1.0" encoding="utf-8"?>
+<p:sldLayout xmlns:a="http://schemas.openxmlformats.org/drawingml/2006/main" xmlns:r="http://schemas.openxmlformats.org/officeDocument/2006/relationships" xmlns:p="http://schemas.openxmlformats.org/presentationml/2006/main" type="title" preserve="1">
+  <p:cSld name="标题幻灯片">
+    <p:spTree>
+      <p:nvGrpSpPr>
+        <p:cNvPr id="1" name=""/>
+        <p:cNvGrpSpPr/>
+        <p:nvPr/>
+      </p:nvGrpSpPr>
+      <p:grpSpPr>
+        <a:xfrm>
+          <a:off x="0" y="0"/>
+          <a:ext cx="0" cy="0"/>
+          <a:chOff x="0" y="0"/>
+          <a:chExt cx="0" cy="0"/>
+        </a:xfrm>
+      </p:grpSpPr>
+      <p:sp>
+        <p:nvSpPr>
+          <p:cNvPr id="2" name="Title 1"/>
+          <p:cNvSpPr>
+            <a:spLocks noGrp="1"/>
+          </p:cNvSpPr>
+          <p:nvPr>
+            <p:ph type="ctrTitle"/>
+          </p:nvPr>
+        </p:nvSpPr>
+        <p:spPr>
+          <a:xfrm>
+            <a:off x="914400" y="2660417"/>
+            <a:ext cx="10363200" cy="5659497"/>
+          </a:xfrm>
+        </p:spPr>
+        <p:txBody>
+          <a:bodyPr anchor="b"/>
+          <a:lstStyle>
+            <a:lvl1pPr algn="ctr">
+              <a:defRPr sz="8000"/>
+            </a:lvl1pPr>
+          </a:lstStyle>
+          <a:p>
+            <a:r>
+              <a:rPr lang="zh-CN" altLang="en-US"/>
+              <a:t>单击此处编辑母版标题样式</a:t>
+            </a:r>
+            <a:endParaRPr lang="en-US" dirty="0"/>
+          </a:p>
+        </p:txBody>
+      </p:sp>
+      <p:sp>
+        <p:nvSpPr>
+          <p:cNvPr id="3" name="Subtitle 2"/>
+          <p:cNvSpPr>
+            <a:spLocks noGrp="1"/>
+          </p:cNvSpPr>
+          <p:nvPr>
+            <p:ph type="subTitle" idx="1"/>
+          </p:nvPr>
+        </p:nvSpPr>
+        <p:spPr>
+          <a:xfrm>
+            <a:off x="1524000" y="8538164"/>
+            <a:ext cx="9144000" cy="3924770"/>
+          </a:xfrm>
+        </p:spPr>
+        <p:txBody>
+          <a:bodyPr/>
+          <a:lstStyle>
+            <a:lvl1pPr marL="0" indent="0" algn="ctr">
+              <a:buNone/>
+              <a:defRPr sz="3200"/>
+            </a:lvl1pPr>
+            <a:lvl2pPr marL="609593" indent="0" algn="ctr">
+              <a:buNone/>
+              <a:defRPr sz="2667"/>
+            </a:lvl2pPr>
+            <a:lvl3pPr marL="1219185" indent="0" algn="ctr">
+              <a:buNone/>
+              <a:defRPr sz="2400"/>
+            </a:lvl3pPr>
+            <a:lvl4pPr marL="1828777" indent="0" algn="ctr">
+              <a:buNone/>
+              <a:defRPr sz="2133"/>
+            </a:lvl4pPr>
+            <a:lvl5pPr marL="2438370" indent="0" algn="ctr">
+              <a:buNone/>
+              <a:defRPr sz="2133"/>
+            </a:lvl5pPr>
+            <a:lvl6pPr marL="3047962" indent="0" algn="ctr">
+              <a:buNone/>
+              <a:defRPr sz="2133"/>
+            </a:lvl6pPr>
+            <a:lvl7pPr marL="3657555" indent="0" algn="ctr">
+              <a:buNone/>
+              <a:defRPr sz="2133"/>
+            </a:lvl7pPr>
+            <a:lvl8pPr marL="4267147" indent="0" algn="ctr">
+              <a:buNone/>
+              <a:defRPr sz="2133"/>
+            </a:lvl8pPr>
+            <a:lvl9pPr marL="4876738" indent="0" algn="ctr">
+              <a:buNone/>
+              <a:defRPr sz="2133"/>
+            </a:lvl9pPr>
+          </a:lstStyle>
+          <a:p>
+            <a:r>
+              <a:rPr lang="zh-CN" altLang="en-US"/>
+              <a:t>单击此处编辑母版副标题样式</a:t>
+            </a:r>
+            <a:endParaRPr lang="en-US" dirty="0"/>
+          </a:p>
+        </p:txBody>
+      </p:sp>
+      <p:sp>
+        <p:nvSpPr>
+          <p:cNvPr id="4" name="Date Placeholder 3"/>
+          <p:cNvSpPr>
+            <a:spLocks noGrp="1"/>
+          </p:cNvSpPr>
+          <p:nvPr>
+            <p:ph type="dt" sz="half" idx="10"/>
+          </p:nvPr>
+        </p:nvSpPr>
+        <p:spPr/>
+        <p:txBody>
+          <a:bodyPr/>
+          <a:lstStyle/>
+          <a:p>
+            <a:fld id="{3E73DA82-0082-2445-BF22-418BB184E2E3}" type="datetimeFigureOut">
+              <a:rPr kumimoji="1" lang="zh-CN" altLang="en-US" smtClean="0"/>
+              <a:t>2024/6/17</a:t>
+            </a:fld>
+            <a:endParaRPr kumimoji="1" lang="zh-CN" altLang="en-US"/>
+          </a:p>
+        </p:txBody>
+      </p:sp>
+      <p:sp>
+        <p:nvSpPr>
+          <p:cNvPr id="5" name="Footer Placeholder 4"/>
+          <p:cNvSpPr>
+            <a:spLocks noGrp="1"/>
+          </p:cNvSpPr>
+          <p:nvPr>
+            <p:ph type="ftr" sz="quarter" idx="11"/>
+          </p:nvPr>
+        </p:nvSpPr>
+        <p:spPr/>
+        <p:txBody>
+          <a:bodyPr/>
+          <a:lstStyle/>
+          <a:p>
+            <a:endParaRPr kumimoji="1" lang="zh-CN" altLang="en-US"/>
+          </a:p>
+        </p:txBody>
+      </p:sp>
+      <p:sp>
+        <p:nvSpPr>
+          <p:cNvPr id="6" name="Slide Number Placeholder 5"/>
+          <p:cNvSpPr>
+            <a:spLocks noGrp="1"/>
+          </p:cNvSpPr>
+          <p:nvPr>
+            <p:ph type="sldNum" sz="quarter" idx="12"/>
+          </p:nvPr>
+        </p:nvSpPr>
+        <p:spPr/>
+        <p:txBody>
+          <a:bodyPr/>
+          <a:lstStyle/>
+          <a:p>
+            <a:fld id="{81A8CE35-5F49-8F49-A5FC-30EA988ECDEB}" type="slidenum">
+              <a:rPr kumimoji="1" lang="zh-CN" altLang="en-US" smtClean="0"/>
+              <a:t>‹#›</a:t>
+            </a:fld>
+            <a:endParaRPr kumimoji="1" lang="zh-CN" altLang="en-US"/>
+          </a:p>
+        </p:txBody>
+      </p:sp>
+    </p:spTree>
+    <p:extLst>
+      <p:ext uri="{BB962C8B-B14F-4D97-AF65-F5344CB8AC3E}">
+        <p14:creationId xmlns:p14="http://schemas.microsoft.com/office/powerpoint/2010/main" val="4222328190"/>
+      </p:ext>
+    </p:extLst>
+  </p:cSld>
+  <p:clrMapOvr>
+    <a:masterClrMapping/>
+  </p:clrMapOvr>
+</p:sldLayout>
+</file>
+
+<file path=ppt/slideLayouts/slideLayout13.xml><?xml version="1.0" encoding="utf-8"?>
+<p:sldLayout xmlns:a="http://schemas.openxmlformats.org/drawingml/2006/main" xmlns:r="http://schemas.openxmlformats.org/officeDocument/2006/relationships" xmlns:p="http://schemas.openxmlformats.org/presentationml/2006/main" type="obj" preserve="1">
+  <p:cSld name="标题和内容">
+    <p:spTree>
+      <p:nvGrpSpPr>
+        <p:cNvPr id="1" name=""/>
+        <p:cNvGrpSpPr/>
+        <p:nvPr/>
+      </p:nvGrpSpPr>
+      <p:grpSpPr>
+        <a:xfrm>
+          <a:off x="0" y="0"/>
+          <a:ext cx="0" cy="0"/>
+          <a:chOff x="0" y="0"/>
+          <a:chExt cx="0" cy="0"/>
+        </a:xfrm>
+      </p:grpSpPr>
+      <p:sp>
+        <p:nvSpPr>
+          <p:cNvPr id="2" name="Title 1"/>
+          <p:cNvSpPr>
+            <a:spLocks noGrp="1"/>
+          </p:cNvSpPr>
+          <p:nvPr>
+            <p:ph type="title"/>
+          </p:nvPr>
+        </p:nvSpPr>
+        <p:spPr/>
+        <p:txBody>
+          <a:bodyPr/>
+          <a:lstStyle/>
+          <a:p>
+            <a:r>
+              <a:rPr lang="zh-CN" altLang="en-US"/>
+              <a:t>单击此处编辑母版标题样式</a:t>
+            </a:r>
+            <a:endParaRPr lang="en-US" dirty="0"/>
+          </a:p>
+        </p:txBody>
+      </p:sp>
+      <p:sp>
+        <p:nvSpPr>
+          <p:cNvPr id="3" name="Content Placeholder 2"/>
+          <p:cNvSpPr>
+            <a:spLocks noGrp="1"/>
+          </p:cNvSpPr>
+          <p:nvPr>
+            <p:ph idx="1"/>
+          </p:nvPr>
+        </p:nvSpPr>
+        <p:spPr/>
+        <p:txBody>
+          <a:bodyPr/>
+          <a:lstStyle/>
+          <a:p>
+            <a:pPr lvl="0"/>
+            <a:r>
+              <a:rPr lang="zh-CN" altLang="en-US"/>
+              <a:t>单击此处编辑母版文本样式</a:t>
+            </a:r>
+          </a:p>
+          <a:p>
+            <a:pPr lvl="1"/>
+            <a:r>
+              <a:rPr lang="zh-CN" altLang="en-US"/>
+              <a:t>二级</a:t>
+            </a:r>
+          </a:p>
+          <a:p>
+            <a:pPr lvl="2"/>
+            <a:r>
+              <a:rPr lang="zh-CN" altLang="en-US"/>
+              <a:t>三级</a:t>
+            </a:r>
+          </a:p>
+          <a:p>
+            <a:pPr lvl="3"/>
+            <a:r>
+              <a:rPr lang="zh-CN" altLang="en-US"/>
+              <a:t>四级</a:t>
+            </a:r>
+          </a:p>
+          <a:p>
+            <a:pPr lvl="4"/>
+            <a:r>
+              <a:rPr lang="zh-CN" altLang="en-US"/>
+              <a:t>五级</a:t>
+            </a:r>
+            <a:endParaRPr lang="en-US" dirty="0"/>
+          </a:p>
+        </p:txBody>
+      </p:sp>
+      <p:sp>
+        <p:nvSpPr>
+          <p:cNvPr id="4" name="Date Placeholder 3"/>
+          <p:cNvSpPr>
+            <a:spLocks noGrp="1"/>
+          </p:cNvSpPr>
+          <p:nvPr>
+            <p:ph type="dt" sz="half" idx="10"/>
+          </p:nvPr>
+        </p:nvSpPr>
+        <p:spPr/>
+        <p:txBody>
+          <a:bodyPr/>
+          <a:lstStyle/>
+          <a:p>
+            <a:fld id="{3E73DA82-0082-2445-BF22-418BB184E2E3}" type="datetimeFigureOut">
+              <a:rPr kumimoji="1" lang="zh-CN" altLang="en-US" smtClean="0"/>
+              <a:t>2024/6/17</a:t>
+            </a:fld>
+            <a:endParaRPr kumimoji="1" lang="zh-CN" altLang="en-US"/>
+          </a:p>
+        </p:txBody>
+      </p:sp>
+      <p:sp>
+        <p:nvSpPr>
+          <p:cNvPr id="5" name="Footer Placeholder 4"/>
+          <p:cNvSpPr>
+            <a:spLocks noGrp="1"/>
+          </p:cNvSpPr>
+          <p:nvPr>
+            <p:ph type="ftr" sz="quarter" idx="11"/>
+          </p:nvPr>
+        </p:nvSpPr>
+        <p:spPr/>
+        <p:txBody>
+          <a:bodyPr/>
+          <a:lstStyle/>
+          <a:p>
+            <a:endParaRPr kumimoji="1" lang="zh-CN" altLang="en-US"/>
+          </a:p>
+        </p:txBody>
+      </p:sp>
+      <p:sp>
+        <p:nvSpPr>
+          <p:cNvPr id="6" name="Slide Number Placeholder 5"/>
+          <p:cNvSpPr>
+            <a:spLocks noGrp="1"/>
+          </p:cNvSpPr>
+          <p:nvPr>
+            <p:ph type="sldNum" sz="quarter" idx="12"/>
+          </p:nvPr>
+        </p:nvSpPr>
+        <p:spPr/>
+        <p:txBody>
+          <a:bodyPr/>
+          <a:lstStyle/>
+          <a:p>
+            <a:fld id="{81A8CE35-5F49-8F49-A5FC-30EA988ECDEB}" type="slidenum">
+              <a:rPr kumimoji="1" lang="zh-CN" altLang="en-US" smtClean="0"/>
+              <a:t>‹#›</a:t>
+            </a:fld>
+            <a:endParaRPr kumimoji="1" lang="zh-CN" altLang="en-US"/>
+          </a:p>
+        </p:txBody>
+      </p:sp>
+    </p:spTree>
+    <p:extLst>
+      <p:ext uri="{BB962C8B-B14F-4D97-AF65-F5344CB8AC3E}">
+        <p14:creationId xmlns:p14="http://schemas.microsoft.com/office/powerpoint/2010/main" val="4195251410"/>
+      </p:ext>
+    </p:extLst>
+  </p:cSld>
+  <p:clrMapOvr>
+    <a:masterClrMapping/>
+  </p:clrMapOvr>
+</p:sldLayout>
+</file>
+
+<file path=ppt/slideLayouts/slideLayout14.xml><?xml version="1.0" encoding="utf-8"?>
+<p:sldLayout xmlns:a="http://schemas.openxmlformats.org/drawingml/2006/main" xmlns:r="http://schemas.openxmlformats.org/officeDocument/2006/relationships" xmlns:p="http://schemas.openxmlformats.org/presentationml/2006/main" type="secHead" preserve="1">
+  <p:cSld name="节标题">
+    <p:spTree>
+      <p:nvGrpSpPr>
+        <p:cNvPr id="1" name=""/>
+        <p:cNvGrpSpPr/>
+        <p:nvPr/>
+      </p:nvGrpSpPr>
+      <p:grpSpPr>
+        <a:xfrm>
+          <a:off x="0" y="0"/>
+          <a:ext cx="0" cy="0"/>
+          <a:chOff x="0" y="0"/>
+          <a:chExt cx="0" cy="0"/>
+        </a:xfrm>
+      </p:grpSpPr>
+      <p:sp>
+        <p:nvSpPr>
+          <p:cNvPr id="2" name="Title 1"/>
+          <p:cNvSpPr>
+            <a:spLocks noGrp="1"/>
+          </p:cNvSpPr>
+          <p:nvPr>
+            <p:ph type="title"/>
+          </p:nvPr>
+        </p:nvSpPr>
+        <p:spPr>
+          <a:xfrm>
+            <a:off x="831852" y="4052717"/>
+            <a:ext cx="10515600" cy="6762043"/>
+          </a:xfrm>
+        </p:spPr>
+        <p:txBody>
+          <a:bodyPr anchor="b"/>
+          <a:lstStyle>
+            <a:lvl1pPr>
+              <a:defRPr sz="8000"/>
+            </a:lvl1pPr>
+          </a:lstStyle>
+          <a:p>
+            <a:r>
+              <a:rPr lang="zh-CN" altLang="en-US"/>
+              <a:t>单击此处编辑母版标题样式</a:t>
+            </a:r>
+            <a:endParaRPr lang="en-US" dirty="0"/>
+          </a:p>
+        </p:txBody>
+      </p:sp>
+      <p:sp>
+        <p:nvSpPr>
+          <p:cNvPr id="3" name="Text Placeholder 2"/>
+          <p:cNvSpPr>
+            <a:spLocks noGrp="1"/>
+          </p:cNvSpPr>
+          <p:nvPr>
+            <p:ph type="body" idx="1"/>
+          </p:nvPr>
+        </p:nvSpPr>
+        <p:spPr>
+          <a:xfrm>
+            <a:off x="831852" y="10878733"/>
+            <a:ext cx="10515600" cy="3555998"/>
+          </a:xfrm>
+        </p:spPr>
+        <p:txBody>
+          <a:bodyPr/>
+          <a:lstStyle>
+            <a:lvl1pPr marL="0" indent="0">
+              <a:buNone/>
+              <a:defRPr sz="3200">
+                <a:solidFill>
+                  <a:schemeClr val="tx1"/>
+                </a:solidFill>
+              </a:defRPr>
+            </a:lvl1pPr>
+            <a:lvl2pPr marL="609593" indent="0">
+              <a:buNone/>
+              <a:defRPr sz="2667">
+                <a:solidFill>
+                  <a:schemeClr val="tx1">
+                    <a:tint val="75000"/>
+                  </a:schemeClr>
+                </a:solidFill>
+              </a:defRPr>
+            </a:lvl2pPr>
+            <a:lvl3pPr marL="1219185" indent="0">
+              <a:buNone/>
+              <a:defRPr sz="2400">
+                <a:solidFill>
+                  <a:schemeClr val="tx1">
+                    <a:tint val="75000"/>
+                  </a:schemeClr>
+                </a:solidFill>
+              </a:defRPr>
+            </a:lvl3pPr>
+            <a:lvl4pPr marL="1828777" indent="0">
+              <a:buNone/>
+              <a:defRPr sz="2133">
+                <a:solidFill>
+                  <a:schemeClr val="tx1">
+                    <a:tint val="75000"/>
+                  </a:schemeClr>
+                </a:solidFill>
+              </a:defRPr>
+            </a:lvl4pPr>
+            <a:lvl5pPr marL="2438370" indent="0">
+              <a:buNone/>
+              <a:defRPr sz="2133">
+                <a:solidFill>
+                  <a:schemeClr val="tx1">
+                    <a:tint val="75000"/>
+                  </a:schemeClr>
+                </a:solidFill>
+              </a:defRPr>
+            </a:lvl5pPr>
+            <a:lvl6pPr marL="3047962" indent="0">
+              <a:buNone/>
+              <a:defRPr sz="2133">
+                <a:solidFill>
+                  <a:schemeClr val="tx1">
+                    <a:tint val="75000"/>
+                  </a:schemeClr>
+                </a:solidFill>
+              </a:defRPr>
+            </a:lvl6pPr>
+            <a:lvl7pPr marL="3657555" indent="0">
+              <a:buNone/>
+              <a:defRPr sz="2133">
+                <a:solidFill>
+                  <a:schemeClr val="tx1">
+                    <a:tint val="75000"/>
+                  </a:schemeClr>
+                </a:solidFill>
+              </a:defRPr>
+            </a:lvl7pPr>
+            <a:lvl8pPr marL="4267147" indent="0">
+              <a:buNone/>
+              <a:defRPr sz="2133">
+                <a:solidFill>
+                  <a:schemeClr val="tx1">
+                    <a:tint val="75000"/>
+                  </a:schemeClr>
+                </a:solidFill>
+              </a:defRPr>
+            </a:lvl8pPr>
+            <a:lvl9pPr marL="4876738" indent="0">
+              <a:buNone/>
+              <a:defRPr sz="2133">
+                <a:solidFill>
+                  <a:schemeClr val="tx1">
+                    <a:tint val="75000"/>
+                  </a:schemeClr>
+                </a:solidFill>
+              </a:defRPr>
+            </a:lvl9pPr>
+          </a:lstStyle>
+          <a:p>
+            <a:pPr lvl="0"/>
+            <a:r>
+              <a:rPr lang="zh-CN" altLang="en-US"/>
+              <a:t>单击此处编辑母版文本样式</a:t>
+            </a:r>
+          </a:p>
+        </p:txBody>
+      </p:sp>
+      <p:sp>
+        <p:nvSpPr>
+          <p:cNvPr id="4" name="Date Placeholder 3"/>
+          <p:cNvSpPr>
+            <a:spLocks noGrp="1"/>
+          </p:cNvSpPr>
+          <p:nvPr>
+            <p:ph type="dt" sz="half" idx="10"/>
+          </p:nvPr>
+        </p:nvSpPr>
+        <p:spPr/>
+        <p:txBody>
+          <a:bodyPr/>
+          <a:lstStyle/>
+          <a:p>
+            <a:fld id="{3E73DA82-0082-2445-BF22-418BB184E2E3}" type="datetimeFigureOut">
+              <a:rPr kumimoji="1" lang="zh-CN" altLang="en-US" smtClean="0"/>
+              <a:t>2024/6/17</a:t>
+            </a:fld>
+            <a:endParaRPr kumimoji="1" lang="zh-CN" altLang="en-US"/>
+          </a:p>
+        </p:txBody>
+      </p:sp>
+      <p:sp>
+        <p:nvSpPr>
+          <p:cNvPr id="5" name="Footer Placeholder 4"/>
+          <p:cNvSpPr>
+            <a:spLocks noGrp="1"/>
+          </p:cNvSpPr>
+          <p:nvPr>
+            <p:ph type="ftr" sz="quarter" idx="11"/>
+          </p:nvPr>
+        </p:nvSpPr>
+        <p:spPr/>
+        <p:txBody>
+          <a:bodyPr/>
+          <a:lstStyle/>
+          <a:p>
+            <a:endParaRPr kumimoji="1" lang="zh-CN" altLang="en-US"/>
+          </a:p>
+        </p:txBody>
+      </p:sp>
+      <p:sp>
+        <p:nvSpPr>
+          <p:cNvPr id="6" name="Slide Number Placeholder 5"/>
+          <p:cNvSpPr>
+            <a:spLocks noGrp="1"/>
+          </p:cNvSpPr>
+          <p:nvPr>
+            <p:ph type="sldNum" sz="quarter" idx="12"/>
+          </p:nvPr>
+        </p:nvSpPr>
+        <p:spPr/>
+        <p:txBody>
+          <a:bodyPr/>
+          <a:lstStyle/>
+          <a:p>
+            <a:fld id="{81A8CE35-5F49-8F49-A5FC-30EA988ECDEB}" type="slidenum">
+              <a:rPr kumimoji="1" lang="zh-CN" altLang="en-US" smtClean="0"/>
+              <a:t>‹#›</a:t>
+            </a:fld>
+            <a:endParaRPr kumimoji="1" lang="zh-CN" altLang="en-US"/>
+          </a:p>
+        </p:txBody>
+      </p:sp>
+    </p:spTree>
+    <p:extLst>
+      <p:ext uri="{BB962C8B-B14F-4D97-AF65-F5344CB8AC3E}">
+        <p14:creationId xmlns:p14="http://schemas.microsoft.com/office/powerpoint/2010/main" val="147289992"/>
+      </p:ext>
+    </p:extLst>
+  </p:cSld>
+  <p:clrMapOvr>
+    <a:masterClrMapping/>
+  </p:clrMapOvr>
+</p:sldLayout>
+</file>
+
+<file path=ppt/slideLayouts/slideLayout15.xml><?xml version="1.0" encoding="utf-8"?>
+<p:sldLayout xmlns:a="http://schemas.openxmlformats.org/drawingml/2006/main" xmlns:r="http://schemas.openxmlformats.org/officeDocument/2006/relationships" xmlns:p="http://schemas.openxmlformats.org/presentationml/2006/main" type="twoObj" preserve="1">
+  <p:cSld name="两栏内容">
+    <p:spTree>
+      <p:nvGrpSpPr>
+        <p:cNvPr id="1" name=""/>
+        <p:cNvGrpSpPr/>
+        <p:nvPr/>
+      </p:nvGrpSpPr>
+      <p:grpSpPr>
+        <a:xfrm>
+          <a:off x="0" y="0"/>
+          <a:ext cx="0" cy="0"/>
+          <a:chOff x="0" y="0"/>
+          <a:chExt cx="0" cy="0"/>
+        </a:xfrm>
+      </p:grpSpPr>
+      <p:sp>
+        <p:nvSpPr>
+          <p:cNvPr id="2" name="Title 1"/>
+          <p:cNvSpPr>
+            <a:spLocks noGrp="1"/>
+          </p:cNvSpPr>
+          <p:nvPr>
+            <p:ph type="title"/>
+          </p:nvPr>
+        </p:nvSpPr>
+        <p:spPr/>
+        <p:txBody>
+          <a:bodyPr/>
+          <a:lstStyle/>
+          <a:p>
+            <a:r>
+              <a:rPr lang="zh-CN" altLang="en-US"/>
+              <a:t>单击此处编辑母版标题样式</a:t>
+            </a:r>
+            <a:endParaRPr lang="en-US" dirty="0"/>
+          </a:p>
+        </p:txBody>
+      </p:sp>
+      <p:sp>
+        <p:nvSpPr>
+          <p:cNvPr id="3" name="Content Placeholder 2"/>
+          <p:cNvSpPr>
+            <a:spLocks noGrp="1"/>
+          </p:cNvSpPr>
+          <p:nvPr>
+            <p:ph sz="half" idx="1"/>
+          </p:nvPr>
+        </p:nvSpPr>
+        <p:spPr>
+          <a:xfrm>
+            <a:off x="838201" y="4327408"/>
+            <a:ext cx="5181600" cy="10314283"/>
+          </a:xfrm>
+        </p:spPr>
+        <p:txBody>
+          <a:bodyPr/>
+          <a:lstStyle/>
+          <a:p>
+            <a:pPr lvl="0"/>
+            <a:r>
+              <a:rPr lang="zh-CN" altLang="en-US"/>
+              <a:t>单击此处编辑母版文本样式</a:t>
+            </a:r>
+          </a:p>
+          <a:p>
+            <a:pPr lvl="1"/>
+            <a:r>
+              <a:rPr lang="zh-CN" altLang="en-US"/>
+              <a:t>二级</a:t>
+            </a:r>
+          </a:p>
+          <a:p>
+            <a:pPr lvl="2"/>
+            <a:r>
+              <a:rPr lang="zh-CN" altLang="en-US"/>
+              <a:t>三级</a:t>
+            </a:r>
+          </a:p>
+          <a:p>
+            <a:pPr lvl="3"/>
+            <a:r>
+              <a:rPr lang="zh-CN" altLang="en-US"/>
+              <a:t>四级</a:t>
+            </a:r>
+          </a:p>
+          <a:p>
+            <a:pPr lvl="4"/>
+            <a:r>
+              <a:rPr lang="zh-CN" altLang="en-US"/>
+              <a:t>五级</a:t>
+            </a:r>
+            <a:endParaRPr lang="en-US" dirty="0"/>
+          </a:p>
+        </p:txBody>
+      </p:sp>
+      <p:sp>
+        <p:nvSpPr>
+          <p:cNvPr id="4" name="Content Placeholder 3"/>
+          <p:cNvSpPr>
+            <a:spLocks noGrp="1"/>
+          </p:cNvSpPr>
+          <p:nvPr>
+            <p:ph sz="half" idx="2"/>
+          </p:nvPr>
+        </p:nvSpPr>
+        <p:spPr>
+          <a:xfrm>
+            <a:off x="6172201" y="4327408"/>
+            <a:ext cx="5181600" cy="10314283"/>
+          </a:xfrm>
+        </p:spPr>
+        <p:txBody>
+          <a:bodyPr/>
+          <a:lstStyle/>
+          <a:p>
+            <a:pPr lvl="0"/>
+            <a:r>
+              <a:rPr lang="zh-CN" altLang="en-US"/>
+              <a:t>单击此处编辑母版文本样式</a:t>
+            </a:r>
+          </a:p>
+          <a:p>
+            <a:pPr lvl="1"/>
+            <a:r>
+              <a:rPr lang="zh-CN" altLang="en-US"/>
+              <a:t>二级</a:t>
+            </a:r>
+          </a:p>
+          <a:p>
+            <a:pPr lvl="2"/>
+            <a:r>
+              <a:rPr lang="zh-CN" altLang="en-US"/>
+              <a:t>三级</a:t>
+            </a:r>
+          </a:p>
+          <a:p>
+            <a:pPr lvl="3"/>
+            <a:r>
+              <a:rPr lang="zh-CN" altLang="en-US"/>
+              <a:t>四级</a:t>
+            </a:r>
+          </a:p>
+          <a:p>
+            <a:pPr lvl="4"/>
+            <a:r>
+              <a:rPr lang="zh-CN" altLang="en-US"/>
+              <a:t>五级</a:t>
+            </a:r>
+            <a:endParaRPr lang="en-US" dirty="0"/>
+          </a:p>
+        </p:txBody>
+      </p:sp>
+      <p:sp>
+        <p:nvSpPr>
+          <p:cNvPr id="5" name="Date Placeholder 4"/>
+          <p:cNvSpPr>
+            <a:spLocks noGrp="1"/>
+          </p:cNvSpPr>
+          <p:nvPr>
+            <p:ph type="dt" sz="half" idx="10"/>
+          </p:nvPr>
+        </p:nvSpPr>
+        <p:spPr/>
+        <p:txBody>
+          <a:bodyPr/>
+          <a:lstStyle/>
+          <a:p>
+            <a:fld id="{3E73DA82-0082-2445-BF22-418BB184E2E3}" type="datetimeFigureOut">
+              <a:rPr kumimoji="1" lang="zh-CN" altLang="en-US" smtClean="0"/>
+              <a:t>2024/6/17</a:t>
+            </a:fld>
+            <a:endParaRPr kumimoji="1" lang="zh-CN" altLang="en-US"/>
+          </a:p>
+        </p:txBody>
+      </p:sp>
+      <p:sp>
+        <p:nvSpPr>
+          <p:cNvPr id="6" name="Footer Placeholder 5"/>
+          <p:cNvSpPr>
+            <a:spLocks noGrp="1"/>
+          </p:cNvSpPr>
+          <p:nvPr>
+            <p:ph type="ftr" sz="quarter" idx="11"/>
+          </p:nvPr>
+        </p:nvSpPr>
+        <p:spPr/>
+        <p:txBody>
+          <a:bodyPr/>
+          <a:lstStyle/>
+          <a:p>
+            <a:endParaRPr kumimoji="1" lang="zh-CN" altLang="en-US"/>
+          </a:p>
+        </p:txBody>
+      </p:sp>
+      <p:sp>
+        <p:nvSpPr>
+          <p:cNvPr id="7" name="Slide Number Placeholder 6"/>
+          <p:cNvSpPr>
+            <a:spLocks noGrp="1"/>
+          </p:cNvSpPr>
+          <p:nvPr>
+            <p:ph type="sldNum" sz="quarter" idx="12"/>
+          </p:nvPr>
+        </p:nvSpPr>
+        <p:spPr/>
+        <p:txBody>
+          <a:bodyPr/>
+          <a:lstStyle/>
+          <a:p>
+            <a:fld id="{81A8CE35-5F49-8F49-A5FC-30EA988ECDEB}" type="slidenum">
+              <a:rPr kumimoji="1" lang="zh-CN" altLang="en-US" smtClean="0"/>
+              <a:t>‹#›</a:t>
+            </a:fld>
+            <a:endParaRPr kumimoji="1" lang="zh-CN" altLang="en-US"/>
+          </a:p>
+        </p:txBody>
+      </p:sp>
+    </p:spTree>
+    <p:extLst>
+      <p:ext uri="{BB962C8B-B14F-4D97-AF65-F5344CB8AC3E}">
+        <p14:creationId xmlns:p14="http://schemas.microsoft.com/office/powerpoint/2010/main" val="2696110597"/>
+      </p:ext>
+    </p:extLst>
+  </p:cSld>
+  <p:clrMapOvr>
+    <a:masterClrMapping/>
+  </p:clrMapOvr>
+</p:sldLayout>
+</file>
+
+<file path=ppt/slideLayouts/slideLayout16.xml><?xml version="1.0" encoding="utf-8"?>
+<p:sldLayout xmlns:a="http://schemas.openxmlformats.org/drawingml/2006/main" xmlns:r="http://schemas.openxmlformats.org/officeDocument/2006/relationships" xmlns:p="http://schemas.openxmlformats.org/presentationml/2006/main" type="twoTxTwoObj" preserve="1">
+  <p:cSld name="比较">
+    <p:spTree>
+      <p:nvGrpSpPr>
+        <p:cNvPr id="1" name=""/>
+        <p:cNvGrpSpPr/>
+        <p:nvPr/>
+      </p:nvGrpSpPr>
+      <p:grpSpPr>
+        <a:xfrm>
+          <a:off x="0" y="0"/>
+          <a:ext cx="0" cy="0"/>
+          <a:chOff x="0" y="0"/>
+          <a:chExt cx="0" cy="0"/>
+        </a:xfrm>
+      </p:grpSpPr>
+      <p:sp>
+        <p:nvSpPr>
+          <p:cNvPr id="2" name="Title 1"/>
+          <p:cNvSpPr>
+            <a:spLocks noGrp="1"/>
+          </p:cNvSpPr>
+          <p:nvPr>
+            <p:ph type="title"/>
+          </p:nvPr>
+        </p:nvSpPr>
+        <p:spPr>
+          <a:xfrm>
+            <a:off x="839789" y="865487"/>
+            <a:ext cx="10515600" cy="3142075"/>
+          </a:xfrm>
+        </p:spPr>
+        <p:txBody>
+          <a:bodyPr/>
+          <a:lstStyle/>
+          <a:p>
+            <a:r>
+              <a:rPr lang="zh-CN" altLang="en-US"/>
+              <a:t>单击此处编辑母版标题样式</a:t>
+            </a:r>
+            <a:endParaRPr lang="en-US" dirty="0"/>
+          </a:p>
+        </p:txBody>
+      </p:sp>
+      <p:sp>
+        <p:nvSpPr>
+          <p:cNvPr id="3" name="Text Placeholder 2"/>
+          <p:cNvSpPr>
+            <a:spLocks noGrp="1"/>
+          </p:cNvSpPr>
+          <p:nvPr>
+            <p:ph type="body" idx="1"/>
+          </p:nvPr>
+        </p:nvSpPr>
+        <p:spPr>
+          <a:xfrm>
+            <a:off x="839791" y="3984979"/>
+            <a:ext cx="5157787" cy="1952978"/>
+          </a:xfrm>
+        </p:spPr>
+        <p:txBody>
+          <a:bodyPr anchor="b"/>
+          <a:lstStyle>
+            <a:lvl1pPr marL="0" indent="0">
+              <a:buNone/>
+              <a:defRPr sz="3200" b="1"/>
+            </a:lvl1pPr>
+            <a:lvl2pPr marL="609593" indent="0">
+              <a:buNone/>
+              <a:defRPr sz="2667" b="1"/>
+            </a:lvl2pPr>
+            <a:lvl3pPr marL="1219185" indent="0">
+              <a:buNone/>
+              <a:defRPr sz="2400" b="1"/>
+            </a:lvl3pPr>
+            <a:lvl4pPr marL="1828777" indent="0">
+              <a:buNone/>
+              <a:defRPr sz="2133" b="1"/>
+            </a:lvl4pPr>
+            <a:lvl5pPr marL="2438370" indent="0">
+              <a:buNone/>
+              <a:defRPr sz="2133" b="1"/>
+            </a:lvl5pPr>
+            <a:lvl6pPr marL="3047962" indent="0">
+              <a:buNone/>
+              <a:defRPr sz="2133" b="1"/>
+            </a:lvl6pPr>
+            <a:lvl7pPr marL="3657555" indent="0">
+              <a:buNone/>
+              <a:defRPr sz="2133" b="1"/>
+            </a:lvl7pPr>
+            <a:lvl8pPr marL="4267147" indent="0">
+              <a:buNone/>
+              <a:defRPr sz="2133" b="1"/>
+            </a:lvl8pPr>
+            <a:lvl9pPr marL="4876738" indent="0">
+              <a:buNone/>
+              <a:defRPr sz="2133" b="1"/>
+            </a:lvl9pPr>
+          </a:lstStyle>
+          <a:p>
+            <a:pPr lvl="0"/>
+            <a:r>
+              <a:rPr lang="zh-CN" altLang="en-US"/>
+              <a:t>单击此处编辑母版文本样式</a:t>
+            </a:r>
+          </a:p>
+        </p:txBody>
+      </p:sp>
+      <p:sp>
+        <p:nvSpPr>
+          <p:cNvPr id="4" name="Content Placeholder 3"/>
+          <p:cNvSpPr>
+            <a:spLocks noGrp="1"/>
+          </p:cNvSpPr>
+          <p:nvPr>
+            <p:ph sz="half" idx="2"/>
+          </p:nvPr>
+        </p:nvSpPr>
+        <p:spPr>
+          <a:xfrm>
+            <a:off x="839791" y="5937956"/>
+            <a:ext cx="5157787" cy="8733838"/>
+          </a:xfrm>
+        </p:spPr>
+        <p:txBody>
+          <a:bodyPr/>
+          <a:lstStyle/>
+          <a:p>
+            <a:pPr lvl="0"/>
+            <a:r>
+              <a:rPr lang="zh-CN" altLang="en-US"/>
+              <a:t>单击此处编辑母版文本样式</a:t>
+            </a:r>
+          </a:p>
+          <a:p>
+            <a:pPr lvl="1"/>
+            <a:r>
+              <a:rPr lang="zh-CN" altLang="en-US"/>
+              <a:t>二级</a:t>
+            </a:r>
+          </a:p>
+          <a:p>
+            <a:pPr lvl="2"/>
+            <a:r>
+              <a:rPr lang="zh-CN" altLang="en-US"/>
+              <a:t>三级</a:t>
+            </a:r>
+          </a:p>
+          <a:p>
+            <a:pPr lvl="3"/>
+            <a:r>
+              <a:rPr lang="zh-CN" altLang="en-US"/>
+              <a:t>四级</a:t>
+            </a:r>
+          </a:p>
+          <a:p>
+            <a:pPr lvl="4"/>
+            <a:r>
+              <a:rPr lang="zh-CN" altLang="en-US"/>
+              <a:t>五级</a:t>
+            </a:r>
+            <a:endParaRPr lang="en-US" dirty="0"/>
+          </a:p>
+        </p:txBody>
+      </p:sp>
+      <p:sp>
+        <p:nvSpPr>
+          <p:cNvPr id="5" name="Text Placeholder 4"/>
+          <p:cNvSpPr>
+            <a:spLocks noGrp="1"/>
+          </p:cNvSpPr>
+          <p:nvPr>
+            <p:ph type="body" sz="quarter" idx="3"/>
+          </p:nvPr>
+        </p:nvSpPr>
+        <p:spPr>
+          <a:xfrm>
+            <a:off x="6172202" y="3984979"/>
+            <a:ext cx="5183188" cy="1952978"/>
+          </a:xfrm>
+        </p:spPr>
+        <p:txBody>
+          <a:bodyPr anchor="b"/>
+          <a:lstStyle>
+            <a:lvl1pPr marL="0" indent="0">
+              <a:buNone/>
+              <a:defRPr sz="3200" b="1"/>
+            </a:lvl1pPr>
+            <a:lvl2pPr marL="609593" indent="0">
+              <a:buNone/>
+              <a:defRPr sz="2667" b="1"/>
+            </a:lvl2pPr>
+            <a:lvl3pPr marL="1219185" indent="0">
+              <a:buNone/>
+              <a:defRPr sz="2400" b="1"/>
+            </a:lvl3pPr>
+            <a:lvl4pPr marL="1828777" indent="0">
+              <a:buNone/>
+              <a:defRPr sz="2133" b="1"/>
+            </a:lvl4pPr>
+            <a:lvl5pPr marL="2438370" indent="0">
+              <a:buNone/>
+              <a:defRPr sz="2133" b="1"/>
+            </a:lvl5pPr>
+            <a:lvl6pPr marL="3047962" indent="0">
+              <a:buNone/>
+              <a:defRPr sz="2133" b="1"/>
+            </a:lvl6pPr>
+            <a:lvl7pPr marL="3657555" indent="0">
+              <a:buNone/>
+              <a:defRPr sz="2133" b="1"/>
+            </a:lvl7pPr>
+            <a:lvl8pPr marL="4267147" indent="0">
+              <a:buNone/>
+              <a:defRPr sz="2133" b="1"/>
+            </a:lvl8pPr>
+            <a:lvl9pPr marL="4876738" indent="0">
+              <a:buNone/>
+              <a:defRPr sz="2133" b="1"/>
+            </a:lvl9pPr>
+          </a:lstStyle>
+          <a:p>
+            <a:pPr lvl="0"/>
+            <a:r>
+              <a:rPr lang="zh-CN" altLang="en-US"/>
+              <a:t>单击此处编辑母版文本样式</a:t>
+            </a:r>
+          </a:p>
+        </p:txBody>
+      </p:sp>
+      <p:sp>
+        <p:nvSpPr>
+          <p:cNvPr id="6" name="Content Placeholder 5"/>
+          <p:cNvSpPr>
+            <a:spLocks noGrp="1"/>
+          </p:cNvSpPr>
+          <p:nvPr>
+            <p:ph sz="quarter" idx="4"/>
+          </p:nvPr>
+        </p:nvSpPr>
+        <p:spPr>
+          <a:xfrm>
+            <a:off x="6172202" y="5937956"/>
+            <a:ext cx="5183188" cy="8733838"/>
+          </a:xfrm>
+        </p:spPr>
+        <p:txBody>
+          <a:bodyPr/>
+          <a:lstStyle/>
+          <a:p>
+            <a:pPr lvl="0"/>
+            <a:r>
+              <a:rPr lang="zh-CN" altLang="en-US"/>
+              <a:t>单击此处编辑母版文本样式</a:t>
+            </a:r>
+          </a:p>
+          <a:p>
+            <a:pPr lvl="1"/>
+            <a:r>
+              <a:rPr lang="zh-CN" altLang="en-US"/>
+              <a:t>二级</a:t>
+            </a:r>
+          </a:p>
+          <a:p>
+            <a:pPr lvl="2"/>
+            <a:r>
+              <a:rPr lang="zh-CN" altLang="en-US"/>
+              <a:t>三级</a:t>
+            </a:r>
+          </a:p>
+          <a:p>
+            <a:pPr lvl="3"/>
+            <a:r>
+              <a:rPr lang="zh-CN" altLang="en-US"/>
+              <a:t>四级</a:t>
+            </a:r>
+          </a:p>
+          <a:p>
+            <a:pPr lvl="4"/>
+            <a:r>
+              <a:rPr lang="zh-CN" altLang="en-US"/>
+              <a:t>五级</a:t>
+            </a:r>
+            <a:endParaRPr lang="en-US" dirty="0"/>
+          </a:p>
+        </p:txBody>
+      </p:sp>
+      <p:sp>
+        <p:nvSpPr>
+          <p:cNvPr id="7" name="Date Placeholder 6"/>
+          <p:cNvSpPr>
+            <a:spLocks noGrp="1"/>
+          </p:cNvSpPr>
+          <p:nvPr>
+            <p:ph type="dt" sz="half" idx="10"/>
+          </p:nvPr>
+        </p:nvSpPr>
+        <p:spPr/>
+        <p:txBody>
+          <a:bodyPr/>
+          <a:lstStyle/>
+          <a:p>
+            <a:fld id="{3E73DA82-0082-2445-BF22-418BB184E2E3}" type="datetimeFigureOut">
+              <a:rPr kumimoji="1" lang="zh-CN" altLang="en-US" smtClean="0"/>
+              <a:t>2024/6/17</a:t>
+            </a:fld>
+            <a:endParaRPr kumimoji="1" lang="zh-CN" altLang="en-US"/>
+          </a:p>
+        </p:txBody>
+      </p:sp>
+      <p:sp>
+        <p:nvSpPr>
+          <p:cNvPr id="8" name="Footer Placeholder 7"/>
+          <p:cNvSpPr>
+            <a:spLocks noGrp="1"/>
+          </p:cNvSpPr>
+          <p:nvPr>
+            <p:ph type="ftr" sz="quarter" idx="11"/>
+          </p:nvPr>
+        </p:nvSpPr>
+        <p:spPr/>
+        <p:txBody>
+          <a:bodyPr/>
+          <a:lstStyle/>
+          <a:p>
+            <a:endParaRPr kumimoji="1" lang="zh-CN" altLang="en-US"/>
+          </a:p>
+        </p:txBody>
+      </p:sp>
+      <p:sp>
+        <p:nvSpPr>
+          <p:cNvPr id="9" name="Slide Number Placeholder 8"/>
+          <p:cNvSpPr>
+            <a:spLocks noGrp="1"/>
+          </p:cNvSpPr>
+          <p:nvPr>
+            <p:ph type="sldNum" sz="quarter" idx="12"/>
+          </p:nvPr>
+        </p:nvSpPr>
+        <p:spPr/>
+        <p:txBody>
+          <a:bodyPr/>
+          <a:lstStyle/>
+          <a:p>
+            <a:fld id="{81A8CE35-5F49-8F49-A5FC-30EA988ECDEB}" type="slidenum">
+              <a:rPr kumimoji="1" lang="zh-CN" altLang="en-US" smtClean="0"/>
+              <a:t>‹#›</a:t>
+            </a:fld>
+            <a:endParaRPr kumimoji="1" lang="zh-CN" altLang="en-US"/>
+          </a:p>
+        </p:txBody>
+      </p:sp>
+    </p:spTree>
+    <p:extLst>
+      <p:ext uri="{BB962C8B-B14F-4D97-AF65-F5344CB8AC3E}">
+        <p14:creationId xmlns:p14="http://schemas.microsoft.com/office/powerpoint/2010/main" val="160744211"/>
+      </p:ext>
+    </p:extLst>
+  </p:cSld>
+  <p:clrMapOvr>
+    <a:masterClrMapping/>
+  </p:clrMapOvr>
+</p:sldLayout>
+</file>
+
+<file path=ppt/slideLayouts/slideLayout17.xml><?xml version="1.0" encoding="utf-8"?>
+<p:sldLayout xmlns:a="http://schemas.openxmlformats.org/drawingml/2006/main" xmlns:r="http://schemas.openxmlformats.org/officeDocument/2006/relationships" xmlns:p="http://schemas.openxmlformats.org/presentationml/2006/main" type="titleOnly" preserve="1">
+  <p:cSld name="仅标题">
+    <p:spTree>
+      <p:nvGrpSpPr>
+        <p:cNvPr id="1" name=""/>
+        <p:cNvGrpSpPr/>
+        <p:nvPr/>
+      </p:nvGrpSpPr>
+      <p:grpSpPr>
+        <a:xfrm>
+          <a:off x="0" y="0"/>
+          <a:ext cx="0" cy="0"/>
+          <a:chOff x="0" y="0"/>
+          <a:chExt cx="0" cy="0"/>
+        </a:xfrm>
+      </p:grpSpPr>
+      <p:sp>
+        <p:nvSpPr>
+          <p:cNvPr id="2" name="Title 1"/>
+          <p:cNvSpPr>
+            <a:spLocks noGrp="1"/>
+          </p:cNvSpPr>
+          <p:nvPr>
+            <p:ph type="title"/>
+          </p:nvPr>
+        </p:nvSpPr>
+        <p:spPr/>
+        <p:txBody>
+          <a:bodyPr/>
+          <a:lstStyle/>
+          <a:p>
+            <a:r>
+              <a:rPr lang="zh-CN" altLang="en-US"/>
+              <a:t>单击此处编辑母版标题样式</a:t>
+            </a:r>
+            <a:endParaRPr lang="en-US" dirty="0"/>
+          </a:p>
+        </p:txBody>
+      </p:sp>
+      <p:sp>
+        <p:nvSpPr>
+          <p:cNvPr id="3" name="Date Placeholder 2"/>
+          <p:cNvSpPr>
+            <a:spLocks noGrp="1"/>
+          </p:cNvSpPr>
+          <p:nvPr>
+            <p:ph type="dt" sz="half" idx="10"/>
+          </p:nvPr>
+        </p:nvSpPr>
+        <p:spPr/>
+        <p:txBody>
+          <a:bodyPr/>
+          <a:lstStyle/>
+          <a:p>
+            <a:fld id="{3E73DA82-0082-2445-BF22-418BB184E2E3}" type="datetimeFigureOut">
+              <a:rPr kumimoji="1" lang="zh-CN" altLang="en-US" smtClean="0"/>
+              <a:t>2024/6/17</a:t>
+            </a:fld>
+            <a:endParaRPr kumimoji="1" lang="zh-CN" altLang="en-US"/>
+          </a:p>
+        </p:txBody>
+      </p:sp>
+      <p:sp>
+        <p:nvSpPr>
+          <p:cNvPr id="4" name="Footer Placeholder 3"/>
+          <p:cNvSpPr>
+            <a:spLocks noGrp="1"/>
+          </p:cNvSpPr>
+          <p:nvPr>
+            <p:ph type="ftr" sz="quarter" idx="11"/>
+          </p:nvPr>
+        </p:nvSpPr>
+        <p:spPr/>
+        <p:txBody>
+          <a:bodyPr/>
+          <a:lstStyle/>
+          <a:p>
+            <a:endParaRPr kumimoji="1" lang="zh-CN" altLang="en-US"/>
+          </a:p>
+        </p:txBody>
+      </p:sp>
+      <p:sp>
+        <p:nvSpPr>
+          <p:cNvPr id="5" name="Slide Number Placeholder 4"/>
+          <p:cNvSpPr>
+            <a:spLocks noGrp="1"/>
+          </p:cNvSpPr>
+          <p:nvPr>
+            <p:ph type="sldNum" sz="quarter" idx="12"/>
+          </p:nvPr>
+        </p:nvSpPr>
+        <p:spPr/>
+        <p:txBody>
+          <a:bodyPr/>
+          <a:lstStyle/>
+          <a:p>
+            <a:fld id="{81A8CE35-5F49-8F49-A5FC-30EA988ECDEB}" type="slidenum">
+              <a:rPr kumimoji="1" lang="zh-CN" altLang="en-US" smtClean="0"/>
+              <a:t>‹#›</a:t>
+            </a:fld>
+            <a:endParaRPr kumimoji="1" lang="zh-CN" altLang="en-US"/>
+          </a:p>
+        </p:txBody>
+      </p:sp>
+    </p:spTree>
+    <p:extLst>
+      <p:ext uri="{BB962C8B-B14F-4D97-AF65-F5344CB8AC3E}">
+        <p14:creationId xmlns:p14="http://schemas.microsoft.com/office/powerpoint/2010/main" val="498875336"/>
+      </p:ext>
+    </p:extLst>
+  </p:cSld>
+  <p:clrMapOvr>
+    <a:masterClrMapping/>
+  </p:clrMapOvr>
+</p:sldLayout>
+</file>
+
+<file path=ppt/slideLayouts/slideLayout18.xml><?xml version="1.0" encoding="utf-8"?>
+<p:sldLayout xmlns:a="http://schemas.openxmlformats.org/drawingml/2006/main" xmlns:r="http://schemas.openxmlformats.org/officeDocument/2006/relationships" xmlns:p="http://schemas.openxmlformats.org/presentationml/2006/main" type="blank" preserve="1">
+  <p:cSld name="空白">
+    <p:spTree>
+      <p:nvGrpSpPr>
+        <p:cNvPr id="1" name=""/>
+        <p:cNvGrpSpPr/>
+        <p:nvPr/>
+      </p:nvGrpSpPr>
+      <p:grpSpPr>
+        <a:xfrm>
+          <a:off x="0" y="0"/>
+          <a:ext cx="0" cy="0"/>
+          <a:chOff x="0" y="0"/>
+          <a:chExt cx="0" cy="0"/>
+        </a:xfrm>
+      </p:grpSpPr>
+      <p:sp>
+        <p:nvSpPr>
+          <p:cNvPr id="2" name="Date Placeholder 1"/>
+          <p:cNvSpPr>
+            <a:spLocks noGrp="1"/>
+          </p:cNvSpPr>
+          <p:nvPr>
+            <p:ph type="dt" sz="half" idx="10"/>
+          </p:nvPr>
+        </p:nvSpPr>
+        <p:spPr/>
+        <p:txBody>
+          <a:bodyPr/>
+          <a:lstStyle/>
+          <a:p>
+            <a:fld id="{3E73DA82-0082-2445-BF22-418BB184E2E3}" type="datetimeFigureOut">
+              <a:rPr kumimoji="1" lang="zh-CN" altLang="en-US" smtClean="0"/>
+              <a:t>2024/6/17</a:t>
+            </a:fld>
+            <a:endParaRPr kumimoji="1" lang="zh-CN" altLang="en-US"/>
+          </a:p>
+        </p:txBody>
+      </p:sp>
+      <p:sp>
+        <p:nvSpPr>
+          <p:cNvPr id="3" name="Footer Placeholder 2"/>
+          <p:cNvSpPr>
+            <a:spLocks noGrp="1"/>
+          </p:cNvSpPr>
+          <p:nvPr>
+            <p:ph type="ftr" sz="quarter" idx="11"/>
+          </p:nvPr>
+        </p:nvSpPr>
+        <p:spPr/>
+        <p:txBody>
+          <a:bodyPr/>
+          <a:lstStyle/>
+          <a:p>
+            <a:endParaRPr kumimoji="1" lang="zh-CN" altLang="en-US"/>
+          </a:p>
+        </p:txBody>
+      </p:sp>
+      <p:sp>
+        <p:nvSpPr>
+          <p:cNvPr id="4" name="Slide Number Placeholder 3"/>
+          <p:cNvSpPr>
+            <a:spLocks noGrp="1"/>
+          </p:cNvSpPr>
+          <p:nvPr>
+            <p:ph type="sldNum" sz="quarter" idx="12"/>
+          </p:nvPr>
+        </p:nvSpPr>
+        <p:spPr/>
+        <p:txBody>
+          <a:bodyPr/>
+          <a:lstStyle/>
+          <a:p>
+            <a:fld id="{81A8CE35-5F49-8F49-A5FC-30EA988ECDEB}" type="slidenum">
+              <a:rPr kumimoji="1" lang="zh-CN" altLang="en-US" smtClean="0"/>
+              <a:t>‹#›</a:t>
+            </a:fld>
+            <a:endParaRPr kumimoji="1" lang="zh-CN" altLang="en-US"/>
+          </a:p>
+        </p:txBody>
+      </p:sp>
+    </p:spTree>
+    <p:extLst>
+      <p:ext uri="{BB962C8B-B14F-4D97-AF65-F5344CB8AC3E}">
+        <p14:creationId xmlns:p14="http://schemas.microsoft.com/office/powerpoint/2010/main" val="3973142046"/>
+      </p:ext>
+    </p:extLst>
+  </p:cSld>
+  <p:clrMapOvr>
+    <a:masterClrMapping/>
+  </p:clrMapOvr>
+</p:sldLayout>
+</file>
+
+<file path=ppt/slideLayouts/slideLayout19.xml><?xml version="1.0" encoding="utf-8"?>
+<p:sldLayout xmlns:a="http://schemas.openxmlformats.org/drawingml/2006/main" xmlns:r="http://schemas.openxmlformats.org/officeDocument/2006/relationships" xmlns:p="http://schemas.openxmlformats.org/presentationml/2006/main" type="objTx" preserve="1">
+  <p:cSld name="内容与标题">
+    <p:spTree>
+      <p:nvGrpSpPr>
+        <p:cNvPr id="1" name=""/>
+        <p:cNvGrpSpPr/>
+        <p:nvPr/>
+      </p:nvGrpSpPr>
+      <p:grpSpPr>
+        <a:xfrm>
+          <a:off x="0" y="0"/>
+          <a:ext cx="0" cy="0"/>
+          <a:chOff x="0" y="0"/>
+          <a:chExt cx="0" cy="0"/>
+        </a:xfrm>
+      </p:grpSpPr>
+      <p:sp>
+        <p:nvSpPr>
+          <p:cNvPr id="2" name="Title 1"/>
+          <p:cNvSpPr>
+            <a:spLocks noGrp="1"/>
+          </p:cNvSpPr>
+          <p:nvPr>
+            <p:ph type="title"/>
+          </p:nvPr>
+        </p:nvSpPr>
+        <p:spPr>
+          <a:xfrm>
+            <a:off x="839790" y="1083733"/>
+            <a:ext cx="3932236" cy="3793067"/>
+          </a:xfrm>
+        </p:spPr>
+        <p:txBody>
+          <a:bodyPr anchor="b"/>
+          <a:lstStyle>
+            <a:lvl1pPr>
+              <a:defRPr sz="4267"/>
+            </a:lvl1pPr>
+          </a:lstStyle>
+          <a:p>
+            <a:r>
+              <a:rPr lang="zh-CN" altLang="en-US"/>
+              <a:t>单击此处编辑母版标题样式</a:t>
+            </a:r>
+            <a:endParaRPr lang="en-US" dirty="0"/>
+          </a:p>
+        </p:txBody>
+      </p:sp>
+      <p:sp>
+        <p:nvSpPr>
+          <p:cNvPr id="3" name="Content Placeholder 2"/>
+          <p:cNvSpPr>
+            <a:spLocks noGrp="1"/>
+          </p:cNvSpPr>
+          <p:nvPr>
+            <p:ph idx="1"/>
+          </p:nvPr>
+        </p:nvSpPr>
+        <p:spPr>
+          <a:xfrm>
+            <a:off x="5183188" y="2340568"/>
+            <a:ext cx="6172201" cy="11552297"/>
+          </a:xfrm>
+        </p:spPr>
+        <p:txBody>
+          <a:bodyPr/>
+          <a:lstStyle>
+            <a:lvl1pPr>
+              <a:defRPr sz="4267"/>
+            </a:lvl1pPr>
+            <a:lvl2pPr>
+              <a:defRPr sz="3733"/>
+            </a:lvl2pPr>
+            <a:lvl3pPr>
+              <a:defRPr sz="3200"/>
+            </a:lvl3pPr>
+            <a:lvl4pPr>
+              <a:defRPr sz="2667"/>
+            </a:lvl4pPr>
+            <a:lvl5pPr>
+              <a:defRPr sz="2667"/>
+            </a:lvl5pPr>
+            <a:lvl6pPr>
+              <a:defRPr sz="2667"/>
+            </a:lvl6pPr>
+            <a:lvl7pPr>
+              <a:defRPr sz="2667"/>
+            </a:lvl7pPr>
+            <a:lvl8pPr>
+              <a:defRPr sz="2667"/>
+            </a:lvl8pPr>
+            <a:lvl9pPr>
+              <a:defRPr sz="2667"/>
+            </a:lvl9pPr>
+          </a:lstStyle>
+          <a:p>
+            <a:pPr lvl="0"/>
+            <a:r>
+              <a:rPr lang="zh-CN" altLang="en-US"/>
+              <a:t>单击此处编辑母版文本样式</a:t>
+            </a:r>
+          </a:p>
+          <a:p>
+            <a:pPr lvl="1"/>
+            <a:r>
+              <a:rPr lang="zh-CN" altLang="en-US"/>
+              <a:t>二级</a:t>
+            </a:r>
+          </a:p>
+          <a:p>
+            <a:pPr lvl="2"/>
+            <a:r>
+              <a:rPr lang="zh-CN" altLang="en-US"/>
+              <a:t>三级</a:t>
+            </a:r>
+          </a:p>
+          <a:p>
+            <a:pPr lvl="3"/>
+            <a:r>
+              <a:rPr lang="zh-CN" altLang="en-US"/>
+              <a:t>四级</a:t>
+            </a:r>
+          </a:p>
+          <a:p>
+            <a:pPr lvl="4"/>
+            <a:r>
+              <a:rPr lang="zh-CN" altLang="en-US"/>
+              <a:t>五级</a:t>
+            </a:r>
+            <a:endParaRPr lang="en-US" dirty="0"/>
+          </a:p>
+        </p:txBody>
+      </p:sp>
+      <p:sp>
+        <p:nvSpPr>
+          <p:cNvPr id="4" name="Text Placeholder 3"/>
+          <p:cNvSpPr>
+            <a:spLocks noGrp="1"/>
+          </p:cNvSpPr>
+          <p:nvPr>
+            <p:ph type="body" sz="half" idx="2"/>
+          </p:nvPr>
+        </p:nvSpPr>
+        <p:spPr>
+          <a:xfrm>
+            <a:off x="839790" y="4876801"/>
+            <a:ext cx="3932236" cy="9034875"/>
+          </a:xfrm>
+        </p:spPr>
+        <p:txBody>
+          <a:bodyPr/>
+          <a:lstStyle>
+            <a:lvl1pPr marL="0" indent="0">
+              <a:buNone/>
+              <a:defRPr sz="2133"/>
+            </a:lvl1pPr>
+            <a:lvl2pPr marL="609593" indent="0">
+              <a:buNone/>
+              <a:defRPr sz="1867"/>
+            </a:lvl2pPr>
+            <a:lvl3pPr marL="1219185" indent="0">
+              <a:buNone/>
+              <a:defRPr sz="1600"/>
+            </a:lvl3pPr>
+            <a:lvl4pPr marL="1828777" indent="0">
+              <a:buNone/>
+              <a:defRPr sz="1333"/>
+            </a:lvl4pPr>
+            <a:lvl5pPr marL="2438370" indent="0">
+              <a:buNone/>
+              <a:defRPr sz="1333"/>
+            </a:lvl5pPr>
+            <a:lvl6pPr marL="3047962" indent="0">
+              <a:buNone/>
+              <a:defRPr sz="1333"/>
+            </a:lvl6pPr>
+            <a:lvl7pPr marL="3657555" indent="0">
+              <a:buNone/>
+              <a:defRPr sz="1333"/>
+            </a:lvl7pPr>
+            <a:lvl8pPr marL="4267147" indent="0">
+              <a:buNone/>
+              <a:defRPr sz="1333"/>
+            </a:lvl8pPr>
+            <a:lvl9pPr marL="4876738" indent="0">
+              <a:buNone/>
+              <a:defRPr sz="1333"/>
+            </a:lvl9pPr>
+          </a:lstStyle>
+          <a:p>
+            <a:pPr lvl="0"/>
+            <a:r>
+              <a:rPr lang="zh-CN" altLang="en-US"/>
+              <a:t>单击此处编辑母版文本样式</a:t>
+            </a:r>
+          </a:p>
+        </p:txBody>
+      </p:sp>
+      <p:sp>
+        <p:nvSpPr>
+          <p:cNvPr id="5" name="Date Placeholder 4"/>
+          <p:cNvSpPr>
+            <a:spLocks noGrp="1"/>
+          </p:cNvSpPr>
+          <p:nvPr>
+            <p:ph type="dt" sz="half" idx="10"/>
+          </p:nvPr>
+        </p:nvSpPr>
+        <p:spPr/>
+        <p:txBody>
+          <a:bodyPr/>
+          <a:lstStyle/>
+          <a:p>
+            <a:fld id="{3E73DA82-0082-2445-BF22-418BB184E2E3}" type="datetimeFigureOut">
+              <a:rPr kumimoji="1" lang="zh-CN" altLang="en-US" smtClean="0"/>
+              <a:t>2024/6/17</a:t>
+            </a:fld>
+            <a:endParaRPr kumimoji="1" lang="zh-CN" altLang="en-US"/>
+          </a:p>
+        </p:txBody>
+      </p:sp>
+      <p:sp>
+        <p:nvSpPr>
+          <p:cNvPr id="6" name="Footer Placeholder 5"/>
+          <p:cNvSpPr>
+            <a:spLocks noGrp="1"/>
+          </p:cNvSpPr>
+          <p:nvPr>
+            <p:ph type="ftr" sz="quarter" idx="11"/>
+          </p:nvPr>
+        </p:nvSpPr>
+        <p:spPr/>
+        <p:txBody>
+          <a:bodyPr/>
+          <a:lstStyle/>
+          <a:p>
+            <a:endParaRPr kumimoji="1" lang="zh-CN" altLang="en-US"/>
+          </a:p>
+        </p:txBody>
+      </p:sp>
+      <p:sp>
+        <p:nvSpPr>
+          <p:cNvPr id="7" name="Slide Number Placeholder 6"/>
+          <p:cNvSpPr>
+            <a:spLocks noGrp="1"/>
+          </p:cNvSpPr>
+          <p:nvPr>
+            <p:ph type="sldNum" sz="quarter" idx="12"/>
+          </p:nvPr>
+        </p:nvSpPr>
+        <p:spPr/>
+        <p:txBody>
+          <a:bodyPr/>
+          <a:lstStyle/>
+          <a:p>
+            <a:fld id="{81A8CE35-5F49-8F49-A5FC-30EA988ECDEB}" type="slidenum">
+              <a:rPr kumimoji="1" lang="zh-CN" altLang="en-US" smtClean="0"/>
+              <a:t>‹#›</a:t>
+            </a:fld>
+            <a:endParaRPr kumimoji="1" lang="zh-CN" altLang="en-US"/>
+          </a:p>
+        </p:txBody>
+      </p:sp>
+    </p:spTree>
+    <p:extLst>
+      <p:ext uri="{BB962C8B-B14F-4D97-AF65-F5344CB8AC3E}">
+        <p14:creationId xmlns:p14="http://schemas.microsoft.com/office/powerpoint/2010/main" val="1926594955"/>
       </p:ext>
     </p:extLst>
   </p:cSld>
@@ -764,7 +2461,7 @@
           <a:p>
             <a:fld id="{3E73DA82-0082-2445-BF22-418BB184E2E3}" type="datetimeFigureOut">
               <a:rPr kumimoji="1" lang="zh-CN" altLang="en-US" smtClean="0"/>
-              <a:t>2024/6/11</a:t>
+              <a:t>2024/6/17</a:t>
             </a:fld>
             <a:endParaRPr kumimoji="1" lang="zh-CN" altLang="en-US"/>
           </a:p>
@@ -816,6 +2513,613 @@
     <p:extLst>
       <p:ext uri="{BB962C8B-B14F-4D97-AF65-F5344CB8AC3E}">
         <p14:creationId xmlns:p14="http://schemas.microsoft.com/office/powerpoint/2010/main" val="3692847177"/>
+      </p:ext>
+    </p:extLst>
+  </p:cSld>
+  <p:clrMapOvr>
+    <a:masterClrMapping/>
+  </p:clrMapOvr>
+</p:sldLayout>
+</file>
+
+<file path=ppt/slideLayouts/slideLayout20.xml><?xml version="1.0" encoding="utf-8"?>
+<p:sldLayout xmlns:a="http://schemas.openxmlformats.org/drawingml/2006/main" xmlns:r="http://schemas.openxmlformats.org/officeDocument/2006/relationships" xmlns:p="http://schemas.openxmlformats.org/presentationml/2006/main" type="picTx" preserve="1">
+  <p:cSld name="图片与标题">
+    <p:spTree>
+      <p:nvGrpSpPr>
+        <p:cNvPr id="1" name=""/>
+        <p:cNvGrpSpPr/>
+        <p:nvPr/>
+      </p:nvGrpSpPr>
+      <p:grpSpPr>
+        <a:xfrm>
+          <a:off x="0" y="0"/>
+          <a:ext cx="0" cy="0"/>
+          <a:chOff x="0" y="0"/>
+          <a:chExt cx="0" cy="0"/>
+        </a:xfrm>
+      </p:grpSpPr>
+      <p:sp>
+        <p:nvSpPr>
+          <p:cNvPr id="2" name="Title 1"/>
+          <p:cNvSpPr>
+            <a:spLocks noGrp="1"/>
+          </p:cNvSpPr>
+          <p:nvPr>
+            <p:ph type="title"/>
+          </p:nvPr>
+        </p:nvSpPr>
+        <p:spPr>
+          <a:xfrm>
+            <a:off x="839790" y="1083733"/>
+            <a:ext cx="3932236" cy="3793067"/>
+          </a:xfrm>
+        </p:spPr>
+        <p:txBody>
+          <a:bodyPr anchor="b"/>
+          <a:lstStyle>
+            <a:lvl1pPr>
+              <a:defRPr sz="4267"/>
+            </a:lvl1pPr>
+          </a:lstStyle>
+          <a:p>
+            <a:r>
+              <a:rPr lang="zh-CN" altLang="en-US"/>
+              <a:t>单击此处编辑母版标题样式</a:t>
+            </a:r>
+            <a:endParaRPr lang="en-US" dirty="0"/>
+          </a:p>
+        </p:txBody>
+      </p:sp>
+      <p:sp>
+        <p:nvSpPr>
+          <p:cNvPr id="3" name="Picture Placeholder 2"/>
+          <p:cNvSpPr>
+            <a:spLocks noGrp="1" noChangeAspect="1"/>
+          </p:cNvSpPr>
+          <p:nvPr>
+            <p:ph type="pic" idx="1"/>
+          </p:nvPr>
+        </p:nvSpPr>
+        <p:spPr>
+          <a:xfrm>
+            <a:off x="5183188" y="2340568"/>
+            <a:ext cx="6172201" cy="11552297"/>
+          </a:xfrm>
+        </p:spPr>
+        <p:txBody>
+          <a:bodyPr anchor="t"/>
+          <a:lstStyle>
+            <a:lvl1pPr marL="0" indent="0">
+              <a:buNone/>
+              <a:defRPr sz="4267"/>
+            </a:lvl1pPr>
+            <a:lvl2pPr marL="609593" indent="0">
+              <a:buNone/>
+              <a:defRPr sz="3733"/>
+            </a:lvl2pPr>
+            <a:lvl3pPr marL="1219185" indent="0">
+              <a:buNone/>
+              <a:defRPr sz="3200"/>
+            </a:lvl3pPr>
+            <a:lvl4pPr marL="1828777" indent="0">
+              <a:buNone/>
+              <a:defRPr sz="2667"/>
+            </a:lvl4pPr>
+            <a:lvl5pPr marL="2438370" indent="0">
+              <a:buNone/>
+              <a:defRPr sz="2667"/>
+            </a:lvl5pPr>
+            <a:lvl6pPr marL="3047962" indent="0">
+              <a:buNone/>
+              <a:defRPr sz="2667"/>
+            </a:lvl6pPr>
+            <a:lvl7pPr marL="3657555" indent="0">
+              <a:buNone/>
+              <a:defRPr sz="2667"/>
+            </a:lvl7pPr>
+            <a:lvl8pPr marL="4267147" indent="0">
+              <a:buNone/>
+              <a:defRPr sz="2667"/>
+            </a:lvl8pPr>
+            <a:lvl9pPr marL="4876738" indent="0">
+              <a:buNone/>
+              <a:defRPr sz="2667"/>
+            </a:lvl9pPr>
+          </a:lstStyle>
+          <a:p>
+            <a:r>
+              <a:rPr lang="zh-CN" altLang="en-US"/>
+              <a:t>单击图标添加图片</a:t>
+            </a:r>
+            <a:endParaRPr lang="en-US" dirty="0"/>
+          </a:p>
+        </p:txBody>
+      </p:sp>
+      <p:sp>
+        <p:nvSpPr>
+          <p:cNvPr id="4" name="Text Placeholder 3"/>
+          <p:cNvSpPr>
+            <a:spLocks noGrp="1"/>
+          </p:cNvSpPr>
+          <p:nvPr>
+            <p:ph type="body" sz="half" idx="2"/>
+          </p:nvPr>
+        </p:nvSpPr>
+        <p:spPr>
+          <a:xfrm>
+            <a:off x="839790" y="4876801"/>
+            <a:ext cx="3932236" cy="9034875"/>
+          </a:xfrm>
+        </p:spPr>
+        <p:txBody>
+          <a:bodyPr/>
+          <a:lstStyle>
+            <a:lvl1pPr marL="0" indent="0">
+              <a:buNone/>
+              <a:defRPr sz="2133"/>
+            </a:lvl1pPr>
+            <a:lvl2pPr marL="609593" indent="0">
+              <a:buNone/>
+              <a:defRPr sz="1867"/>
+            </a:lvl2pPr>
+            <a:lvl3pPr marL="1219185" indent="0">
+              <a:buNone/>
+              <a:defRPr sz="1600"/>
+            </a:lvl3pPr>
+            <a:lvl4pPr marL="1828777" indent="0">
+              <a:buNone/>
+              <a:defRPr sz="1333"/>
+            </a:lvl4pPr>
+            <a:lvl5pPr marL="2438370" indent="0">
+              <a:buNone/>
+              <a:defRPr sz="1333"/>
+            </a:lvl5pPr>
+            <a:lvl6pPr marL="3047962" indent="0">
+              <a:buNone/>
+              <a:defRPr sz="1333"/>
+            </a:lvl6pPr>
+            <a:lvl7pPr marL="3657555" indent="0">
+              <a:buNone/>
+              <a:defRPr sz="1333"/>
+            </a:lvl7pPr>
+            <a:lvl8pPr marL="4267147" indent="0">
+              <a:buNone/>
+              <a:defRPr sz="1333"/>
+            </a:lvl8pPr>
+            <a:lvl9pPr marL="4876738" indent="0">
+              <a:buNone/>
+              <a:defRPr sz="1333"/>
+            </a:lvl9pPr>
+          </a:lstStyle>
+          <a:p>
+            <a:pPr lvl="0"/>
+            <a:r>
+              <a:rPr lang="zh-CN" altLang="en-US"/>
+              <a:t>单击此处编辑母版文本样式</a:t>
+            </a:r>
+          </a:p>
+        </p:txBody>
+      </p:sp>
+      <p:sp>
+        <p:nvSpPr>
+          <p:cNvPr id="5" name="Date Placeholder 4"/>
+          <p:cNvSpPr>
+            <a:spLocks noGrp="1"/>
+          </p:cNvSpPr>
+          <p:nvPr>
+            <p:ph type="dt" sz="half" idx="10"/>
+          </p:nvPr>
+        </p:nvSpPr>
+        <p:spPr/>
+        <p:txBody>
+          <a:bodyPr/>
+          <a:lstStyle/>
+          <a:p>
+            <a:fld id="{3E73DA82-0082-2445-BF22-418BB184E2E3}" type="datetimeFigureOut">
+              <a:rPr kumimoji="1" lang="zh-CN" altLang="en-US" smtClean="0"/>
+              <a:t>2024/6/17</a:t>
+            </a:fld>
+            <a:endParaRPr kumimoji="1" lang="zh-CN" altLang="en-US"/>
+          </a:p>
+        </p:txBody>
+      </p:sp>
+      <p:sp>
+        <p:nvSpPr>
+          <p:cNvPr id="6" name="Footer Placeholder 5"/>
+          <p:cNvSpPr>
+            <a:spLocks noGrp="1"/>
+          </p:cNvSpPr>
+          <p:nvPr>
+            <p:ph type="ftr" sz="quarter" idx="11"/>
+          </p:nvPr>
+        </p:nvSpPr>
+        <p:spPr/>
+        <p:txBody>
+          <a:bodyPr/>
+          <a:lstStyle/>
+          <a:p>
+            <a:endParaRPr kumimoji="1" lang="zh-CN" altLang="en-US"/>
+          </a:p>
+        </p:txBody>
+      </p:sp>
+      <p:sp>
+        <p:nvSpPr>
+          <p:cNvPr id="7" name="Slide Number Placeholder 6"/>
+          <p:cNvSpPr>
+            <a:spLocks noGrp="1"/>
+          </p:cNvSpPr>
+          <p:nvPr>
+            <p:ph type="sldNum" sz="quarter" idx="12"/>
+          </p:nvPr>
+        </p:nvSpPr>
+        <p:spPr/>
+        <p:txBody>
+          <a:bodyPr/>
+          <a:lstStyle/>
+          <a:p>
+            <a:fld id="{81A8CE35-5F49-8F49-A5FC-30EA988ECDEB}" type="slidenum">
+              <a:rPr kumimoji="1" lang="zh-CN" altLang="en-US" smtClean="0"/>
+              <a:t>‹#›</a:t>
+            </a:fld>
+            <a:endParaRPr kumimoji="1" lang="zh-CN" altLang="en-US"/>
+          </a:p>
+        </p:txBody>
+      </p:sp>
+    </p:spTree>
+    <p:extLst>
+      <p:ext uri="{BB962C8B-B14F-4D97-AF65-F5344CB8AC3E}">
+        <p14:creationId xmlns:p14="http://schemas.microsoft.com/office/powerpoint/2010/main" val="2532565995"/>
+      </p:ext>
+    </p:extLst>
+  </p:cSld>
+  <p:clrMapOvr>
+    <a:masterClrMapping/>
+  </p:clrMapOvr>
+</p:sldLayout>
+</file>
+
+<file path=ppt/slideLayouts/slideLayout21.xml><?xml version="1.0" encoding="utf-8"?>
+<p:sldLayout xmlns:a="http://schemas.openxmlformats.org/drawingml/2006/main" xmlns:r="http://schemas.openxmlformats.org/officeDocument/2006/relationships" xmlns:p="http://schemas.openxmlformats.org/presentationml/2006/main" type="vertTx" preserve="1">
+  <p:cSld name="标题和竖排文字">
+    <p:spTree>
+      <p:nvGrpSpPr>
+        <p:cNvPr id="1" name=""/>
+        <p:cNvGrpSpPr/>
+        <p:nvPr/>
+      </p:nvGrpSpPr>
+      <p:grpSpPr>
+        <a:xfrm>
+          <a:off x="0" y="0"/>
+          <a:ext cx="0" cy="0"/>
+          <a:chOff x="0" y="0"/>
+          <a:chExt cx="0" cy="0"/>
+        </a:xfrm>
+      </p:grpSpPr>
+      <p:sp>
+        <p:nvSpPr>
+          <p:cNvPr id="2" name="Title 1"/>
+          <p:cNvSpPr>
+            <a:spLocks noGrp="1"/>
+          </p:cNvSpPr>
+          <p:nvPr>
+            <p:ph type="title"/>
+          </p:nvPr>
+        </p:nvSpPr>
+        <p:spPr/>
+        <p:txBody>
+          <a:bodyPr/>
+          <a:lstStyle/>
+          <a:p>
+            <a:r>
+              <a:rPr lang="zh-CN" altLang="en-US"/>
+              <a:t>单击此处编辑母版标题样式</a:t>
+            </a:r>
+            <a:endParaRPr lang="en-US" dirty="0"/>
+          </a:p>
+        </p:txBody>
+      </p:sp>
+      <p:sp>
+        <p:nvSpPr>
+          <p:cNvPr id="3" name="Vertical Text Placeholder 2"/>
+          <p:cNvSpPr>
+            <a:spLocks noGrp="1"/>
+          </p:cNvSpPr>
+          <p:nvPr>
+            <p:ph type="body" orient="vert" idx="1"/>
+          </p:nvPr>
+        </p:nvSpPr>
+        <p:spPr/>
+        <p:txBody>
+          <a:bodyPr vert="eaVert"/>
+          <a:lstStyle/>
+          <a:p>
+            <a:pPr lvl="0"/>
+            <a:r>
+              <a:rPr lang="zh-CN" altLang="en-US"/>
+              <a:t>单击此处编辑母版文本样式</a:t>
+            </a:r>
+          </a:p>
+          <a:p>
+            <a:pPr lvl="1"/>
+            <a:r>
+              <a:rPr lang="zh-CN" altLang="en-US"/>
+              <a:t>二级</a:t>
+            </a:r>
+          </a:p>
+          <a:p>
+            <a:pPr lvl="2"/>
+            <a:r>
+              <a:rPr lang="zh-CN" altLang="en-US"/>
+              <a:t>三级</a:t>
+            </a:r>
+          </a:p>
+          <a:p>
+            <a:pPr lvl="3"/>
+            <a:r>
+              <a:rPr lang="zh-CN" altLang="en-US"/>
+              <a:t>四级</a:t>
+            </a:r>
+          </a:p>
+          <a:p>
+            <a:pPr lvl="4"/>
+            <a:r>
+              <a:rPr lang="zh-CN" altLang="en-US"/>
+              <a:t>五级</a:t>
+            </a:r>
+            <a:endParaRPr lang="en-US" dirty="0"/>
+          </a:p>
+        </p:txBody>
+      </p:sp>
+      <p:sp>
+        <p:nvSpPr>
+          <p:cNvPr id="4" name="Date Placeholder 3"/>
+          <p:cNvSpPr>
+            <a:spLocks noGrp="1"/>
+          </p:cNvSpPr>
+          <p:nvPr>
+            <p:ph type="dt" sz="half" idx="10"/>
+          </p:nvPr>
+        </p:nvSpPr>
+        <p:spPr/>
+        <p:txBody>
+          <a:bodyPr/>
+          <a:lstStyle/>
+          <a:p>
+            <a:fld id="{3E73DA82-0082-2445-BF22-418BB184E2E3}" type="datetimeFigureOut">
+              <a:rPr kumimoji="1" lang="zh-CN" altLang="en-US" smtClean="0"/>
+              <a:t>2024/6/17</a:t>
+            </a:fld>
+            <a:endParaRPr kumimoji="1" lang="zh-CN" altLang="en-US"/>
+          </a:p>
+        </p:txBody>
+      </p:sp>
+      <p:sp>
+        <p:nvSpPr>
+          <p:cNvPr id="5" name="Footer Placeholder 4"/>
+          <p:cNvSpPr>
+            <a:spLocks noGrp="1"/>
+          </p:cNvSpPr>
+          <p:nvPr>
+            <p:ph type="ftr" sz="quarter" idx="11"/>
+          </p:nvPr>
+        </p:nvSpPr>
+        <p:spPr/>
+        <p:txBody>
+          <a:bodyPr/>
+          <a:lstStyle/>
+          <a:p>
+            <a:endParaRPr kumimoji="1" lang="zh-CN" altLang="en-US"/>
+          </a:p>
+        </p:txBody>
+      </p:sp>
+      <p:sp>
+        <p:nvSpPr>
+          <p:cNvPr id="6" name="Slide Number Placeholder 5"/>
+          <p:cNvSpPr>
+            <a:spLocks noGrp="1"/>
+          </p:cNvSpPr>
+          <p:nvPr>
+            <p:ph type="sldNum" sz="quarter" idx="12"/>
+          </p:nvPr>
+        </p:nvSpPr>
+        <p:spPr/>
+        <p:txBody>
+          <a:bodyPr/>
+          <a:lstStyle/>
+          <a:p>
+            <a:fld id="{81A8CE35-5F49-8F49-A5FC-30EA988ECDEB}" type="slidenum">
+              <a:rPr kumimoji="1" lang="zh-CN" altLang="en-US" smtClean="0"/>
+              <a:t>‹#›</a:t>
+            </a:fld>
+            <a:endParaRPr kumimoji="1" lang="zh-CN" altLang="en-US"/>
+          </a:p>
+        </p:txBody>
+      </p:sp>
+    </p:spTree>
+    <p:extLst>
+      <p:ext uri="{BB962C8B-B14F-4D97-AF65-F5344CB8AC3E}">
+        <p14:creationId xmlns:p14="http://schemas.microsoft.com/office/powerpoint/2010/main" val="2507088175"/>
+      </p:ext>
+    </p:extLst>
+  </p:cSld>
+  <p:clrMapOvr>
+    <a:masterClrMapping/>
+  </p:clrMapOvr>
+</p:sldLayout>
+</file>
+
+<file path=ppt/slideLayouts/slideLayout22.xml><?xml version="1.0" encoding="utf-8"?>
+<p:sldLayout xmlns:a="http://schemas.openxmlformats.org/drawingml/2006/main" xmlns:r="http://schemas.openxmlformats.org/officeDocument/2006/relationships" xmlns:p="http://schemas.openxmlformats.org/presentationml/2006/main" type="vertTitleAndTx" preserve="1">
+  <p:cSld name="竖排标题与文本">
+    <p:spTree>
+      <p:nvGrpSpPr>
+        <p:cNvPr id="1" name=""/>
+        <p:cNvGrpSpPr/>
+        <p:nvPr/>
+      </p:nvGrpSpPr>
+      <p:grpSpPr>
+        <a:xfrm>
+          <a:off x="0" y="0"/>
+          <a:ext cx="0" cy="0"/>
+          <a:chOff x="0" y="0"/>
+          <a:chExt cx="0" cy="0"/>
+        </a:xfrm>
+      </p:grpSpPr>
+      <p:sp>
+        <p:nvSpPr>
+          <p:cNvPr id="2" name="Vertical Title 1"/>
+          <p:cNvSpPr>
+            <a:spLocks noGrp="1"/>
+          </p:cNvSpPr>
+          <p:nvPr>
+            <p:ph type="title" orient="vert"/>
+          </p:nvPr>
+        </p:nvSpPr>
+        <p:spPr>
+          <a:xfrm>
+            <a:off x="8724901" y="865481"/>
+            <a:ext cx="2628900" cy="13776210"/>
+          </a:xfrm>
+        </p:spPr>
+        <p:txBody>
+          <a:bodyPr vert="eaVert"/>
+          <a:lstStyle/>
+          <a:p>
+            <a:r>
+              <a:rPr lang="zh-CN" altLang="en-US"/>
+              <a:t>单击此处编辑母版标题样式</a:t>
+            </a:r>
+            <a:endParaRPr lang="en-US" dirty="0"/>
+          </a:p>
+        </p:txBody>
+      </p:sp>
+      <p:sp>
+        <p:nvSpPr>
+          <p:cNvPr id="3" name="Vertical Text Placeholder 2"/>
+          <p:cNvSpPr>
+            <a:spLocks noGrp="1"/>
+          </p:cNvSpPr>
+          <p:nvPr>
+            <p:ph type="body" orient="vert" idx="1"/>
+          </p:nvPr>
+        </p:nvSpPr>
+        <p:spPr>
+          <a:xfrm>
+            <a:off x="838201" y="865481"/>
+            <a:ext cx="7734300" cy="13776210"/>
+          </a:xfrm>
+        </p:spPr>
+        <p:txBody>
+          <a:bodyPr vert="eaVert"/>
+          <a:lstStyle/>
+          <a:p>
+            <a:pPr lvl="0"/>
+            <a:r>
+              <a:rPr lang="zh-CN" altLang="en-US"/>
+              <a:t>单击此处编辑母版文本样式</a:t>
+            </a:r>
+          </a:p>
+          <a:p>
+            <a:pPr lvl="1"/>
+            <a:r>
+              <a:rPr lang="zh-CN" altLang="en-US"/>
+              <a:t>二级</a:t>
+            </a:r>
+          </a:p>
+          <a:p>
+            <a:pPr lvl="2"/>
+            <a:r>
+              <a:rPr lang="zh-CN" altLang="en-US"/>
+              <a:t>三级</a:t>
+            </a:r>
+          </a:p>
+          <a:p>
+            <a:pPr lvl="3"/>
+            <a:r>
+              <a:rPr lang="zh-CN" altLang="en-US"/>
+              <a:t>四级</a:t>
+            </a:r>
+          </a:p>
+          <a:p>
+            <a:pPr lvl="4"/>
+            <a:r>
+              <a:rPr lang="zh-CN" altLang="en-US"/>
+              <a:t>五级</a:t>
+            </a:r>
+            <a:endParaRPr lang="en-US" dirty="0"/>
+          </a:p>
+        </p:txBody>
+      </p:sp>
+      <p:sp>
+        <p:nvSpPr>
+          <p:cNvPr id="4" name="Date Placeholder 3"/>
+          <p:cNvSpPr>
+            <a:spLocks noGrp="1"/>
+          </p:cNvSpPr>
+          <p:nvPr>
+            <p:ph type="dt" sz="half" idx="10"/>
+          </p:nvPr>
+        </p:nvSpPr>
+        <p:spPr/>
+        <p:txBody>
+          <a:bodyPr/>
+          <a:lstStyle/>
+          <a:p>
+            <a:fld id="{3E73DA82-0082-2445-BF22-418BB184E2E3}" type="datetimeFigureOut">
+              <a:rPr kumimoji="1" lang="zh-CN" altLang="en-US" smtClean="0"/>
+              <a:t>2024/6/17</a:t>
+            </a:fld>
+            <a:endParaRPr kumimoji="1" lang="zh-CN" altLang="en-US"/>
+          </a:p>
+        </p:txBody>
+      </p:sp>
+      <p:sp>
+        <p:nvSpPr>
+          <p:cNvPr id="5" name="Footer Placeholder 4"/>
+          <p:cNvSpPr>
+            <a:spLocks noGrp="1"/>
+          </p:cNvSpPr>
+          <p:nvPr>
+            <p:ph type="ftr" sz="quarter" idx="11"/>
+          </p:nvPr>
+        </p:nvSpPr>
+        <p:spPr/>
+        <p:txBody>
+          <a:bodyPr/>
+          <a:lstStyle/>
+          <a:p>
+            <a:endParaRPr kumimoji="1" lang="zh-CN" altLang="en-US"/>
+          </a:p>
+        </p:txBody>
+      </p:sp>
+      <p:sp>
+        <p:nvSpPr>
+          <p:cNvPr id="6" name="Slide Number Placeholder 5"/>
+          <p:cNvSpPr>
+            <a:spLocks noGrp="1"/>
+          </p:cNvSpPr>
+          <p:nvPr>
+            <p:ph type="sldNum" sz="quarter" idx="12"/>
+          </p:nvPr>
+        </p:nvSpPr>
+        <p:spPr/>
+        <p:txBody>
+          <a:bodyPr/>
+          <a:lstStyle/>
+          <a:p>
+            <a:fld id="{81A8CE35-5F49-8F49-A5FC-30EA988ECDEB}" type="slidenum">
+              <a:rPr kumimoji="1" lang="zh-CN" altLang="en-US" smtClean="0"/>
+              <a:t>‹#›</a:t>
+            </a:fld>
+            <a:endParaRPr kumimoji="1" lang="zh-CN" altLang="en-US"/>
+          </a:p>
+        </p:txBody>
+      </p:sp>
+    </p:spTree>
+    <p:extLst>
+      <p:ext uri="{BB962C8B-B14F-4D97-AF65-F5344CB8AC3E}">
+        <p14:creationId xmlns:p14="http://schemas.microsoft.com/office/powerpoint/2010/main" val="4238535124"/>
       </p:ext>
     </p:extLst>
   </p:cSld>
@@ -1008,7 +3312,7 @@
           <a:p>
             <a:fld id="{3E73DA82-0082-2445-BF22-418BB184E2E3}" type="datetimeFigureOut">
               <a:rPr kumimoji="1" lang="zh-CN" altLang="en-US" smtClean="0"/>
-              <a:t>2024/6/11</a:t>
+              <a:t>2024/6/17</a:t>
             </a:fld>
             <a:endParaRPr kumimoji="1" lang="zh-CN" altLang="en-US"/>
           </a:p>
@@ -1240,7 +3544,7 @@
           <a:p>
             <a:fld id="{3E73DA82-0082-2445-BF22-418BB184E2E3}" type="datetimeFigureOut">
               <a:rPr kumimoji="1" lang="zh-CN" altLang="en-US" smtClean="0"/>
-              <a:t>2024/6/11</a:t>
+              <a:t>2024/6/17</a:t>
             </a:fld>
             <a:endParaRPr kumimoji="1" lang="zh-CN" altLang="en-US"/>
           </a:p>
@@ -1607,7 +3911,7 @@
           <a:p>
             <a:fld id="{3E73DA82-0082-2445-BF22-418BB184E2E3}" type="datetimeFigureOut">
               <a:rPr kumimoji="1" lang="zh-CN" altLang="en-US" smtClean="0"/>
-              <a:t>2024/6/11</a:t>
+              <a:t>2024/6/17</a:t>
             </a:fld>
             <a:endParaRPr kumimoji="1" lang="zh-CN" altLang="en-US"/>
           </a:p>
@@ -1725,7 +4029,7 @@
           <a:p>
             <a:fld id="{3E73DA82-0082-2445-BF22-418BB184E2E3}" type="datetimeFigureOut">
               <a:rPr kumimoji="1" lang="zh-CN" altLang="en-US" smtClean="0"/>
-              <a:t>2024/6/11</a:t>
+              <a:t>2024/6/17</a:t>
             </a:fld>
             <a:endParaRPr kumimoji="1" lang="zh-CN" altLang="en-US"/>
           </a:p>
@@ -1820,7 +4124,7 @@
           <a:p>
             <a:fld id="{3E73DA82-0082-2445-BF22-418BB184E2E3}" type="datetimeFigureOut">
               <a:rPr kumimoji="1" lang="zh-CN" altLang="en-US" smtClean="0"/>
-              <a:t>2024/6/11</a:t>
+              <a:t>2024/6/17</a:t>
             </a:fld>
             <a:endParaRPr kumimoji="1" lang="zh-CN" altLang="en-US"/>
           </a:p>
@@ -2097,7 +4401,7 @@
           <a:p>
             <a:fld id="{3E73DA82-0082-2445-BF22-418BB184E2E3}" type="datetimeFigureOut">
               <a:rPr kumimoji="1" lang="zh-CN" altLang="en-US" smtClean="0"/>
-              <a:t>2024/6/11</a:t>
+              <a:t>2024/6/17</a:t>
             </a:fld>
             <a:endParaRPr kumimoji="1" lang="zh-CN" altLang="en-US"/>
           </a:p>
@@ -2354,7 +4658,7 @@
           <a:p>
             <a:fld id="{3E73DA82-0082-2445-BF22-418BB184E2E3}" type="datetimeFigureOut">
               <a:rPr kumimoji="1" lang="zh-CN" altLang="en-US" smtClean="0"/>
-              <a:t>2024/6/11</a:t>
+              <a:t>2024/6/17</a:t>
             </a:fld>
             <a:endParaRPr kumimoji="1" lang="zh-CN" altLang="en-US"/>
           </a:p>
@@ -2567,7 +4871,7 @@
           <a:p>
             <a:fld id="{3E73DA82-0082-2445-BF22-418BB184E2E3}" type="datetimeFigureOut">
               <a:rPr kumimoji="1" lang="zh-CN" altLang="en-US" smtClean="0"/>
-              <a:t>2024/6/11</a:t>
+              <a:t>2024/6/17</a:t>
             </a:fld>
             <a:endParaRPr kumimoji="1" lang="zh-CN" altLang="en-US"/>
           </a:p>
@@ -2671,6 +4975,546 @@
     <p:sldLayoutId id="2147483717" r:id="rId9"/>
     <p:sldLayoutId id="2147483718" r:id="rId10"/>
     <p:sldLayoutId id="2147483719" r:id="rId11"/>
+  </p:sldLayoutIdLst>
+  <p:txStyles>
+    <p:titleStyle>
+      <a:lvl1pPr algn="l" defTabSz="1219185" rtl="0" eaLnBrk="1" latinLnBrk="0" hangingPunct="1">
+        <a:lnSpc>
+          <a:spcPct val="90000"/>
+        </a:lnSpc>
+        <a:spcBef>
+          <a:spcPct val="0"/>
+        </a:spcBef>
+        <a:buNone/>
+        <a:defRPr sz="5867" kern="1200">
+          <a:solidFill>
+            <a:schemeClr val="tx1"/>
+          </a:solidFill>
+          <a:latin typeface="+mj-lt"/>
+          <a:ea typeface="+mj-ea"/>
+          <a:cs typeface="+mj-cs"/>
+        </a:defRPr>
+      </a:lvl1pPr>
+    </p:titleStyle>
+    <p:bodyStyle>
+      <a:lvl1pPr marL="304797" indent="-304797" algn="l" defTabSz="1219185" rtl="0" eaLnBrk="1" latinLnBrk="0" hangingPunct="1">
+        <a:lnSpc>
+          <a:spcPct val="90000"/>
+        </a:lnSpc>
+        <a:spcBef>
+          <a:spcPts val="1333"/>
+        </a:spcBef>
+        <a:buFont typeface="Arial" panose="020B0604020202020204" pitchFamily="34" charset="0"/>
+        <a:buChar char="•"/>
+        <a:defRPr sz="3733" kern="1200">
+          <a:solidFill>
+            <a:schemeClr val="tx1"/>
+          </a:solidFill>
+          <a:latin typeface="+mn-lt"/>
+          <a:ea typeface="+mn-ea"/>
+          <a:cs typeface="+mn-cs"/>
+        </a:defRPr>
+      </a:lvl1pPr>
+      <a:lvl2pPr marL="914388" indent="-304797" algn="l" defTabSz="1219185" rtl="0" eaLnBrk="1" latinLnBrk="0" hangingPunct="1">
+        <a:lnSpc>
+          <a:spcPct val="90000"/>
+        </a:lnSpc>
+        <a:spcBef>
+          <a:spcPts val="667"/>
+        </a:spcBef>
+        <a:buFont typeface="Arial" panose="020B0604020202020204" pitchFamily="34" charset="0"/>
+        <a:buChar char="•"/>
+        <a:defRPr sz="3200" kern="1200">
+          <a:solidFill>
+            <a:schemeClr val="tx1"/>
+          </a:solidFill>
+          <a:latin typeface="+mn-lt"/>
+          <a:ea typeface="+mn-ea"/>
+          <a:cs typeface="+mn-cs"/>
+        </a:defRPr>
+      </a:lvl2pPr>
+      <a:lvl3pPr marL="1523982" indent="-304797" algn="l" defTabSz="1219185" rtl="0" eaLnBrk="1" latinLnBrk="0" hangingPunct="1">
+        <a:lnSpc>
+          <a:spcPct val="90000"/>
+        </a:lnSpc>
+        <a:spcBef>
+          <a:spcPts val="667"/>
+        </a:spcBef>
+        <a:buFont typeface="Arial" panose="020B0604020202020204" pitchFamily="34" charset="0"/>
+        <a:buChar char="•"/>
+        <a:defRPr sz="2667" kern="1200">
+          <a:solidFill>
+            <a:schemeClr val="tx1"/>
+          </a:solidFill>
+          <a:latin typeface="+mn-lt"/>
+          <a:ea typeface="+mn-ea"/>
+          <a:cs typeface="+mn-cs"/>
+        </a:defRPr>
+      </a:lvl3pPr>
+      <a:lvl4pPr marL="2133573" indent="-304797" algn="l" defTabSz="1219185" rtl="0" eaLnBrk="1" latinLnBrk="0" hangingPunct="1">
+        <a:lnSpc>
+          <a:spcPct val="90000"/>
+        </a:lnSpc>
+        <a:spcBef>
+          <a:spcPts val="667"/>
+        </a:spcBef>
+        <a:buFont typeface="Arial" panose="020B0604020202020204" pitchFamily="34" charset="0"/>
+        <a:buChar char="•"/>
+        <a:defRPr sz="2400" kern="1200">
+          <a:solidFill>
+            <a:schemeClr val="tx1"/>
+          </a:solidFill>
+          <a:latin typeface="+mn-lt"/>
+          <a:ea typeface="+mn-ea"/>
+          <a:cs typeface="+mn-cs"/>
+        </a:defRPr>
+      </a:lvl4pPr>
+      <a:lvl5pPr marL="2743165" indent="-304797" algn="l" defTabSz="1219185" rtl="0" eaLnBrk="1" latinLnBrk="0" hangingPunct="1">
+        <a:lnSpc>
+          <a:spcPct val="90000"/>
+        </a:lnSpc>
+        <a:spcBef>
+          <a:spcPts val="667"/>
+        </a:spcBef>
+        <a:buFont typeface="Arial" panose="020B0604020202020204" pitchFamily="34" charset="0"/>
+        <a:buChar char="•"/>
+        <a:defRPr sz="2400" kern="1200">
+          <a:solidFill>
+            <a:schemeClr val="tx1"/>
+          </a:solidFill>
+          <a:latin typeface="+mn-lt"/>
+          <a:ea typeface="+mn-ea"/>
+          <a:cs typeface="+mn-cs"/>
+        </a:defRPr>
+      </a:lvl5pPr>
+      <a:lvl6pPr marL="3352758" indent="-304797" algn="l" defTabSz="1219185" rtl="0" eaLnBrk="1" latinLnBrk="0" hangingPunct="1">
+        <a:lnSpc>
+          <a:spcPct val="90000"/>
+        </a:lnSpc>
+        <a:spcBef>
+          <a:spcPts val="667"/>
+        </a:spcBef>
+        <a:buFont typeface="Arial" panose="020B0604020202020204" pitchFamily="34" charset="0"/>
+        <a:buChar char="•"/>
+        <a:defRPr sz="2400" kern="1200">
+          <a:solidFill>
+            <a:schemeClr val="tx1"/>
+          </a:solidFill>
+          <a:latin typeface="+mn-lt"/>
+          <a:ea typeface="+mn-ea"/>
+          <a:cs typeface="+mn-cs"/>
+        </a:defRPr>
+      </a:lvl6pPr>
+      <a:lvl7pPr marL="3962350" indent="-304797" algn="l" defTabSz="1219185" rtl="0" eaLnBrk="1" latinLnBrk="0" hangingPunct="1">
+        <a:lnSpc>
+          <a:spcPct val="90000"/>
+        </a:lnSpc>
+        <a:spcBef>
+          <a:spcPts val="667"/>
+        </a:spcBef>
+        <a:buFont typeface="Arial" panose="020B0604020202020204" pitchFamily="34" charset="0"/>
+        <a:buChar char="•"/>
+        <a:defRPr sz="2400" kern="1200">
+          <a:solidFill>
+            <a:schemeClr val="tx1"/>
+          </a:solidFill>
+          <a:latin typeface="+mn-lt"/>
+          <a:ea typeface="+mn-ea"/>
+          <a:cs typeface="+mn-cs"/>
+        </a:defRPr>
+      </a:lvl7pPr>
+      <a:lvl8pPr marL="4571943" indent="-304797" algn="l" defTabSz="1219185" rtl="0" eaLnBrk="1" latinLnBrk="0" hangingPunct="1">
+        <a:lnSpc>
+          <a:spcPct val="90000"/>
+        </a:lnSpc>
+        <a:spcBef>
+          <a:spcPts val="667"/>
+        </a:spcBef>
+        <a:buFont typeface="Arial" panose="020B0604020202020204" pitchFamily="34" charset="0"/>
+        <a:buChar char="•"/>
+        <a:defRPr sz="2400" kern="1200">
+          <a:solidFill>
+            <a:schemeClr val="tx1"/>
+          </a:solidFill>
+          <a:latin typeface="+mn-lt"/>
+          <a:ea typeface="+mn-ea"/>
+          <a:cs typeface="+mn-cs"/>
+        </a:defRPr>
+      </a:lvl8pPr>
+      <a:lvl9pPr marL="5181535" indent="-304797" algn="l" defTabSz="1219185" rtl="0" eaLnBrk="1" latinLnBrk="0" hangingPunct="1">
+        <a:lnSpc>
+          <a:spcPct val="90000"/>
+        </a:lnSpc>
+        <a:spcBef>
+          <a:spcPts val="667"/>
+        </a:spcBef>
+        <a:buFont typeface="Arial" panose="020B0604020202020204" pitchFamily="34" charset="0"/>
+        <a:buChar char="•"/>
+        <a:defRPr sz="2400" kern="1200">
+          <a:solidFill>
+            <a:schemeClr val="tx1"/>
+          </a:solidFill>
+          <a:latin typeface="+mn-lt"/>
+          <a:ea typeface="+mn-ea"/>
+          <a:cs typeface="+mn-cs"/>
+        </a:defRPr>
+      </a:lvl9pPr>
+    </p:bodyStyle>
+    <p:otherStyle>
+      <a:defPPr>
+        <a:defRPr lang="en-US"/>
+      </a:defPPr>
+      <a:lvl1pPr marL="0" algn="l" defTabSz="1219185" rtl="0" eaLnBrk="1" latinLnBrk="0" hangingPunct="1">
+        <a:defRPr sz="2400" kern="1200">
+          <a:solidFill>
+            <a:schemeClr val="tx1"/>
+          </a:solidFill>
+          <a:latin typeface="+mn-lt"/>
+          <a:ea typeface="+mn-ea"/>
+          <a:cs typeface="+mn-cs"/>
+        </a:defRPr>
+      </a:lvl1pPr>
+      <a:lvl2pPr marL="609593" algn="l" defTabSz="1219185" rtl="0" eaLnBrk="1" latinLnBrk="0" hangingPunct="1">
+        <a:defRPr sz="2400" kern="1200">
+          <a:solidFill>
+            <a:schemeClr val="tx1"/>
+          </a:solidFill>
+          <a:latin typeface="+mn-lt"/>
+          <a:ea typeface="+mn-ea"/>
+          <a:cs typeface="+mn-cs"/>
+        </a:defRPr>
+      </a:lvl2pPr>
+      <a:lvl3pPr marL="1219185" algn="l" defTabSz="1219185" rtl="0" eaLnBrk="1" latinLnBrk="0" hangingPunct="1">
+        <a:defRPr sz="2400" kern="1200">
+          <a:solidFill>
+            <a:schemeClr val="tx1"/>
+          </a:solidFill>
+          <a:latin typeface="+mn-lt"/>
+          <a:ea typeface="+mn-ea"/>
+          <a:cs typeface="+mn-cs"/>
+        </a:defRPr>
+      </a:lvl3pPr>
+      <a:lvl4pPr marL="1828777" algn="l" defTabSz="1219185" rtl="0" eaLnBrk="1" latinLnBrk="0" hangingPunct="1">
+        <a:defRPr sz="2400" kern="1200">
+          <a:solidFill>
+            <a:schemeClr val="tx1"/>
+          </a:solidFill>
+          <a:latin typeface="+mn-lt"/>
+          <a:ea typeface="+mn-ea"/>
+          <a:cs typeface="+mn-cs"/>
+        </a:defRPr>
+      </a:lvl4pPr>
+      <a:lvl5pPr marL="2438370" algn="l" defTabSz="1219185" rtl="0" eaLnBrk="1" latinLnBrk="0" hangingPunct="1">
+        <a:defRPr sz="2400" kern="1200">
+          <a:solidFill>
+            <a:schemeClr val="tx1"/>
+          </a:solidFill>
+          <a:latin typeface="+mn-lt"/>
+          <a:ea typeface="+mn-ea"/>
+          <a:cs typeface="+mn-cs"/>
+        </a:defRPr>
+      </a:lvl5pPr>
+      <a:lvl6pPr marL="3047962" algn="l" defTabSz="1219185" rtl="0" eaLnBrk="1" latinLnBrk="0" hangingPunct="1">
+        <a:defRPr sz="2400" kern="1200">
+          <a:solidFill>
+            <a:schemeClr val="tx1"/>
+          </a:solidFill>
+          <a:latin typeface="+mn-lt"/>
+          <a:ea typeface="+mn-ea"/>
+          <a:cs typeface="+mn-cs"/>
+        </a:defRPr>
+      </a:lvl6pPr>
+      <a:lvl7pPr marL="3657555" algn="l" defTabSz="1219185" rtl="0" eaLnBrk="1" latinLnBrk="0" hangingPunct="1">
+        <a:defRPr sz="2400" kern="1200">
+          <a:solidFill>
+            <a:schemeClr val="tx1"/>
+          </a:solidFill>
+          <a:latin typeface="+mn-lt"/>
+          <a:ea typeface="+mn-ea"/>
+          <a:cs typeface="+mn-cs"/>
+        </a:defRPr>
+      </a:lvl7pPr>
+      <a:lvl8pPr marL="4267147" algn="l" defTabSz="1219185" rtl="0" eaLnBrk="1" latinLnBrk="0" hangingPunct="1">
+        <a:defRPr sz="2400" kern="1200">
+          <a:solidFill>
+            <a:schemeClr val="tx1"/>
+          </a:solidFill>
+          <a:latin typeface="+mn-lt"/>
+          <a:ea typeface="+mn-ea"/>
+          <a:cs typeface="+mn-cs"/>
+        </a:defRPr>
+      </a:lvl8pPr>
+      <a:lvl9pPr marL="4876738" algn="l" defTabSz="1219185" rtl="0" eaLnBrk="1" latinLnBrk="0" hangingPunct="1">
+        <a:defRPr sz="2400" kern="1200">
+          <a:solidFill>
+            <a:schemeClr val="tx1"/>
+          </a:solidFill>
+          <a:latin typeface="+mn-lt"/>
+          <a:ea typeface="+mn-ea"/>
+          <a:cs typeface="+mn-cs"/>
+        </a:defRPr>
+      </a:lvl9pPr>
+    </p:otherStyle>
+  </p:txStyles>
+</p:sldMaster>
+</file>
+
+<file path=ppt/slideMasters/slideMaster2.xml><?xml version="1.0" encoding="utf-8"?>
+<p:sldMaster xmlns:a="http://schemas.openxmlformats.org/drawingml/2006/main" xmlns:r="http://schemas.openxmlformats.org/officeDocument/2006/relationships" xmlns:p="http://schemas.openxmlformats.org/presentationml/2006/main">
+  <p:cSld>
+    <p:bg>
+      <p:bgRef idx="1001">
+        <a:schemeClr val="bg1"/>
+      </p:bgRef>
+    </p:bg>
+    <p:spTree>
+      <p:nvGrpSpPr>
+        <p:cNvPr id="1" name=""/>
+        <p:cNvGrpSpPr/>
+        <p:nvPr/>
+      </p:nvGrpSpPr>
+      <p:grpSpPr>
+        <a:xfrm>
+          <a:off x="0" y="0"/>
+          <a:ext cx="0" cy="0"/>
+          <a:chOff x="0" y="0"/>
+          <a:chExt cx="0" cy="0"/>
+        </a:xfrm>
+      </p:grpSpPr>
+      <p:sp>
+        <p:nvSpPr>
+          <p:cNvPr id="2" name="Title Placeholder 1"/>
+          <p:cNvSpPr>
+            <a:spLocks noGrp="1"/>
+          </p:cNvSpPr>
+          <p:nvPr>
+            <p:ph type="title"/>
+          </p:nvPr>
+        </p:nvSpPr>
+        <p:spPr>
+          <a:xfrm>
+            <a:off x="838202" y="865487"/>
+            <a:ext cx="10515600" cy="3142075"/>
+          </a:xfrm>
+          <a:prstGeom prst="rect">
+            <a:avLst/>
+          </a:prstGeom>
+        </p:spPr>
+        <p:txBody>
+          <a:bodyPr vert="horz" lIns="91440" tIns="45720" rIns="91440" bIns="45720" rtlCol="0" anchor="ctr">
+            <a:normAutofit/>
+          </a:bodyPr>
+          <a:lstStyle/>
+          <a:p>
+            <a:r>
+              <a:rPr lang="zh-CN" altLang="en-US"/>
+              <a:t>单击此处编辑母版标题样式</a:t>
+            </a:r>
+            <a:endParaRPr lang="en-US" dirty="0"/>
+          </a:p>
+        </p:txBody>
+      </p:sp>
+      <p:sp>
+        <p:nvSpPr>
+          <p:cNvPr id="3" name="Text Placeholder 2"/>
+          <p:cNvSpPr>
+            <a:spLocks noGrp="1"/>
+          </p:cNvSpPr>
+          <p:nvPr>
+            <p:ph type="body" idx="1"/>
+          </p:nvPr>
+        </p:nvSpPr>
+        <p:spPr>
+          <a:xfrm>
+            <a:off x="838202" y="4327408"/>
+            <a:ext cx="10515600" cy="10314283"/>
+          </a:xfrm>
+          <a:prstGeom prst="rect">
+            <a:avLst/>
+          </a:prstGeom>
+        </p:spPr>
+        <p:txBody>
+          <a:bodyPr vert="horz" lIns="91440" tIns="45720" rIns="91440" bIns="45720" rtlCol="0">
+            <a:normAutofit/>
+          </a:bodyPr>
+          <a:lstStyle/>
+          <a:p>
+            <a:pPr lvl="0"/>
+            <a:r>
+              <a:rPr lang="zh-CN" altLang="en-US"/>
+              <a:t>单击此处编辑母版文本样式</a:t>
+            </a:r>
+          </a:p>
+          <a:p>
+            <a:pPr lvl="1"/>
+            <a:r>
+              <a:rPr lang="zh-CN" altLang="en-US"/>
+              <a:t>二级</a:t>
+            </a:r>
+          </a:p>
+          <a:p>
+            <a:pPr lvl="2"/>
+            <a:r>
+              <a:rPr lang="zh-CN" altLang="en-US"/>
+              <a:t>三级</a:t>
+            </a:r>
+          </a:p>
+          <a:p>
+            <a:pPr lvl="3"/>
+            <a:r>
+              <a:rPr lang="zh-CN" altLang="en-US"/>
+              <a:t>四级</a:t>
+            </a:r>
+          </a:p>
+          <a:p>
+            <a:pPr lvl="4"/>
+            <a:r>
+              <a:rPr lang="zh-CN" altLang="en-US"/>
+              <a:t>五级</a:t>
+            </a:r>
+            <a:endParaRPr lang="en-US" dirty="0"/>
+          </a:p>
+        </p:txBody>
+      </p:sp>
+      <p:sp>
+        <p:nvSpPr>
+          <p:cNvPr id="4" name="Date Placeholder 3"/>
+          <p:cNvSpPr>
+            <a:spLocks noGrp="1"/>
+          </p:cNvSpPr>
+          <p:nvPr>
+            <p:ph type="dt" sz="half" idx="2"/>
+          </p:nvPr>
+        </p:nvSpPr>
+        <p:spPr>
+          <a:xfrm>
+            <a:off x="838199" y="15066909"/>
+            <a:ext cx="2743200" cy="865481"/>
+          </a:xfrm>
+          <a:prstGeom prst="rect">
+            <a:avLst/>
+          </a:prstGeom>
+        </p:spPr>
+        <p:txBody>
+          <a:bodyPr vert="horz" lIns="91440" tIns="45720" rIns="91440" bIns="45720" rtlCol="0" anchor="ctr"/>
+          <a:lstStyle>
+            <a:lvl1pPr algn="l">
+              <a:defRPr sz="1600">
+                <a:solidFill>
+                  <a:schemeClr val="tx1">
+                    <a:tint val="75000"/>
+                  </a:schemeClr>
+                </a:solidFill>
+              </a:defRPr>
+            </a:lvl1pPr>
+          </a:lstStyle>
+          <a:p>
+            <a:fld id="{3E73DA82-0082-2445-BF22-418BB184E2E3}" type="datetimeFigureOut">
+              <a:rPr kumimoji="1" lang="zh-CN" altLang="en-US" smtClean="0"/>
+              <a:t>2024/6/17</a:t>
+            </a:fld>
+            <a:endParaRPr kumimoji="1" lang="zh-CN" altLang="en-US"/>
+          </a:p>
+        </p:txBody>
+      </p:sp>
+      <p:sp>
+        <p:nvSpPr>
+          <p:cNvPr id="5" name="Footer Placeholder 4"/>
+          <p:cNvSpPr>
+            <a:spLocks noGrp="1"/>
+          </p:cNvSpPr>
+          <p:nvPr>
+            <p:ph type="ftr" sz="quarter" idx="3"/>
+          </p:nvPr>
+        </p:nvSpPr>
+        <p:spPr>
+          <a:xfrm>
+            <a:off x="4038602" y="15066909"/>
+            <a:ext cx="4114800" cy="865481"/>
+          </a:xfrm>
+          <a:prstGeom prst="rect">
+            <a:avLst/>
+          </a:prstGeom>
+        </p:spPr>
+        <p:txBody>
+          <a:bodyPr vert="horz" lIns="91440" tIns="45720" rIns="91440" bIns="45720" rtlCol="0" anchor="ctr"/>
+          <a:lstStyle>
+            <a:lvl1pPr algn="ctr">
+              <a:defRPr sz="1600">
+                <a:solidFill>
+                  <a:schemeClr val="tx1">
+                    <a:tint val="75000"/>
+                  </a:schemeClr>
+                </a:solidFill>
+              </a:defRPr>
+            </a:lvl1pPr>
+          </a:lstStyle>
+          <a:p>
+            <a:endParaRPr kumimoji="1" lang="zh-CN" altLang="en-US"/>
+          </a:p>
+        </p:txBody>
+      </p:sp>
+      <p:sp>
+        <p:nvSpPr>
+          <p:cNvPr id="6" name="Slide Number Placeholder 5"/>
+          <p:cNvSpPr>
+            <a:spLocks noGrp="1"/>
+          </p:cNvSpPr>
+          <p:nvPr>
+            <p:ph type="sldNum" sz="quarter" idx="4"/>
+          </p:nvPr>
+        </p:nvSpPr>
+        <p:spPr>
+          <a:xfrm>
+            <a:off x="8610601" y="15066909"/>
+            <a:ext cx="2743200" cy="865481"/>
+          </a:xfrm>
+          <a:prstGeom prst="rect">
+            <a:avLst/>
+          </a:prstGeom>
+        </p:spPr>
+        <p:txBody>
+          <a:bodyPr vert="horz" lIns="91440" tIns="45720" rIns="91440" bIns="45720" rtlCol="0" anchor="ctr"/>
+          <a:lstStyle>
+            <a:lvl1pPr algn="r">
+              <a:defRPr sz="1600">
+                <a:solidFill>
+                  <a:schemeClr val="tx1">
+                    <a:tint val="75000"/>
+                  </a:schemeClr>
+                </a:solidFill>
+              </a:defRPr>
+            </a:lvl1pPr>
+          </a:lstStyle>
+          <a:p>
+            <a:fld id="{81A8CE35-5F49-8F49-A5FC-30EA988ECDEB}" type="slidenum">
+              <a:rPr kumimoji="1" lang="zh-CN" altLang="en-US" smtClean="0"/>
+              <a:t>‹#›</a:t>
+            </a:fld>
+            <a:endParaRPr kumimoji="1" lang="zh-CN" altLang="en-US"/>
+          </a:p>
+        </p:txBody>
+      </p:sp>
+    </p:spTree>
+    <p:extLst>
+      <p:ext uri="{BB962C8B-B14F-4D97-AF65-F5344CB8AC3E}">
+        <p14:creationId xmlns:p14="http://schemas.microsoft.com/office/powerpoint/2010/main" val="440282009"/>
+      </p:ext>
+    </p:extLst>
+  </p:cSld>
+  <p:clrMap bg1="lt1" tx1="dk1" bg2="lt2" tx2="dk2" accent1="accent1" accent2="accent2" accent3="accent3" accent4="accent4" accent5="accent5" accent6="accent6" hlink="hlink" folHlink="folHlink"/>
+  <p:sldLayoutIdLst>
+    <p:sldLayoutId id="2147483721" r:id="rId1"/>
+    <p:sldLayoutId id="2147483722" r:id="rId2"/>
+    <p:sldLayoutId id="2147483723" r:id="rId3"/>
+    <p:sldLayoutId id="2147483724" r:id="rId4"/>
+    <p:sldLayoutId id="2147483725" r:id="rId5"/>
+    <p:sldLayoutId id="2147483726" r:id="rId6"/>
+    <p:sldLayoutId id="2147483727" r:id="rId7"/>
+    <p:sldLayoutId id="2147483728" r:id="rId8"/>
+    <p:sldLayoutId id="2147483729" r:id="rId9"/>
+    <p:sldLayoutId id="2147483730" r:id="rId10"/>
+    <p:sldLayoutId id="2147483731" r:id="rId11"/>
   </p:sldLayoutIdLst>
   <p:txStyles>
     <p:titleStyle>
@@ -7451,6 +10295,1889 @@
 </p:sld>
 </file>
 
+<file path=ppt/slides/slide3.xml><?xml version="1.0" encoding="utf-8"?>
+<p:sld xmlns:a="http://schemas.openxmlformats.org/drawingml/2006/main" xmlns:r="http://schemas.openxmlformats.org/officeDocument/2006/relationships" xmlns:p="http://schemas.openxmlformats.org/presentationml/2006/main">
+  <p:cSld>
+    <p:bg>
+      <p:bgPr>
+        <a:solidFill>
+          <a:schemeClr val="bg2">
+            <a:lumMod val="90000"/>
+            <a:alpha val="20000"/>
+          </a:schemeClr>
+        </a:solidFill>
+        <a:effectLst/>
+      </p:bgPr>
+    </p:bg>
+    <p:spTree>
+      <p:nvGrpSpPr>
+        <p:cNvPr id="1" name=""/>
+        <p:cNvGrpSpPr/>
+        <p:nvPr/>
+      </p:nvGrpSpPr>
+      <p:grpSpPr>
+        <a:xfrm>
+          <a:off x="0" y="0"/>
+          <a:ext cx="0" cy="0"/>
+          <a:chOff x="0" y="0"/>
+          <a:chExt cx="0" cy="0"/>
+        </a:xfrm>
+      </p:grpSpPr>
+      <p:sp>
+        <p:nvSpPr>
+          <p:cNvPr id="146" name="矩形 145">
+            <a:extLst>
+              <a:ext uri="{FF2B5EF4-FFF2-40B4-BE49-F238E27FC236}">
+                <a16:creationId xmlns:a16="http://schemas.microsoft.com/office/drawing/2014/main" id="{3F9AC06E-09EA-94EF-8352-7C8AF3A9AF2F}"/>
+              </a:ext>
+            </a:extLst>
+          </p:cNvPr>
+          <p:cNvSpPr/>
+          <p:nvPr/>
+        </p:nvSpPr>
+        <p:spPr>
+          <a:xfrm>
+            <a:off x="313777" y="1694148"/>
+            <a:ext cx="11480800" cy="14188821"/>
+          </a:xfrm>
+          <a:prstGeom prst="rect">
+            <a:avLst/>
+          </a:prstGeom>
+          <a:solidFill>
+            <a:schemeClr val="bg1"/>
+          </a:solidFill>
+          <a:ln w="6350">
+            <a:noFill/>
+          </a:ln>
+        </p:spPr>
+        <p:style>
+          <a:lnRef idx="2">
+            <a:schemeClr val="accent1">
+              <a:shade val="50000"/>
+            </a:schemeClr>
+          </a:lnRef>
+          <a:fillRef idx="1">
+            <a:schemeClr val="accent1"/>
+          </a:fillRef>
+          <a:effectRef idx="0">
+            <a:schemeClr val="accent1"/>
+          </a:effectRef>
+          <a:fontRef idx="minor">
+            <a:schemeClr val="lt1"/>
+          </a:fontRef>
+        </p:style>
+        <p:txBody>
+          <a:bodyPr rtlCol="0" anchor="ctr"/>
+          <a:lstStyle/>
+          <a:p>
+            <a:pPr marL="0" marR="0" lvl="0" indent="0" algn="ctr" defTabSz="914433" rtl="0" eaLnBrk="1" fontAlgn="auto" latinLnBrk="0" hangingPunct="1">
+              <a:lnSpc>
+                <a:spcPct val="100000"/>
+              </a:lnSpc>
+              <a:spcBef>
+                <a:spcPts val="0"/>
+              </a:spcBef>
+              <a:spcAft>
+                <a:spcPts val="0"/>
+              </a:spcAft>
+              <a:buClrTx/>
+              <a:buSzTx/>
+              <a:buFontTx/>
+              <a:buNone/>
+              <a:tabLst/>
+              <a:defRPr/>
+            </a:pPr>
+            <a:endParaRPr kumimoji="0" lang="en-US" altLang="zh-CN" sz="1600" b="1" i="0" u="none" strike="noStrike" kern="1200" cap="none" spc="0" normalizeH="0" baseline="0" noProof="0" dirty="0">
+              <a:ln>
+                <a:noFill/>
+              </a:ln>
+              <a:solidFill>
+                <a:srgbClr val="4472C4">
+                  <a:lumMod val="75000"/>
+                </a:srgbClr>
+              </a:solidFill>
+              <a:effectLst/>
+              <a:uLnTx/>
+              <a:uFillTx/>
+              <a:latin typeface="微软雅黑" panose="020B0503020204020204" pitchFamily="34" charset="-122"/>
+              <a:ea typeface="微软雅黑" panose="020B0503020204020204" pitchFamily="34" charset="-122"/>
+              <a:cs typeface="+mn-cs"/>
+              <a:sym typeface="微软雅黑" panose="020B0503020204020204" pitchFamily="34" charset="-122"/>
+            </a:endParaRPr>
+          </a:p>
+          <a:p>
+            <a:pPr marL="0" marR="0" lvl="0" indent="0" algn="ctr" defTabSz="914433" rtl="0" eaLnBrk="1" fontAlgn="auto" latinLnBrk="0" hangingPunct="1">
+              <a:lnSpc>
+                <a:spcPct val="100000"/>
+              </a:lnSpc>
+              <a:spcBef>
+                <a:spcPts val="0"/>
+              </a:spcBef>
+              <a:spcAft>
+                <a:spcPts val="0"/>
+              </a:spcAft>
+              <a:buClrTx/>
+              <a:buSzTx/>
+              <a:buFontTx/>
+              <a:buNone/>
+              <a:tabLst/>
+              <a:defRPr/>
+            </a:pPr>
+            <a:endParaRPr kumimoji="0" lang="en-US" altLang="zh-CN" sz="1600" b="1" i="0" u="none" strike="noStrike" kern="1200" cap="none" spc="0" normalizeH="0" baseline="0" noProof="0" dirty="0">
+              <a:ln>
+                <a:noFill/>
+              </a:ln>
+              <a:solidFill>
+                <a:srgbClr val="4472C4">
+                  <a:lumMod val="75000"/>
+                </a:srgbClr>
+              </a:solidFill>
+              <a:effectLst/>
+              <a:uLnTx/>
+              <a:uFillTx/>
+              <a:latin typeface="微软雅黑" panose="020B0503020204020204" pitchFamily="34" charset="-122"/>
+              <a:ea typeface="微软雅黑" panose="020B0503020204020204" pitchFamily="34" charset="-122"/>
+              <a:cs typeface="+mn-cs"/>
+              <a:sym typeface="微软雅黑" panose="020B0503020204020204" pitchFamily="34" charset="-122"/>
+            </a:endParaRPr>
+          </a:p>
+          <a:p>
+            <a:pPr marL="0" marR="0" lvl="0" indent="0" algn="ctr" defTabSz="914433" rtl="0" eaLnBrk="1" fontAlgn="auto" latinLnBrk="0" hangingPunct="1">
+              <a:lnSpc>
+                <a:spcPct val="100000"/>
+              </a:lnSpc>
+              <a:spcBef>
+                <a:spcPts val="0"/>
+              </a:spcBef>
+              <a:spcAft>
+                <a:spcPts val="0"/>
+              </a:spcAft>
+              <a:buClrTx/>
+              <a:buSzTx/>
+              <a:buFontTx/>
+              <a:buNone/>
+              <a:tabLst/>
+              <a:defRPr/>
+            </a:pPr>
+            <a:endParaRPr kumimoji="0" lang="en-US" altLang="zh-CN" sz="1600" b="1" i="0" u="none" strike="noStrike" kern="1200" cap="none" spc="0" normalizeH="0" baseline="0" noProof="0" dirty="0">
+              <a:ln>
+                <a:noFill/>
+              </a:ln>
+              <a:solidFill>
+                <a:srgbClr val="4472C4">
+                  <a:lumMod val="75000"/>
+                </a:srgbClr>
+              </a:solidFill>
+              <a:effectLst/>
+              <a:uLnTx/>
+              <a:uFillTx/>
+              <a:latin typeface="微软雅黑" panose="020B0503020204020204" pitchFamily="34" charset="-122"/>
+              <a:ea typeface="微软雅黑" panose="020B0503020204020204" pitchFamily="34" charset="-122"/>
+              <a:cs typeface="+mn-cs"/>
+              <a:sym typeface="微软雅黑" panose="020B0503020204020204" pitchFamily="34" charset="-122"/>
+            </a:endParaRPr>
+          </a:p>
+          <a:p>
+            <a:pPr marL="0" marR="0" lvl="0" indent="0" algn="ctr" defTabSz="914433" rtl="0" eaLnBrk="1" fontAlgn="auto" latinLnBrk="0" hangingPunct="1">
+              <a:lnSpc>
+                <a:spcPct val="100000"/>
+              </a:lnSpc>
+              <a:spcBef>
+                <a:spcPts val="0"/>
+              </a:spcBef>
+              <a:spcAft>
+                <a:spcPts val="0"/>
+              </a:spcAft>
+              <a:buClrTx/>
+              <a:buSzTx/>
+              <a:buFontTx/>
+              <a:buNone/>
+              <a:tabLst/>
+              <a:defRPr/>
+            </a:pPr>
+            <a:endParaRPr kumimoji="0" lang="en-US" altLang="zh-CN" sz="1600" b="1" i="0" u="none" strike="noStrike" kern="1200" cap="none" spc="0" normalizeH="0" baseline="0" noProof="0" dirty="0">
+              <a:ln>
+                <a:noFill/>
+              </a:ln>
+              <a:solidFill>
+                <a:srgbClr val="4472C4">
+                  <a:lumMod val="75000"/>
+                </a:srgbClr>
+              </a:solidFill>
+              <a:effectLst/>
+              <a:uLnTx/>
+              <a:uFillTx/>
+              <a:latin typeface="微软雅黑" panose="020B0503020204020204" pitchFamily="34" charset="-122"/>
+              <a:ea typeface="微软雅黑" panose="020B0503020204020204" pitchFamily="34" charset="-122"/>
+              <a:cs typeface="+mn-cs"/>
+              <a:sym typeface="微软雅黑" panose="020B0503020204020204" pitchFamily="34" charset="-122"/>
+            </a:endParaRPr>
+          </a:p>
+        </p:txBody>
+      </p:sp>
+      <p:sp>
+        <p:nvSpPr>
+          <p:cNvPr id="15" name="矩形 14">
+            <a:extLst>
+              <a:ext uri="{FF2B5EF4-FFF2-40B4-BE49-F238E27FC236}">
+                <a16:creationId xmlns:a16="http://schemas.microsoft.com/office/drawing/2014/main" id="{627A1670-860B-3A84-E1E4-5D162728396F}"/>
+              </a:ext>
+            </a:extLst>
+          </p:cNvPr>
+          <p:cNvSpPr/>
+          <p:nvPr/>
+        </p:nvSpPr>
+        <p:spPr>
+          <a:xfrm>
+            <a:off x="0" y="693517"/>
+            <a:ext cx="12192000" cy="690741"/>
+          </a:xfrm>
+          <a:prstGeom prst="rect">
+            <a:avLst/>
+          </a:prstGeom>
+          <a:solidFill>
+            <a:schemeClr val="bg1"/>
+          </a:solidFill>
+          <a:ln>
+            <a:solidFill>
+              <a:schemeClr val="bg1"/>
+            </a:solidFill>
+          </a:ln>
+        </p:spPr>
+        <p:style>
+          <a:lnRef idx="2">
+            <a:schemeClr val="accent1">
+              <a:shade val="50000"/>
+            </a:schemeClr>
+          </a:lnRef>
+          <a:fillRef idx="1">
+            <a:schemeClr val="accent1"/>
+          </a:fillRef>
+          <a:effectRef idx="0">
+            <a:schemeClr val="accent1"/>
+          </a:effectRef>
+          <a:fontRef idx="minor">
+            <a:schemeClr val="lt1"/>
+          </a:fontRef>
+        </p:style>
+        <p:txBody>
+          <a:bodyPr rtlCol="0" anchor="ctr"/>
+          <a:lstStyle/>
+          <a:p>
+            <a:pPr marL="0" marR="0" lvl="0" indent="0" algn="ctr" defTabSz="914433" rtl="0" eaLnBrk="1" fontAlgn="auto" latinLnBrk="0" hangingPunct="1">
+              <a:lnSpc>
+                <a:spcPct val="100000"/>
+              </a:lnSpc>
+              <a:spcBef>
+                <a:spcPts val="0"/>
+              </a:spcBef>
+              <a:spcAft>
+                <a:spcPts val="0"/>
+              </a:spcAft>
+              <a:buClrTx/>
+              <a:buSzTx/>
+              <a:buFontTx/>
+              <a:buNone/>
+              <a:tabLst/>
+              <a:defRPr/>
+            </a:pPr>
+            <a:endParaRPr kumimoji="0" lang="zh-CN" altLang="en-US" sz="3202" b="0" i="0" u="none" strike="noStrike" kern="1200" cap="none" spc="0" normalizeH="0" baseline="0" noProof="0" dirty="0">
+              <a:ln>
+                <a:noFill/>
+              </a:ln>
+              <a:solidFill>
+                <a:prstClr val="white"/>
+              </a:solidFill>
+              <a:effectLst/>
+              <a:uLnTx/>
+              <a:uFillTx/>
+              <a:latin typeface="微软雅黑" panose="020B0503020204020204" pitchFamily="34" charset="-122"/>
+              <a:ea typeface="微软雅黑" panose="020B0503020204020204" pitchFamily="34" charset="-122"/>
+              <a:cs typeface="+mn-cs"/>
+              <a:sym typeface="微软雅黑" panose="020B0503020204020204" pitchFamily="34" charset="-122"/>
+            </a:endParaRPr>
+          </a:p>
+        </p:txBody>
+      </p:sp>
+      <p:pic>
+        <p:nvPicPr>
+          <p:cNvPr id="16" name="图形 15">
+            <a:extLst>
+              <a:ext uri="{FF2B5EF4-FFF2-40B4-BE49-F238E27FC236}">
+                <a16:creationId xmlns:a16="http://schemas.microsoft.com/office/drawing/2014/main" id="{E3DB26D1-C3E9-A379-C007-3AE8A41B466D}"/>
+              </a:ext>
+            </a:extLst>
+          </p:cNvPr>
+          <p:cNvPicPr>
+            <a:picLocks noChangeAspect="1"/>
+          </p:cNvPicPr>
+          <p:nvPr/>
+        </p:nvPicPr>
+        <p:blipFill>
+          <a:blip r:embed="rId2">
+            <a:extLst>
+              <a:ext uri="{96DAC541-7B7A-43D3-8B79-37D633B846F1}">
+                <asvg:svgBlip xmlns:asvg="http://schemas.microsoft.com/office/drawing/2016/SVG/main" r:embed="rId3"/>
+              </a:ext>
+            </a:extLst>
+          </a:blip>
+          <a:stretch>
+            <a:fillRect/>
+          </a:stretch>
+        </p:blipFill>
+        <p:spPr>
+          <a:xfrm>
+            <a:off x="520332" y="799040"/>
+            <a:ext cx="1985145" cy="486187"/>
+          </a:xfrm>
+          <a:prstGeom prst="rect">
+            <a:avLst/>
+          </a:prstGeom>
+        </p:spPr>
+      </p:pic>
+      <p:sp>
+        <p:nvSpPr>
+          <p:cNvPr id="25" name="矩形 24">
+            <a:extLst>
+              <a:ext uri="{FF2B5EF4-FFF2-40B4-BE49-F238E27FC236}">
+                <a16:creationId xmlns:a16="http://schemas.microsoft.com/office/drawing/2014/main" id="{F9891A39-0866-4099-5CE1-0255E362AF2D}"/>
+              </a:ext>
+            </a:extLst>
+          </p:cNvPr>
+          <p:cNvSpPr/>
+          <p:nvPr/>
+        </p:nvSpPr>
+        <p:spPr>
+          <a:xfrm>
+            <a:off x="0" y="1384643"/>
+            <a:ext cx="12192000" cy="138853"/>
+          </a:xfrm>
+          <a:prstGeom prst="rect">
+            <a:avLst/>
+          </a:prstGeom>
+          <a:solidFill>
+            <a:schemeClr val="accent2">
+              <a:lumMod val="20000"/>
+              <a:lumOff val="80000"/>
+            </a:schemeClr>
+          </a:solidFill>
+          <a:ln>
+            <a:solidFill>
+              <a:schemeClr val="accent2">
+                <a:lumMod val="20000"/>
+                <a:lumOff val="80000"/>
+              </a:schemeClr>
+            </a:solidFill>
+          </a:ln>
+        </p:spPr>
+        <p:style>
+          <a:lnRef idx="2">
+            <a:schemeClr val="accent1">
+              <a:shade val="50000"/>
+            </a:schemeClr>
+          </a:lnRef>
+          <a:fillRef idx="1">
+            <a:schemeClr val="accent1"/>
+          </a:fillRef>
+          <a:effectRef idx="0">
+            <a:schemeClr val="accent1"/>
+          </a:effectRef>
+          <a:fontRef idx="minor">
+            <a:schemeClr val="lt1"/>
+          </a:fontRef>
+        </p:style>
+        <p:txBody>
+          <a:bodyPr rtlCol="0" anchor="ctr"/>
+          <a:lstStyle/>
+          <a:p>
+            <a:pPr marL="0" marR="0" lvl="0" indent="0" algn="ctr" defTabSz="914433" rtl="0" eaLnBrk="1" fontAlgn="auto" latinLnBrk="0" hangingPunct="1">
+              <a:lnSpc>
+                <a:spcPct val="100000"/>
+              </a:lnSpc>
+              <a:spcBef>
+                <a:spcPts val="0"/>
+              </a:spcBef>
+              <a:spcAft>
+                <a:spcPts val="0"/>
+              </a:spcAft>
+              <a:buClrTx/>
+              <a:buSzTx/>
+              <a:buFontTx/>
+              <a:buNone/>
+              <a:tabLst/>
+              <a:defRPr/>
+            </a:pPr>
+            <a:endParaRPr kumimoji="0" lang="zh-CN" altLang="en-US" sz="3202" b="0" i="0" u="none" strike="noStrike" kern="1200" cap="none" spc="0" normalizeH="0" baseline="0" noProof="0">
+              <a:ln>
+                <a:noFill/>
+              </a:ln>
+              <a:solidFill>
+                <a:prstClr val="white"/>
+              </a:solidFill>
+              <a:effectLst/>
+              <a:uLnTx/>
+              <a:uFillTx/>
+              <a:latin typeface="微软雅黑" panose="020B0503020204020204" pitchFamily="34" charset="-122"/>
+              <a:ea typeface="微软雅黑" panose="020B0503020204020204" pitchFamily="34" charset="-122"/>
+              <a:cs typeface="+mn-cs"/>
+              <a:sym typeface="微软雅黑" panose="020B0503020204020204" pitchFamily="34" charset="-122"/>
+            </a:endParaRPr>
+          </a:p>
+        </p:txBody>
+      </p:sp>
+      <p:sp>
+        <p:nvSpPr>
+          <p:cNvPr id="30" name="矩形: 圆角 12">
+            <a:extLst>
+              <a:ext uri="{FF2B5EF4-FFF2-40B4-BE49-F238E27FC236}">
+                <a16:creationId xmlns:a16="http://schemas.microsoft.com/office/drawing/2014/main" id="{018966DE-DB3E-FB87-3F3C-C01B28331592}"/>
+              </a:ext>
+            </a:extLst>
+          </p:cNvPr>
+          <p:cNvSpPr/>
+          <p:nvPr/>
+        </p:nvSpPr>
+        <p:spPr>
+          <a:xfrm>
+            <a:off x="520333" y="1904999"/>
+            <a:ext cx="11143348" cy="13767121"/>
+          </a:xfrm>
+          <a:prstGeom prst="roundRect">
+            <a:avLst>
+              <a:gd name="adj" fmla="val 1964"/>
+            </a:avLst>
+          </a:prstGeom>
+          <a:noFill/>
+          <a:ln>
+            <a:solidFill>
+              <a:schemeClr val="accent3">
+                <a:lumMod val="20000"/>
+                <a:lumOff val="80000"/>
+              </a:schemeClr>
+            </a:solidFill>
+          </a:ln>
+        </p:spPr>
+        <p:style>
+          <a:lnRef idx="2">
+            <a:schemeClr val="accent1">
+              <a:shade val="50000"/>
+            </a:schemeClr>
+          </a:lnRef>
+          <a:fillRef idx="1">
+            <a:schemeClr val="accent1"/>
+          </a:fillRef>
+          <a:effectRef idx="0">
+            <a:schemeClr val="accent1"/>
+          </a:effectRef>
+          <a:fontRef idx="minor">
+            <a:schemeClr val="lt1"/>
+          </a:fontRef>
+        </p:style>
+        <p:txBody>
+          <a:bodyPr rtlCol="0" anchor="ctr"/>
+          <a:lstStyle/>
+          <a:p>
+            <a:pPr marL="0" marR="0" lvl="0" indent="0" algn="ctr" defTabSz="914433" rtl="0" eaLnBrk="1" fontAlgn="auto" latinLnBrk="0" hangingPunct="1">
+              <a:lnSpc>
+                <a:spcPct val="100000"/>
+              </a:lnSpc>
+              <a:spcBef>
+                <a:spcPts val="0"/>
+              </a:spcBef>
+              <a:spcAft>
+                <a:spcPts val="0"/>
+              </a:spcAft>
+              <a:buClrTx/>
+              <a:buSzTx/>
+              <a:buFontTx/>
+              <a:buNone/>
+              <a:tabLst/>
+              <a:defRPr/>
+            </a:pPr>
+            <a:endParaRPr kumimoji="0" lang="zh-CN" altLang="en-US" sz="3202" b="0" i="0" u="none" strike="noStrike" kern="1200" cap="none" spc="0" normalizeH="0" baseline="0" noProof="0" dirty="0">
+              <a:ln>
+                <a:noFill/>
+              </a:ln>
+              <a:solidFill>
+                <a:prstClr val="white"/>
+              </a:solidFill>
+              <a:effectLst/>
+              <a:uLnTx/>
+              <a:uFillTx/>
+              <a:latin typeface="微软雅黑" panose="020B0503020204020204" pitchFamily="34" charset="-122"/>
+              <a:ea typeface="微软雅黑" panose="020B0503020204020204" pitchFamily="34" charset="-122"/>
+              <a:cs typeface="+mn-cs"/>
+              <a:sym typeface="微软雅黑" panose="020B0503020204020204" pitchFamily="34" charset="-122"/>
+            </a:endParaRPr>
+          </a:p>
+        </p:txBody>
+      </p:sp>
+      <p:cxnSp>
+        <p:nvCxnSpPr>
+          <p:cNvPr id="45" name="直线连接符 44">
+            <a:extLst>
+              <a:ext uri="{FF2B5EF4-FFF2-40B4-BE49-F238E27FC236}">
+                <a16:creationId xmlns:a16="http://schemas.microsoft.com/office/drawing/2014/main" id="{1A3DE53A-462B-3596-83D4-1BFCFC325EC6}"/>
+              </a:ext>
+            </a:extLst>
+          </p:cNvPr>
+          <p:cNvCxnSpPr>
+            <a:cxnSpLocks/>
+          </p:cNvCxnSpPr>
+          <p:nvPr/>
+        </p:nvCxnSpPr>
+        <p:spPr>
+          <a:xfrm>
+            <a:off x="862411" y="2441471"/>
+            <a:ext cx="10383532" cy="0"/>
+          </a:xfrm>
+          <a:prstGeom prst="line">
+            <a:avLst/>
+          </a:prstGeom>
+          <a:ln>
+            <a:solidFill>
+              <a:schemeClr val="dk1">
+                <a:alpha val="39855"/>
+              </a:schemeClr>
+            </a:solidFill>
+          </a:ln>
+        </p:spPr>
+        <p:style>
+          <a:lnRef idx="1">
+            <a:schemeClr val="dk1"/>
+          </a:lnRef>
+          <a:fillRef idx="0">
+            <a:schemeClr val="dk1"/>
+          </a:fillRef>
+          <a:effectRef idx="0">
+            <a:schemeClr val="dk1"/>
+          </a:effectRef>
+          <a:fontRef idx="minor">
+            <a:schemeClr val="tx1"/>
+          </a:fontRef>
+        </p:style>
+      </p:cxnSp>
+      <p:sp>
+        <p:nvSpPr>
+          <p:cNvPr id="48" name="文本框 47">
+            <a:extLst>
+              <a:ext uri="{FF2B5EF4-FFF2-40B4-BE49-F238E27FC236}">
+                <a16:creationId xmlns:a16="http://schemas.microsoft.com/office/drawing/2014/main" id="{7BC38C87-6D0B-CDF2-E24F-1189D2CEA5F2}"/>
+              </a:ext>
+            </a:extLst>
+          </p:cNvPr>
+          <p:cNvSpPr txBox="1"/>
+          <p:nvPr/>
+        </p:nvSpPr>
+        <p:spPr>
+          <a:xfrm>
+            <a:off x="946058" y="2055861"/>
+            <a:ext cx="2259726" cy="261610"/>
+          </a:xfrm>
+          <a:prstGeom prst="rect">
+            <a:avLst/>
+          </a:prstGeom>
+          <a:noFill/>
+        </p:spPr>
+        <p:txBody>
+          <a:bodyPr wrap="square" rtlCol="0">
+            <a:spAutoFit/>
+          </a:bodyPr>
+          <a:lstStyle/>
+          <a:p>
+            <a:pPr marL="0" marR="0" lvl="0" indent="0" algn="l" defTabSz="914433" rtl="0" eaLnBrk="1" fontAlgn="auto" latinLnBrk="0" hangingPunct="1">
+              <a:lnSpc>
+                <a:spcPct val="100000"/>
+              </a:lnSpc>
+              <a:spcBef>
+                <a:spcPts val="0"/>
+              </a:spcBef>
+              <a:spcAft>
+                <a:spcPts val="0"/>
+              </a:spcAft>
+              <a:buClrTx/>
+              <a:buSzTx/>
+              <a:buFontTx/>
+              <a:buNone/>
+              <a:tabLst/>
+              <a:defRPr/>
+            </a:pPr>
+            <a:r>
+              <a:rPr kumimoji="0" lang="en-US" altLang="zh-CN" sz="1100" b="1" i="0" u="none" strike="noStrike" kern="1200" cap="none" spc="0" normalizeH="0" baseline="0" noProof="0" dirty="0">
+                <a:ln>
+                  <a:noFill/>
+                </a:ln>
+                <a:solidFill>
+                  <a:srgbClr val="4472C4">
+                    <a:lumMod val="75000"/>
+                  </a:srgbClr>
+                </a:solidFill>
+                <a:effectLst/>
+                <a:uLnTx/>
+                <a:uFillTx/>
+                <a:latin typeface="微软雅黑" panose="020B0503020204020204" pitchFamily="34" charset="-122"/>
+                <a:ea typeface="微软雅黑" panose="020B0503020204020204" pitchFamily="34" charset="-122"/>
+                <a:cs typeface="+mn-cs"/>
+                <a:sym typeface="微软雅黑" panose="020B0503020204020204" pitchFamily="34" charset="-122"/>
+              </a:rPr>
+              <a:t>Metabolic model</a:t>
+            </a:r>
+          </a:p>
+        </p:txBody>
+      </p:sp>
+      <p:sp>
+        <p:nvSpPr>
+          <p:cNvPr id="53" name="文本框 52">
+            <a:extLst>
+              <a:ext uri="{FF2B5EF4-FFF2-40B4-BE49-F238E27FC236}">
+                <a16:creationId xmlns:a16="http://schemas.microsoft.com/office/drawing/2014/main" id="{705A1A95-37F7-7126-9750-AA7251CEACD1}"/>
+              </a:ext>
+            </a:extLst>
+          </p:cNvPr>
+          <p:cNvSpPr txBox="1"/>
+          <p:nvPr/>
+        </p:nvSpPr>
+        <p:spPr>
+          <a:xfrm>
+            <a:off x="209318" y="275882"/>
+            <a:ext cx="9284306" cy="307905"/>
+          </a:xfrm>
+          <a:prstGeom prst="rect">
+            <a:avLst/>
+          </a:prstGeom>
+          <a:noFill/>
+        </p:spPr>
+        <p:txBody>
+          <a:bodyPr wrap="square" rtlCol="0">
+            <a:spAutoFit/>
+          </a:bodyPr>
+          <a:lstStyle/>
+          <a:p>
+            <a:pPr marL="0" marR="0" lvl="0" indent="0" algn="l" defTabSz="914433" rtl="0" eaLnBrk="1" fontAlgn="auto" latinLnBrk="0" hangingPunct="1">
+              <a:lnSpc>
+                <a:spcPct val="100000"/>
+              </a:lnSpc>
+              <a:spcBef>
+                <a:spcPts val="0"/>
+              </a:spcBef>
+              <a:spcAft>
+                <a:spcPts val="0"/>
+              </a:spcAft>
+              <a:buClrTx/>
+              <a:buSzTx/>
+              <a:buFontTx/>
+              <a:buNone/>
+              <a:tabLst/>
+              <a:defRPr/>
+            </a:pPr>
+            <a:r>
+              <a:rPr kumimoji="0" lang="en-US" altLang="zh-CN" sz="1401" b="1" i="0" u="none" strike="noStrike" kern="1200" cap="none" spc="0" normalizeH="0" baseline="0" noProof="0" dirty="0">
+                <a:ln>
+                  <a:noFill/>
+                </a:ln>
+                <a:solidFill>
+                  <a:srgbClr val="E7E6E6">
+                    <a:lumMod val="25000"/>
+                  </a:srgbClr>
+                </a:solidFill>
+                <a:effectLst/>
+                <a:uLnTx/>
+                <a:uFillTx/>
+                <a:latin typeface="微软雅黑" panose="020B0503020204020204" pitchFamily="34" charset="-122"/>
+                <a:ea typeface="微软雅黑" panose="020B0503020204020204" pitchFamily="34" charset="-122"/>
+                <a:cs typeface="+mn-cs"/>
+                <a:sym typeface="微软雅黑" panose="020B0503020204020204" pitchFamily="34" charset="-122"/>
+              </a:rPr>
+              <a:t>Metabolic</a:t>
+            </a:r>
+            <a:r>
+              <a:rPr kumimoji="0" lang="zh-CN" altLang="en-US" sz="1401" b="1" i="0" u="none" strike="noStrike" kern="1200" cap="none" spc="0" normalizeH="0" baseline="0" noProof="0" dirty="0">
+                <a:ln>
+                  <a:noFill/>
+                </a:ln>
+                <a:solidFill>
+                  <a:srgbClr val="E7E6E6">
+                    <a:lumMod val="25000"/>
+                  </a:srgbClr>
+                </a:solidFill>
+                <a:effectLst/>
+                <a:uLnTx/>
+                <a:uFillTx/>
+                <a:latin typeface="微软雅黑" panose="020B0503020204020204" pitchFamily="34" charset="-122"/>
+                <a:ea typeface="微软雅黑" panose="020B0503020204020204" pitchFamily="34" charset="-122"/>
+                <a:cs typeface="+mn-cs"/>
+                <a:sym typeface="微软雅黑" panose="020B0503020204020204" pitchFamily="34" charset="-122"/>
+              </a:rPr>
+              <a:t> </a:t>
+            </a:r>
+            <a:r>
+              <a:rPr kumimoji="0" lang="en-US" altLang="zh-CN" sz="1401" b="1" i="0" u="none" strike="noStrike" kern="1200" cap="none" spc="0" normalizeH="0" baseline="0" noProof="0" dirty="0">
+                <a:ln>
+                  <a:noFill/>
+                </a:ln>
+                <a:solidFill>
+                  <a:srgbClr val="E7E6E6">
+                    <a:lumMod val="25000"/>
+                  </a:srgbClr>
+                </a:solidFill>
+                <a:effectLst/>
+                <a:uLnTx/>
+                <a:uFillTx/>
+                <a:latin typeface="微软雅黑" panose="020B0503020204020204" pitchFamily="34" charset="-122"/>
+                <a:ea typeface="微软雅黑" panose="020B0503020204020204" pitchFamily="34" charset="-122"/>
+                <a:cs typeface="+mn-cs"/>
+                <a:sym typeface="微软雅黑" panose="020B0503020204020204" pitchFamily="34" charset="-122"/>
+              </a:rPr>
+              <a:t>Analysis</a:t>
+            </a:r>
+            <a:r>
+              <a:rPr kumimoji="0" lang="zh-CN" altLang="en-US" sz="1401" b="1" i="0" u="none" strike="noStrike" kern="1200" cap="none" spc="0" normalizeH="0" baseline="0" noProof="0" dirty="0">
+                <a:ln>
+                  <a:noFill/>
+                </a:ln>
+                <a:solidFill>
+                  <a:srgbClr val="E7E6E6">
+                    <a:lumMod val="25000"/>
+                  </a:srgbClr>
+                </a:solidFill>
+                <a:effectLst/>
+                <a:uLnTx/>
+                <a:uFillTx/>
+                <a:latin typeface="微软雅黑" panose="020B0503020204020204" pitchFamily="34" charset="-122"/>
+                <a:ea typeface="微软雅黑" panose="020B0503020204020204" pitchFamily="34" charset="-122"/>
+                <a:cs typeface="+mn-cs"/>
+                <a:sym typeface="微软雅黑" panose="020B0503020204020204" pitchFamily="34" charset="-122"/>
+              </a:rPr>
+              <a:t> 新的页面参考</a:t>
+            </a:r>
+          </a:p>
+        </p:txBody>
+      </p:sp>
+      <p:sp>
+        <p:nvSpPr>
+          <p:cNvPr id="10" name="文本框 9">
+            <a:extLst>
+              <a:ext uri="{FF2B5EF4-FFF2-40B4-BE49-F238E27FC236}">
+                <a16:creationId xmlns:a16="http://schemas.microsoft.com/office/drawing/2014/main" id="{1D2F7A64-587A-93D1-5366-F4305FE740AC}"/>
+              </a:ext>
+            </a:extLst>
+          </p:cNvPr>
+          <p:cNvSpPr txBox="1"/>
+          <p:nvPr/>
+        </p:nvSpPr>
+        <p:spPr>
+          <a:xfrm>
+            <a:off x="927673" y="2606660"/>
+            <a:ext cx="10332292" cy="1145891"/>
+          </a:xfrm>
+          <a:prstGeom prst="rect">
+            <a:avLst/>
+          </a:prstGeom>
+          <a:noFill/>
+        </p:spPr>
+        <p:txBody>
+          <a:bodyPr wrap="square" rtlCol="0">
+            <a:spAutoFit/>
+          </a:bodyPr>
+          <a:lstStyle/>
+          <a:p>
+            <a:pPr marL="0" marR="0" lvl="0" indent="0" algn="l" defTabSz="457180" rtl="0" eaLnBrk="1" fontAlgn="auto" latinLnBrk="0" hangingPunct="1">
+              <a:lnSpc>
+                <a:spcPct val="150000"/>
+              </a:lnSpc>
+              <a:spcBef>
+                <a:spcPts val="0"/>
+              </a:spcBef>
+              <a:spcAft>
+                <a:spcPts val="0"/>
+              </a:spcAft>
+              <a:buClrTx/>
+              <a:buSzTx/>
+              <a:buFontTx/>
+              <a:buNone/>
+              <a:tabLst/>
+              <a:defRPr/>
+            </a:pPr>
+            <a:r>
+              <a:rPr kumimoji="0" lang="en-US" altLang="zh-CN" sz="1400" b="0" i="0" u="none" strike="noStrike" kern="1200" cap="none" spc="0" normalizeH="0" baseline="0" noProof="0" dirty="0">
+                <a:ln>
+                  <a:noFill/>
+                </a:ln>
+                <a:solidFill>
+                  <a:srgbClr val="515A6E"/>
+                </a:solidFill>
+                <a:effectLst/>
+                <a:uLnTx/>
+                <a:uFillTx/>
+                <a:latin typeface="Arial" panose="020B0604020202020204" pitchFamily="34" charset="0"/>
+                <a:ea typeface="等线" panose="02010600030101010101" pitchFamily="2" charset="-122"/>
+                <a:cs typeface="+mn-cs"/>
+              </a:rPr>
+              <a:t>Notice</a:t>
+            </a:r>
+            <a:endParaRPr kumimoji="0" lang="en" altLang="zh-CN" sz="1600" b="0" i="0" u="none" strike="noStrike" kern="1200" cap="none" spc="0" normalizeH="0" baseline="0" noProof="0" dirty="0">
+              <a:ln>
+                <a:noFill/>
+              </a:ln>
+              <a:solidFill>
+                <a:srgbClr val="515A6E"/>
+              </a:solidFill>
+              <a:effectLst/>
+              <a:uLnTx/>
+              <a:uFillTx/>
+              <a:latin typeface="Arial" panose="020B0604020202020204" pitchFamily="34" charset="0"/>
+              <a:ea typeface="等线" panose="02010600030101010101" pitchFamily="2" charset="-122"/>
+              <a:cs typeface="+mn-cs"/>
+            </a:endParaRPr>
+          </a:p>
+          <a:p>
+            <a:pPr marL="228600" marR="0" lvl="0" indent="-228600" algn="l" defTabSz="457180" rtl="0" eaLnBrk="1" fontAlgn="auto" latinLnBrk="0" hangingPunct="1">
+              <a:lnSpc>
+                <a:spcPct val="150000"/>
+              </a:lnSpc>
+              <a:spcBef>
+                <a:spcPts val="0"/>
+              </a:spcBef>
+              <a:spcAft>
+                <a:spcPts val="0"/>
+              </a:spcAft>
+              <a:buClrTx/>
+              <a:buSzTx/>
+              <a:buFontTx/>
+              <a:buAutoNum type="arabicPeriod"/>
+              <a:tabLst/>
+              <a:defRPr/>
+            </a:pPr>
+            <a:r>
+              <a:rPr kumimoji="0" lang="en-US" altLang="zh-CN" sz="1100" b="0" i="0" u="none" strike="noStrike" kern="1200" cap="none" spc="0" normalizeH="0" baseline="0" noProof="0" dirty="0">
+                <a:ln>
+                  <a:noFill/>
+                </a:ln>
+                <a:solidFill>
+                  <a:srgbClr val="515A6E"/>
+                </a:solidFill>
+                <a:effectLst/>
+                <a:uLnTx/>
+                <a:uFillTx/>
+                <a:latin typeface="Arial" panose="020B0604020202020204" pitchFamily="34" charset="0"/>
+                <a:ea typeface="微软雅黑" panose="020B0503020204020204" pitchFamily="34" charset="-122"/>
+                <a:cs typeface="+mn-cs"/>
+                <a:sym typeface="微软雅黑" panose="020B0503020204020204" pitchFamily="34" charset="-122"/>
+              </a:rPr>
+              <a:t>Submit</a:t>
+            </a:r>
+            <a:r>
+              <a:rPr kumimoji="0" lang="zh-CN" altLang="en-US" sz="1100" b="0" i="0" u="none" strike="noStrike" kern="1200" cap="none" spc="0" normalizeH="0" baseline="0" noProof="0" dirty="0">
+                <a:ln>
+                  <a:noFill/>
+                </a:ln>
+                <a:solidFill>
+                  <a:srgbClr val="515A6E"/>
+                </a:solidFill>
+                <a:effectLst/>
+                <a:uLnTx/>
+                <a:uFillTx/>
+                <a:latin typeface="Arial" panose="020B0604020202020204" pitchFamily="34" charset="0"/>
+                <a:ea typeface="微软雅黑" panose="020B0503020204020204" pitchFamily="34" charset="-122"/>
+                <a:cs typeface="+mn-cs"/>
+                <a:sym typeface="微软雅黑" panose="020B0503020204020204" pitchFamily="34" charset="-122"/>
+              </a:rPr>
+              <a:t> </a:t>
+            </a:r>
+            <a:r>
+              <a:rPr kumimoji="0" lang="en-US" altLang="zh-CN" sz="1100" b="0" i="0" u="none" strike="noStrike" kern="1200" cap="none" spc="0" normalizeH="0" baseline="0" noProof="0" dirty="0">
+                <a:ln>
+                  <a:noFill/>
+                </a:ln>
+                <a:solidFill>
+                  <a:srgbClr val="515A6E"/>
+                </a:solidFill>
+                <a:effectLst/>
+                <a:uLnTx/>
+                <a:uFillTx/>
+                <a:latin typeface="Arial" panose="020B0604020202020204" pitchFamily="34" charset="0"/>
+                <a:ea typeface="微软雅黑" panose="020B0503020204020204" pitchFamily="34" charset="-122"/>
+                <a:cs typeface="+mn-cs"/>
+                <a:sym typeface="微软雅黑" panose="020B0503020204020204" pitchFamily="34" charset="-122"/>
+              </a:rPr>
+              <a:t>a single transcript data, combined with an enzyme-constrained model, to predict the metabolic state of </a:t>
+            </a:r>
+            <a:r>
+              <a:rPr kumimoji="0" lang="en-US" altLang="zh-CN" sz="1100" b="0" i="1" u="none" strike="noStrike" kern="1200" cap="none" spc="0" normalizeH="0" baseline="0" noProof="0" dirty="0">
+                <a:ln>
+                  <a:noFill/>
+                </a:ln>
+                <a:solidFill>
+                  <a:srgbClr val="515A6E"/>
+                </a:solidFill>
+                <a:effectLst/>
+                <a:uLnTx/>
+                <a:uFillTx/>
+                <a:latin typeface="Arial" panose="020B0604020202020204" pitchFamily="34" charset="0"/>
+                <a:ea typeface="微软雅黑" panose="020B0503020204020204" pitchFamily="34" charset="-122"/>
+                <a:cs typeface="+mn-cs"/>
+                <a:sym typeface="微软雅黑" panose="020B0503020204020204" pitchFamily="34" charset="-122"/>
+              </a:rPr>
+              <a:t>Myceliophthora thermophila</a:t>
+            </a:r>
+            <a:r>
+              <a:rPr kumimoji="0" lang="en-US" altLang="zh-CN" sz="1100" b="0" i="0" u="none" strike="noStrike" kern="1200" cap="none" spc="0" normalizeH="0" baseline="0" noProof="0" dirty="0">
+                <a:ln>
+                  <a:noFill/>
+                </a:ln>
+                <a:solidFill>
+                  <a:srgbClr val="515A6E"/>
+                </a:solidFill>
+                <a:effectLst/>
+                <a:uLnTx/>
+                <a:uFillTx/>
+                <a:latin typeface="Arial" panose="020B0604020202020204" pitchFamily="34" charset="0"/>
+                <a:ea typeface="微软雅黑" panose="020B0503020204020204" pitchFamily="34" charset="-122"/>
+                <a:cs typeface="+mn-cs"/>
+                <a:sym typeface="微软雅黑" panose="020B0503020204020204" pitchFamily="34" charset="-122"/>
+              </a:rPr>
+              <a:t> under specific conditions.</a:t>
+            </a:r>
+          </a:p>
+          <a:p>
+            <a:pPr marL="228600" marR="0" lvl="0" indent="-228600" algn="l" defTabSz="457180" rtl="0" eaLnBrk="1" fontAlgn="auto" latinLnBrk="0" hangingPunct="1">
+              <a:lnSpc>
+                <a:spcPct val="150000"/>
+              </a:lnSpc>
+              <a:spcBef>
+                <a:spcPts val="0"/>
+              </a:spcBef>
+              <a:spcAft>
+                <a:spcPts val="0"/>
+              </a:spcAft>
+              <a:buClrTx/>
+              <a:buSzTx/>
+              <a:buFontTx/>
+              <a:buAutoNum type="arabicPeriod"/>
+              <a:tabLst/>
+              <a:defRPr/>
+            </a:pPr>
+            <a:r>
+              <a:rPr kumimoji="0" lang="en" altLang="zh-CN" sz="1100" b="0" i="0" u="none" strike="noStrike" kern="1200" cap="none" spc="0" normalizeH="0" baseline="0" noProof="0" dirty="0">
+                <a:ln>
+                  <a:noFill/>
+                </a:ln>
+                <a:solidFill>
+                  <a:srgbClr val="515A6E"/>
+                </a:solidFill>
+                <a:effectLst/>
+                <a:uLnTx/>
+                <a:uFillTx/>
+                <a:latin typeface="Arial" panose="020B0604020202020204" pitchFamily="34" charset="0"/>
+                <a:ea typeface="微软雅黑" panose="020B0503020204020204" pitchFamily="34" charset="-122"/>
+                <a:cs typeface="+mn-cs"/>
+                <a:sym typeface="微软雅黑" panose="020B0503020204020204" pitchFamily="34" charset="-122"/>
+              </a:rPr>
+              <a:t>Click on "Example" to obtain a sample file.</a:t>
+            </a:r>
+            <a:endParaRPr kumimoji="0" lang="en-US" altLang="zh-CN" sz="1100" b="0" i="0" u="none" strike="noStrike" kern="1200" cap="none" spc="0" normalizeH="0" baseline="0" noProof="0" dirty="0">
+              <a:ln>
+                <a:noFill/>
+              </a:ln>
+              <a:solidFill>
+                <a:srgbClr val="515A6E"/>
+              </a:solidFill>
+              <a:effectLst/>
+              <a:uLnTx/>
+              <a:uFillTx/>
+              <a:latin typeface="Arial" panose="020B0604020202020204" pitchFamily="34" charset="0"/>
+              <a:ea typeface="微软雅黑" panose="020B0503020204020204" pitchFamily="34" charset="-122"/>
+              <a:cs typeface="+mn-cs"/>
+              <a:sym typeface="微软雅黑" panose="020B0503020204020204" pitchFamily="34" charset="-122"/>
+            </a:endParaRPr>
+          </a:p>
+        </p:txBody>
+      </p:sp>
+      <p:sp>
+        <p:nvSpPr>
+          <p:cNvPr id="12" name="圆角矩形 11">
+            <a:extLst>
+              <a:ext uri="{FF2B5EF4-FFF2-40B4-BE49-F238E27FC236}">
+                <a16:creationId xmlns:a16="http://schemas.microsoft.com/office/drawing/2014/main" id="{9CADEC5D-33F1-FA56-BC8B-F1C8EE670503}"/>
+              </a:ext>
+            </a:extLst>
+          </p:cNvPr>
+          <p:cNvSpPr/>
+          <p:nvPr/>
+        </p:nvSpPr>
+        <p:spPr>
+          <a:xfrm>
+            <a:off x="5588220" y="5639437"/>
+            <a:ext cx="1007573" cy="314960"/>
+          </a:xfrm>
+          <a:prstGeom prst="roundRect">
+            <a:avLst/>
+          </a:prstGeom>
+          <a:solidFill>
+            <a:schemeClr val="accent1">
+              <a:lumMod val="75000"/>
+            </a:schemeClr>
+          </a:solidFill>
+          <a:ln w="6350">
+            <a:solidFill>
+              <a:schemeClr val="accent1">
+                <a:shade val="15000"/>
+                <a:alpha val="59912"/>
+              </a:schemeClr>
+            </a:solidFill>
+          </a:ln>
+        </p:spPr>
+        <p:style>
+          <a:lnRef idx="2">
+            <a:schemeClr val="accent1">
+              <a:shade val="15000"/>
+            </a:schemeClr>
+          </a:lnRef>
+          <a:fillRef idx="1">
+            <a:schemeClr val="accent1"/>
+          </a:fillRef>
+          <a:effectRef idx="0">
+            <a:schemeClr val="accent1"/>
+          </a:effectRef>
+          <a:fontRef idx="minor">
+            <a:schemeClr val="lt1"/>
+          </a:fontRef>
+        </p:style>
+        <p:txBody>
+          <a:bodyPr rtlCol="0" anchor="ctr"/>
+          <a:lstStyle/>
+          <a:p>
+            <a:pPr marL="0" marR="0" lvl="0" indent="0" algn="ctr" defTabSz="457180" rtl="0" eaLnBrk="1" fontAlgn="auto" latinLnBrk="0" hangingPunct="1">
+              <a:lnSpc>
+                <a:spcPct val="100000"/>
+              </a:lnSpc>
+              <a:spcBef>
+                <a:spcPts val="0"/>
+              </a:spcBef>
+              <a:spcAft>
+                <a:spcPts val="0"/>
+              </a:spcAft>
+              <a:buClrTx/>
+              <a:buSzTx/>
+              <a:buFontTx/>
+              <a:buNone/>
+              <a:tabLst/>
+              <a:defRPr/>
+            </a:pPr>
+            <a:r>
+              <a:rPr kumimoji="1" lang="en-US" altLang="zh-CN" sz="1200" b="0" i="0" u="none" strike="noStrike" kern="1200" cap="none" spc="0" normalizeH="0" baseline="0" noProof="0" dirty="0">
+                <a:ln>
+                  <a:noFill/>
+                </a:ln>
+                <a:solidFill>
+                  <a:prstClr val="white"/>
+                </a:solidFill>
+                <a:effectLst/>
+                <a:uLnTx/>
+                <a:uFillTx/>
+                <a:latin typeface="Calibri" panose="020F0502020204030204"/>
+                <a:ea typeface="等线" panose="02010600030101010101" pitchFamily="2" charset="-122"/>
+                <a:cs typeface="+mn-cs"/>
+              </a:rPr>
+              <a:t>Submit</a:t>
+            </a:r>
+            <a:endParaRPr kumimoji="1" lang="zh-CN" altLang="en-US" sz="1200" b="0" i="0" u="none" strike="noStrike" kern="1200" cap="none" spc="0" normalizeH="0" baseline="0" noProof="0" dirty="0">
+              <a:ln>
+                <a:noFill/>
+              </a:ln>
+              <a:solidFill>
+                <a:prstClr val="white"/>
+              </a:solidFill>
+              <a:effectLst/>
+              <a:uLnTx/>
+              <a:uFillTx/>
+              <a:latin typeface="Calibri" panose="020F0502020204030204"/>
+              <a:ea typeface="等线" panose="02010600030101010101" pitchFamily="2" charset="-122"/>
+              <a:cs typeface="+mn-cs"/>
+            </a:endParaRPr>
+          </a:p>
+        </p:txBody>
+      </p:sp>
+      <p:cxnSp>
+        <p:nvCxnSpPr>
+          <p:cNvPr id="13" name="直线连接符 12">
+            <a:extLst>
+              <a:ext uri="{FF2B5EF4-FFF2-40B4-BE49-F238E27FC236}">
+                <a16:creationId xmlns:a16="http://schemas.microsoft.com/office/drawing/2014/main" id="{C327293E-1F2A-C492-F2B5-33A945B880BD}"/>
+              </a:ext>
+            </a:extLst>
+          </p:cNvPr>
+          <p:cNvCxnSpPr>
+            <a:cxnSpLocks/>
+          </p:cNvCxnSpPr>
+          <p:nvPr/>
+        </p:nvCxnSpPr>
+        <p:spPr>
+          <a:xfrm>
+            <a:off x="751858" y="6570915"/>
+            <a:ext cx="10383532" cy="0"/>
+          </a:xfrm>
+          <a:prstGeom prst="line">
+            <a:avLst/>
+          </a:prstGeom>
+          <a:ln>
+            <a:solidFill>
+              <a:schemeClr val="dk1">
+                <a:alpha val="39855"/>
+              </a:schemeClr>
+            </a:solidFill>
+          </a:ln>
+        </p:spPr>
+        <p:style>
+          <a:lnRef idx="1">
+            <a:schemeClr val="dk1"/>
+          </a:lnRef>
+          <a:fillRef idx="0">
+            <a:schemeClr val="dk1"/>
+          </a:fillRef>
+          <a:effectRef idx="0">
+            <a:schemeClr val="dk1"/>
+          </a:effectRef>
+          <a:fontRef idx="minor">
+            <a:schemeClr val="tx1"/>
+          </a:fontRef>
+        </p:style>
+      </p:cxnSp>
+      <p:cxnSp>
+        <p:nvCxnSpPr>
+          <p:cNvPr id="14" name="直线箭头连接符 13">
+            <a:extLst>
+              <a:ext uri="{FF2B5EF4-FFF2-40B4-BE49-F238E27FC236}">
+                <a16:creationId xmlns:a16="http://schemas.microsoft.com/office/drawing/2014/main" id="{8C132D2E-8C4E-E1F8-1CEE-DC009381599A}"/>
+              </a:ext>
+            </a:extLst>
+          </p:cNvPr>
+          <p:cNvCxnSpPr>
+            <a:cxnSpLocks/>
+          </p:cNvCxnSpPr>
+          <p:nvPr/>
+        </p:nvCxnSpPr>
+        <p:spPr>
+          <a:xfrm>
+            <a:off x="6092006" y="6078957"/>
+            <a:ext cx="0" cy="1208506"/>
+          </a:xfrm>
+          <a:prstGeom prst="straightConnector1">
+            <a:avLst/>
+          </a:prstGeom>
+          <a:ln>
+            <a:tailEnd type="triangle"/>
+          </a:ln>
+        </p:spPr>
+        <p:style>
+          <a:lnRef idx="1">
+            <a:schemeClr val="accent1"/>
+          </a:lnRef>
+          <a:fillRef idx="0">
+            <a:schemeClr val="accent1"/>
+          </a:fillRef>
+          <a:effectRef idx="0">
+            <a:schemeClr val="accent1"/>
+          </a:effectRef>
+          <a:fontRef idx="minor">
+            <a:schemeClr val="tx1"/>
+          </a:fontRef>
+        </p:style>
+      </p:cxnSp>
+      <p:sp>
+        <p:nvSpPr>
+          <p:cNvPr id="31" name="文本框 30">
+            <a:extLst>
+              <a:ext uri="{FF2B5EF4-FFF2-40B4-BE49-F238E27FC236}">
+                <a16:creationId xmlns:a16="http://schemas.microsoft.com/office/drawing/2014/main" id="{C0C63F25-B41A-AA4D-EB53-09E8D03FCA6A}"/>
+              </a:ext>
+            </a:extLst>
+          </p:cNvPr>
+          <p:cNvSpPr txBox="1"/>
+          <p:nvPr/>
+        </p:nvSpPr>
+        <p:spPr>
+          <a:xfrm>
+            <a:off x="946058" y="6824502"/>
+            <a:ext cx="3406426" cy="276999"/>
+          </a:xfrm>
+          <a:prstGeom prst="rect">
+            <a:avLst/>
+          </a:prstGeom>
+          <a:noFill/>
+        </p:spPr>
+        <p:txBody>
+          <a:bodyPr wrap="square" rtlCol="0">
+            <a:spAutoFit/>
+          </a:bodyPr>
+          <a:lstStyle/>
+          <a:p>
+            <a:pPr marL="0" marR="0" lvl="0" indent="0" algn="l" defTabSz="914433" rtl="0" eaLnBrk="1" fontAlgn="auto" latinLnBrk="0" hangingPunct="1">
+              <a:lnSpc>
+                <a:spcPct val="100000"/>
+              </a:lnSpc>
+              <a:spcBef>
+                <a:spcPts val="0"/>
+              </a:spcBef>
+              <a:spcAft>
+                <a:spcPts val="0"/>
+              </a:spcAft>
+              <a:buClrTx/>
+              <a:buSzTx/>
+              <a:buFontTx/>
+              <a:buNone/>
+              <a:tabLst/>
+              <a:defRPr/>
+            </a:pPr>
+            <a:r>
+              <a:rPr lang="en" altLang="zh-CN" sz="1200" b="1" dirty="0">
+                <a:solidFill>
+                  <a:prstClr val="black">
+                    <a:lumMod val="75000"/>
+                    <a:lumOff val="25000"/>
+                  </a:prstClr>
+                </a:solidFill>
+                <a:latin typeface="微软雅黑" panose="020B0503020204020204" pitchFamily="34" charset="-122"/>
+                <a:ea typeface="微软雅黑" panose="020B0503020204020204" pitchFamily="34" charset="-122"/>
+                <a:sym typeface="微软雅黑" panose="020B0503020204020204" pitchFamily="34" charset="-122"/>
+              </a:rPr>
+              <a:t>Result</a:t>
+            </a:r>
+            <a:endParaRPr kumimoji="0" lang="en" altLang="zh-CN" sz="1200" b="1" i="0" u="none" strike="noStrike" kern="1200" cap="none" spc="0" normalizeH="0" baseline="0" noProof="0" dirty="0">
+              <a:ln>
+                <a:noFill/>
+              </a:ln>
+              <a:solidFill>
+                <a:prstClr val="black">
+                  <a:lumMod val="75000"/>
+                  <a:lumOff val="25000"/>
+                </a:prstClr>
+              </a:solidFill>
+              <a:effectLst/>
+              <a:uLnTx/>
+              <a:uFillTx/>
+              <a:latin typeface="微软雅黑" panose="020B0503020204020204" pitchFamily="34" charset="-122"/>
+              <a:ea typeface="微软雅黑" panose="020B0503020204020204" pitchFamily="34" charset="-122"/>
+              <a:cs typeface="+mn-cs"/>
+              <a:sym typeface="微软雅黑" panose="020B0503020204020204" pitchFamily="34" charset="-122"/>
+            </a:endParaRPr>
+          </a:p>
+        </p:txBody>
+      </p:sp>
+      <p:sp>
+        <p:nvSpPr>
+          <p:cNvPr id="7" name="文本框 6">
+            <a:extLst>
+              <a:ext uri="{FF2B5EF4-FFF2-40B4-BE49-F238E27FC236}">
+                <a16:creationId xmlns:a16="http://schemas.microsoft.com/office/drawing/2014/main" id="{8D3F9432-CF44-04A7-172F-58A2AAC039FB}"/>
+              </a:ext>
+            </a:extLst>
+          </p:cNvPr>
+          <p:cNvSpPr txBox="1"/>
+          <p:nvPr/>
+        </p:nvSpPr>
+        <p:spPr>
+          <a:xfrm>
+            <a:off x="5121897" y="919203"/>
+            <a:ext cx="1985144" cy="276999"/>
+          </a:xfrm>
+          <a:prstGeom prst="rect">
+            <a:avLst/>
+          </a:prstGeom>
+          <a:noFill/>
+        </p:spPr>
+        <p:txBody>
+          <a:bodyPr wrap="square" rtlCol="0">
+            <a:spAutoFit/>
+          </a:bodyPr>
+          <a:lstStyle/>
+          <a:p>
+            <a:pPr marL="0" marR="0" lvl="0" indent="0" algn="l" defTabSz="914433" rtl="0" eaLnBrk="1" fontAlgn="auto" latinLnBrk="0" hangingPunct="1">
+              <a:lnSpc>
+                <a:spcPct val="100000"/>
+              </a:lnSpc>
+              <a:spcBef>
+                <a:spcPts val="0"/>
+              </a:spcBef>
+              <a:spcAft>
+                <a:spcPts val="0"/>
+              </a:spcAft>
+              <a:buClrTx/>
+              <a:buSzTx/>
+              <a:buFontTx/>
+              <a:buNone/>
+              <a:tabLst/>
+              <a:defRPr/>
+            </a:pPr>
+            <a:r>
+              <a:rPr kumimoji="0" lang="en-US" altLang="zh-CN" sz="1200" b="1" i="0" u="none" strike="noStrike" kern="1200" cap="none" spc="0" normalizeH="0" baseline="0" noProof="0" dirty="0">
+                <a:ln>
+                  <a:noFill/>
+                </a:ln>
+                <a:solidFill>
+                  <a:srgbClr val="4472C4">
+                    <a:lumMod val="75000"/>
+                  </a:srgbClr>
+                </a:solidFill>
+                <a:effectLst/>
+                <a:uLnTx/>
+                <a:uFillTx/>
+                <a:latin typeface="微软雅黑" panose="020B0503020204020204" pitchFamily="34" charset="-122"/>
+                <a:ea typeface="微软雅黑" panose="020B0503020204020204" pitchFamily="34" charset="-122"/>
+                <a:cs typeface="+mn-cs"/>
+                <a:sym typeface="微软雅黑" panose="020B0503020204020204" pitchFamily="34" charset="-122"/>
+              </a:rPr>
+              <a:t>Metabolic</a:t>
+            </a:r>
+            <a:r>
+              <a:rPr kumimoji="0" lang="zh-CN" altLang="en-US" sz="1200" b="1" i="0" u="none" strike="noStrike" kern="1200" cap="none" spc="0" normalizeH="0" baseline="0" noProof="0" dirty="0">
+                <a:ln>
+                  <a:noFill/>
+                </a:ln>
+                <a:solidFill>
+                  <a:srgbClr val="4472C4">
+                    <a:lumMod val="75000"/>
+                  </a:srgbClr>
+                </a:solidFill>
+                <a:effectLst/>
+                <a:uLnTx/>
+                <a:uFillTx/>
+                <a:latin typeface="微软雅黑" panose="020B0503020204020204" pitchFamily="34" charset="-122"/>
+                <a:ea typeface="微软雅黑" panose="020B0503020204020204" pitchFamily="34" charset="-122"/>
+                <a:cs typeface="+mn-cs"/>
+                <a:sym typeface="微软雅黑" panose="020B0503020204020204" pitchFamily="34" charset="-122"/>
+              </a:rPr>
+              <a:t> </a:t>
+            </a:r>
+            <a:r>
+              <a:rPr kumimoji="0" lang="en-US" altLang="zh-CN" sz="1200" b="1" i="0" u="none" strike="noStrike" kern="1200" cap="none" spc="0" normalizeH="0" baseline="0" noProof="0" dirty="0">
+                <a:ln>
+                  <a:noFill/>
+                </a:ln>
+                <a:solidFill>
+                  <a:srgbClr val="4472C4">
+                    <a:lumMod val="75000"/>
+                  </a:srgbClr>
+                </a:solidFill>
+                <a:effectLst/>
+                <a:uLnTx/>
+                <a:uFillTx/>
+                <a:latin typeface="微软雅黑" panose="020B0503020204020204" pitchFamily="34" charset="-122"/>
+                <a:ea typeface="微软雅黑" panose="020B0503020204020204" pitchFamily="34" charset="-122"/>
+                <a:cs typeface="+mn-cs"/>
+                <a:sym typeface="微软雅黑" panose="020B0503020204020204" pitchFamily="34" charset="-122"/>
+              </a:rPr>
+              <a:t>Analysis</a:t>
+            </a:r>
+            <a:endParaRPr kumimoji="0" lang="zh-CN" altLang="en-US" sz="900" b="1" i="0" u="none" strike="noStrike" kern="1200" cap="none" spc="0" normalizeH="0" baseline="0" noProof="0" dirty="0">
+              <a:ln>
+                <a:noFill/>
+              </a:ln>
+              <a:solidFill>
+                <a:srgbClr val="4472C4">
+                  <a:lumMod val="75000"/>
+                </a:srgbClr>
+              </a:solidFill>
+              <a:effectLst/>
+              <a:uLnTx/>
+              <a:uFillTx/>
+              <a:latin typeface="微软雅黑" panose="020B0503020204020204" pitchFamily="34" charset="-122"/>
+              <a:ea typeface="微软雅黑" panose="020B0503020204020204" pitchFamily="34" charset="-122"/>
+              <a:cs typeface="+mn-cs"/>
+              <a:sym typeface="微软雅黑" panose="020B0503020204020204" pitchFamily="34" charset="-122"/>
+            </a:endParaRPr>
+          </a:p>
+        </p:txBody>
+      </p:sp>
+      <p:sp>
+        <p:nvSpPr>
+          <p:cNvPr id="34" name="圆角矩形 33">
+            <a:extLst>
+              <a:ext uri="{FF2B5EF4-FFF2-40B4-BE49-F238E27FC236}">
+                <a16:creationId xmlns:a16="http://schemas.microsoft.com/office/drawing/2014/main" id="{0B6A1921-AAAC-2693-01D1-6A005FEFA3E3}"/>
+              </a:ext>
+            </a:extLst>
+          </p:cNvPr>
+          <p:cNvSpPr/>
+          <p:nvPr/>
+        </p:nvSpPr>
+        <p:spPr>
+          <a:xfrm>
+            <a:off x="1066321" y="7526612"/>
+            <a:ext cx="10051372" cy="4684500"/>
+          </a:xfrm>
+          <a:prstGeom prst="roundRect">
+            <a:avLst>
+              <a:gd name="adj" fmla="val 4751"/>
+            </a:avLst>
+          </a:prstGeom>
+          <a:ln>
+            <a:solidFill>
+              <a:schemeClr val="bg1">
+                <a:lumMod val="50000"/>
+              </a:schemeClr>
+            </a:solidFill>
+          </a:ln>
+        </p:spPr>
+        <p:style>
+          <a:lnRef idx="2">
+            <a:schemeClr val="accent6"/>
+          </a:lnRef>
+          <a:fillRef idx="1">
+            <a:schemeClr val="lt1"/>
+          </a:fillRef>
+          <a:effectRef idx="0">
+            <a:schemeClr val="accent6"/>
+          </a:effectRef>
+          <a:fontRef idx="minor">
+            <a:schemeClr val="dk1"/>
+          </a:fontRef>
+        </p:style>
+        <p:txBody>
+          <a:bodyPr rtlCol="0" anchor="ctr"/>
+          <a:lstStyle/>
+          <a:p>
+            <a:pPr marL="0" marR="0" lvl="0" indent="0" algn="ctr" defTabSz="457180" rtl="0" eaLnBrk="1" fontAlgn="auto" latinLnBrk="0" hangingPunct="1">
+              <a:lnSpc>
+                <a:spcPct val="100000"/>
+              </a:lnSpc>
+              <a:spcBef>
+                <a:spcPts val="0"/>
+              </a:spcBef>
+              <a:spcAft>
+                <a:spcPts val="0"/>
+              </a:spcAft>
+              <a:buClrTx/>
+              <a:buSzTx/>
+              <a:buFontTx/>
+              <a:buNone/>
+              <a:tabLst/>
+              <a:defRPr/>
+            </a:pPr>
+            <a:endParaRPr kumimoji="1" lang="zh-CN" altLang="en-US" sz="1801" b="0" i="0" u="none" strike="noStrike" kern="1200" cap="none" spc="0" normalizeH="0" baseline="0" noProof="0">
+              <a:ln>
+                <a:noFill/>
+              </a:ln>
+              <a:solidFill>
+                <a:prstClr val="black"/>
+              </a:solidFill>
+              <a:effectLst/>
+              <a:uLnTx/>
+              <a:uFillTx/>
+              <a:latin typeface="Calibri" panose="020F0502020204030204"/>
+              <a:ea typeface="等线" panose="02010600030101010101" pitchFamily="2" charset="-122"/>
+              <a:cs typeface="+mn-cs"/>
+            </a:endParaRPr>
+          </a:p>
+        </p:txBody>
+      </p:sp>
+      <p:sp>
+        <p:nvSpPr>
+          <p:cNvPr id="17" name="文本框 16">
+            <a:extLst>
+              <a:ext uri="{FF2B5EF4-FFF2-40B4-BE49-F238E27FC236}">
+                <a16:creationId xmlns:a16="http://schemas.microsoft.com/office/drawing/2014/main" id="{00AB5AD0-0E7B-DB3E-1955-E7954948384C}"/>
+              </a:ext>
+            </a:extLst>
+          </p:cNvPr>
+          <p:cNvSpPr txBox="1"/>
+          <p:nvPr/>
+        </p:nvSpPr>
+        <p:spPr>
+          <a:xfrm>
+            <a:off x="4471902" y="4111027"/>
+            <a:ext cx="682612" cy="230832"/>
+          </a:xfrm>
+          <a:prstGeom prst="rect">
+            <a:avLst/>
+          </a:prstGeom>
+          <a:noFill/>
+        </p:spPr>
+        <p:txBody>
+          <a:bodyPr wrap="square" rtlCol="0">
+            <a:spAutoFit/>
+          </a:bodyPr>
+          <a:lstStyle/>
+          <a:p>
+            <a:pPr marL="0" marR="0" lvl="0" indent="0" algn="l" defTabSz="914433" rtl="0" eaLnBrk="1" fontAlgn="auto" latinLnBrk="0" hangingPunct="1">
+              <a:lnSpc>
+                <a:spcPct val="100000"/>
+              </a:lnSpc>
+              <a:spcBef>
+                <a:spcPts val="0"/>
+              </a:spcBef>
+              <a:spcAft>
+                <a:spcPts val="0"/>
+              </a:spcAft>
+              <a:buClrTx/>
+              <a:buSzTx/>
+              <a:buFontTx/>
+              <a:buNone/>
+              <a:tabLst/>
+              <a:defRPr/>
+            </a:pPr>
+            <a:r>
+              <a:rPr lang="en-US" altLang="zh-CN" sz="900" b="1" dirty="0">
+                <a:solidFill>
+                  <a:srgbClr val="4472C4">
+                    <a:lumMod val="50000"/>
+                  </a:srgbClr>
+                </a:solidFill>
+                <a:latin typeface="微软雅黑" panose="020B0503020204020204" pitchFamily="34" charset="-122"/>
+                <a:ea typeface="微软雅黑" panose="020B0503020204020204" pitchFamily="34" charset="-122"/>
+                <a:sym typeface="微软雅黑" panose="020B0503020204020204" pitchFamily="34" charset="-122"/>
+              </a:rPr>
+              <a:t>Model</a:t>
+            </a:r>
+            <a:endParaRPr kumimoji="0" lang="zh-CN" altLang="en-US" sz="900" b="1" i="0" u="none" strike="noStrike" kern="1200" cap="none" spc="0" normalizeH="0" baseline="0" noProof="0" dirty="0">
+              <a:ln>
+                <a:noFill/>
+              </a:ln>
+              <a:solidFill>
+                <a:srgbClr val="4472C4">
+                  <a:lumMod val="50000"/>
+                </a:srgbClr>
+              </a:solidFill>
+              <a:effectLst/>
+              <a:uLnTx/>
+              <a:uFillTx/>
+              <a:latin typeface="微软雅黑" panose="020B0503020204020204" pitchFamily="34" charset="-122"/>
+              <a:ea typeface="微软雅黑" panose="020B0503020204020204" pitchFamily="34" charset="-122"/>
+              <a:cs typeface="+mn-cs"/>
+              <a:sym typeface="微软雅黑" panose="020B0503020204020204" pitchFamily="34" charset="-122"/>
+            </a:endParaRPr>
+          </a:p>
+        </p:txBody>
+      </p:sp>
+      <p:sp>
+        <p:nvSpPr>
+          <p:cNvPr id="18" name="圆角矩形 17">
+            <a:extLst>
+              <a:ext uri="{FF2B5EF4-FFF2-40B4-BE49-F238E27FC236}">
+                <a16:creationId xmlns:a16="http://schemas.microsoft.com/office/drawing/2014/main" id="{EB86CBF0-5C8B-8EEC-BF4D-065874512CA3}"/>
+              </a:ext>
+            </a:extLst>
+          </p:cNvPr>
+          <p:cNvSpPr/>
+          <p:nvPr/>
+        </p:nvSpPr>
+        <p:spPr>
+          <a:xfrm>
+            <a:off x="5493433" y="4060841"/>
+            <a:ext cx="1674651" cy="324180"/>
+          </a:xfrm>
+          <a:prstGeom prst="roundRect">
+            <a:avLst/>
+          </a:prstGeom>
+        </p:spPr>
+        <p:style>
+          <a:lnRef idx="2">
+            <a:schemeClr val="accent3"/>
+          </a:lnRef>
+          <a:fillRef idx="1">
+            <a:schemeClr val="lt1"/>
+          </a:fillRef>
+          <a:effectRef idx="0">
+            <a:schemeClr val="accent3"/>
+          </a:effectRef>
+          <a:fontRef idx="minor">
+            <a:schemeClr val="dk1"/>
+          </a:fontRef>
+        </p:style>
+        <p:txBody>
+          <a:bodyPr rtlCol="0" anchor="ctr"/>
+          <a:lstStyle/>
+          <a:p>
+            <a:pPr marL="0" marR="0" lvl="0" indent="0" algn="ctr" defTabSz="914433" rtl="0" eaLnBrk="1" fontAlgn="auto" latinLnBrk="0" hangingPunct="1">
+              <a:lnSpc>
+                <a:spcPct val="100000"/>
+              </a:lnSpc>
+              <a:spcBef>
+                <a:spcPts val="0"/>
+              </a:spcBef>
+              <a:spcAft>
+                <a:spcPts val="0"/>
+              </a:spcAft>
+              <a:buClrTx/>
+              <a:buSzTx/>
+              <a:buFontTx/>
+              <a:buNone/>
+              <a:tabLst/>
+              <a:defRPr/>
+            </a:pPr>
+            <a:endParaRPr kumimoji="1" lang="zh-CN" altLang="en-US" sz="3202" b="0" i="0" u="none" strike="noStrike" kern="1200" cap="none" spc="0" normalizeH="0" baseline="0" noProof="0">
+              <a:ln>
+                <a:noFill/>
+              </a:ln>
+              <a:solidFill>
+                <a:prstClr val="black"/>
+              </a:solidFill>
+              <a:effectLst/>
+              <a:uLnTx/>
+              <a:uFillTx/>
+              <a:latin typeface="等线" panose="020F0502020204030204"/>
+              <a:ea typeface="等线" panose="02010600030101010101" pitchFamily="2" charset="-122"/>
+              <a:cs typeface="+mn-cs"/>
+            </a:endParaRPr>
+          </a:p>
+        </p:txBody>
+      </p:sp>
+      <p:sp>
+        <p:nvSpPr>
+          <p:cNvPr id="19" name="文本框 18">
+            <a:extLst>
+              <a:ext uri="{FF2B5EF4-FFF2-40B4-BE49-F238E27FC236}">
+                <a16:creationId xmlns:a16="http://schemas.microsoft.com/office/drawing/2014/main" id="{733124F8-6AA7-7ED6-3014-D49534E21F9D}"/>
+              </a:ext>
+            </a:extLst>
+          </p:cNvPr>
+          <p:cNvSpPr txBox="1"/>
+          <p:nvPr/>
+        </p:nvSpPr>
+        <p:spPr>
+          <a:xfrm>
+            <a:off x="5652283" y="4111028"/>
+            <a:ext cx="745534" cy="230832"/>
+          </a:xfrm>
+          <a:prstGeom prst="rect">
+            <a:avLst/>
+          </a:prstGeom>
+          <a:noFill/>
+        </p:spPr>
+        <p:txBody>
+          <a:bodyPr wrap="square" rtlCol="0">
+            <a:spAutoFit/>
+          </a:bodyPr>
+          <a:lstStyle/>
+          <a:p>
+            <a:pPr marL="0" marR="0" lvl="0" indent="0" algn="l" defTabSz="914433" rtl="0" eaLnBrk="1" fontAlgn="auto" latinLnBrk="0" hangingPunct="1">
+              <a:lnSpc>
+                <a:spcPct val="100000"/>
+              </a:lnSpc>
+              <a:spcBef>
+                <a:spcPts val="0"/>
+              </a:spcBef>
+              <a:spcAft>
+                <a:spcPts val="0"/>
+              </a:spcAft>
+              <a:buClrTx/>
+              <a:buSzTx/>
+              <a:buFontTx/>
+              <a:buNone/>
+              <a:tabLst/>
+              <a:defRPr/>
+            </a:pPr>
+            <a:r>
+              <a:rPr kumimoji="0" lang="en-US" altLang="zh-CN" sz="900" b="1" i="0" u="none" strike="noStrike" kern="1200" cap="none" spc="0" normalizeH="0" baseline="0" noProof="0" dirty="0">
+                <a:ln>
+                  <a:noFill/>
+                </a:ln>
+                <a:solidFill>
+                  <a:srgbClr val="4472C4">
+                    <a:lumMod val="50000"/>
+                  </a:srgbClr>
+                </a:solidFill>
+                <a:effectLst/>
+                <a:uLnTx/>
+                <a:uFillTx/>
+                <a:latin typeface="微软雅黑" panose="020B0503020204020204" pitchFamily="34" charset="-122"/>
+                <a:ea typeface="微软雅黑" panose="020B0503020204020204" pitchFamily="34" charset="-122"/>
+                <a:cs typeface="+mn-cs"/>
+                <a:sym typeface="微软雅黑" panose="020B0503020204020204" pitchFamily="34" charset="-122"/>
+              </a:rPr>
+              <a:t>lg</a:t>
+            </a:r>
+            <a:endParaRPr kumimoji="0" lang="zh-CN" altLang="en-US" sz="900" b="1" i="0" u="none" strike="noStrike" kern="1200" cap="none" spc="0" normalizeH="0" baseline="0" noProof="0" dirty="0">
+              <a:ln>
+                <a:noFill/>
+              </a:ln>
+              <a:solidFill>
+                <a:srgbClr val="4472C4">
+                  <a:lumMod val="50000"/>
+                </a:srgbClr>
+              </a:solidFill>
+              <a:effectLst/>
+              <a:uLnTx/>
+              <a:uFillTx/>
+              <a:latin typeface="微软雅黑" panose="020B0503020204020204" pitchFamily="34" charset="-122"/>
+              <a:ea typeface="微软雅黑" panose="020B0503020204020204" pitchFamily="34" charset="-122"/>
+              <a:cs typeface="+mn-cs"/>
+              <a:sym typeface="微软雅黑" panose="020B0503020204020204" pitchFamily="34" charset="-122"/>
+            </a:endParaRPr>
+          </a:p>
+        </p:txBody>
+      </p:sp>
+      <p:pic>
+        <p:nvPicPr>
+          <p:cNvPr id="20" name="图片 19">
+            <a:extLst>
+              <a:ext uri="{FF2B5EF4-FFF2-40B4-BE49-F238E27FC236}">
+                <a16:creationId xmlns:a16="http://schemas.microsoft.com/office/drawing/2014/main" id="{926D48EE-55F2-4F76-B791-C9FF34720816}"/>
+              </a:ext>
+            </a:extLst>
+          </p:cNvPr>
+          <p:cNvPicPr>
+            <a:picLocks noChangeAspect="1"/>
+          </p:cNvPicPr>
+          <p:nvPr/>
+        </p:nvPicPr>
+        <p:blipFill>
+          <a:blip r:embed="rId4"/>
+          <a:stretch>
+            <a:fillRect/>
+          </a:stretch>
+        </p:blipFill>
+        <p:spPr>
+          <a:xfrm>
+            <a:off x="6736737" y="4126980"/>
+            <a:ext cx="355600" cy="198267"/>
+          </a:xfrm>
+          <a:prstGeom prst="rect">
+            <a:avLst/>
+          </a:prstGeom>
+        </p:spPr>
+      </p:pic>
+      <p:sp>
+        <p:nvSpPr>
+          <p:cNvPr id="2" name="文本框 1">
+            <a:extLst>
+              <a:ext uri="{FF2B5EF4-FFF2-40B4-BE49-F238E27FC236}">
+                <a16:creationId xmlns:a16="http://schemas.microsoft.com/office/drawing/2014/main" id="{BB24717C-439A-AF57-125F-8CD7EB929F37}"/>
+              </a:ext>
+            </a:extLst>
+          </p:cNvPr>
+          <p:cNvSpPr txBox="1"/>
+          <p:nvPr/>
+        </p:nvSpPr>
+        <p:spPr>
+          <a:xfrm>
+            <a:off x="4352484" y="4453551"/>
+            <a:ext cx="818072" cy="230832"/>
+          </a:xfrm>
+          <a:prstGeom prst="rect">
+            <a:avLst/>
+          </a:prstGeom>
+          <a:noFill/>
+        </p:spPr>
+        <p:txBody>
+          <a:bodyPr wrap="square" rtlCol="0">
+            <a:spAutoFit/>
+          </a:bodyPr>
+          <a:lstStyle/>
+          <a:p>
+            <a:pPr marL="0" marR="0" lvl="0" indent="0" algn="l" defTabSz="914433" rtl="0" eaLnBrk="1" fontAlgn="auto" latinLnBrk="0" hangingPunct="1">
+              <a:lnSpc>
+                <a:spcPct val="100000"/>
+              </a:lnSpc>
+              <a:spcBef>
+                <a:spcPts val="0"/>
+              </a:spcBef>
+              <a:spcAft>
+                <a:spcPts val="0"/>
+              </a:spcAft>
+              <a:buClrTx/>
+              <a:buSzTx/>
+              <a:buFontTx/>
+              <a:buNone/>
+              <a:tabLst/>
+              <a:defRPr/>
+            </a:pPr>
+            <a:r>
+              <a:rPr lang="en" altLang="zh-CN" sz="900" b="1" dirty="0">
+                <a:solidFill>
+                  <a:srgbClr val="4472C4">
+                    <a:lumMod val="50000"/>
+                  </a:srgbClr>
+                </a:solidFill>
+                <a:latin typeface="微软雅黑" panose="020B0503020204020204" pitchFamily="34" charset="-122"/>
+                <a:ea typeface="微软雅黑" panose="020B0503020204020204" pitchFamily="34" charset="-122"/>
+                <a:sym typeface="微软雅黑" panose="020B0503020204020204" pitchFamily="34" charset="-122"/>
+              </a:rPr>
+              <a:t>S</a:t>
+            </a:r>
+            <a:r>
+              <a:rPr kumimoji="0" lang="en" altLang="zh-CN" sz="900" b="1" i="0" u="none" strike="noStrike" kern="1200" cap="none" spc="0" normalizeH="0" baseline="0" noProof="0" dirty="0" err="1">
+                <a:ln>
+                  <a:noFill/>
+                </a:ln>
+                <a:solidFill>
+                  <a:srgbClr val="4472C4">
+                    <a:lumMod val="50000"/>
+                  </a:srgbClr>
+                </a:solidFill>
+                <a:effectLst/>
+                <a:uLnTx/>
+                <a:uFillTx/>
+                <a:latin typeface="微软雅黑" panose="020B0503020204020204" pitchFamily="34" charset="-122"/>
+                <a:ea typeface="微软雅黑" panose="020B0503020204020204" pitchFamily="34" charset="-122"/>
+                <a:cs typeface="+mn-cs"/>
+                <a:sym typeface="微软雅黑" panose="020B0503020204020204" pitchFamily="34" charset="-122"/>
+              </a:rPr>
+              <a:t>ubstrate</a:t>
+            </a:r>
+            <a:endParaRPr kumimoji="0" lang="en" altLang="zh-CN" sz="900" b="1" i="0" u="none" strike="noStrike" kern="1200" cap="none" spc="0" normalizeH="0" baseline="0" noProof="0" dirty="0">
+              <a:ln>
+                <a:noFill/>
+              </a:ln>
+              <a:solidFill>
+                <a:srgbClr val="4472C4">
+                  <a:lumMod val="50000"/>
+                </a:srgbClr>
+              </a:solidFill>
+              <a:effectLst/>
+              <a:uLnTx/>
+              <a:uFillTx/>
+              <a:latin typeface="微软雅黑" panose="020B0503020204020204" pitchFamily="34" charset="-122"/>
+              <a:ea typeface="微软雅黑" panose="020B0503020204020204" pitchFamily="34" charset="-122"/>
+              <a:cs typeface="+mn-cs"/>
+              <a:sym typeface="微软雅黑" panose="020B0503020204020204" pitchFamily="34" charset="-122"/>
+            </a:endParaRPr>
+          </a:p>
+        </p:txBody>
+      </p:sp>
+      <p:pic>
+        <p:nvPicPr>
+          <p:cNvPr id="3" name="图片 2">
+            <a:extLst>
+              <a:ext uri="{FF2B5EF4-FFF2-40B4-BE49-F238E27FC236}">
+                <a16:creationId xmlns:a16="http://schemas.microsoft.com/office/drawing/2014/main" id="{C2C02FC3-6897-167D-DDA6-263F89C7B7BD}"/>
+              </a:ext>
+            </a:extLst>
+          </p:cNvPr>
+          <p:cNvPicPr>
+            <a:picLocks noChangeAspect="1"/>
+          </p:cNvPicPr>
+          <p:nvPr/>
+        </p:nvPicPr>
+        <p:blipFill>
+          <a:blip r:embed="rId5"/>
+          <a:stretch>
+            <a:fillRect/>
+          </a:stretch>
+        </p:blipFill>
+        <p:spPr>
+          <a:xfrm>
+            <a:off x="2425642" y="1971259"/>
+            <a:ext cx="5392510" cy="456163"/>
+          </a:xfrm>
+          <a:prstGeom prst="rect">
+            <a:avLst/>
+          </a:prstGeom>
+        </p:spPr>
+      </p:pic>
+    </p:spTree>
+    <p:extLst>
+      <p:ext uri="{BB962C8B-B14F-4D97-AF65-F5344CB8AC3E}">
+        <p14:creationId xmlns:p14="http://schemas.microsoft.com/office/powerpoint/2010/main" val="1998658785"/>
+      </p:ext>
+    </p:extLst>
+  </p:cSld>
+  <p:clrMapOvr>
+    <a:masterClrMapping/>
+  </p:clrMapOvr>
+</p:sld>
+</file>
+
 <file path=ppt/theme/theme1.xml><?xml version="1.0" encoding="utf-8"?>
 <a:theme xmlns:a="http://schemas.openxmlformats.org/drawingml/2006/main" name="Office 主题​​">
   <a:themeElements>
@@ -7710,4 +12437,332 @@
     </a:ext>
   </a:extLst>
 </a:theme>
+</file>
+
+<file path=ppt/theme/theme2.xml><?xml version="1.0" encoding="utf-8"?>
+<a:theme xmlns:a="http://schemas.openxmlformats.org/drawingml/2006/main" name="1_Office 主题​​">
+  <a:themeElements>
+    <a:clrScheme name="Office 主题​​">
+      <a:dk1>
+        <a:sysClr val="windowText" lastClr="000000"/>
+      </a:dk1>
+      <a:lt1>
+        <a:sysClr val="window" lastClr="FFFFFF"/>
+      </a:lt1>
+      <a:dk2>
+        <a:srgbClr val="44546A"/>
+      </a:dk2>
+      <a:lt2>
+        <a:srgbClr val="E7E6E6"/>
+      </a:lt2>
+      <a:accent1>
+        <a:srgbClr val="4472C4"/>
+      </a:accent1>
+      <a:accent2>
+        <a:srgbClr val="ED7D31"/>
+      </a:accent2>
+      <a:accent3>
+        <a:srgbClr val="A5A5A5"/>
+      </a:accent3>
+      <a:accent4>
+        <a:srgbClr val="FFC000"/>
+      </a:accent4>
+      <a:accent5>
+        <a:srgbClr val="5B9BD5"/>
+      </a:accent5>
+      <a:accent6>
+        <a:srgbClr val="70AD47"/>
+      </a:accent6>
+      <a:hlink>
+        <a:srgbClr val="0563C1"/>
+      </a:hlink>
+      <a:folHlink>
+        <a:srgbClr val="954F72"/>
+      </a:folHlink>
+    </a:clrScheme>
+    <a:fontScheme name="Office 主题​​">
+      <a:majorFont>
+        <a:latin typeface="Calibri Light" panose="020F0302020204030204"/>
+        <a:ea typeface=""/>
+        <a:cs typeface=""/>
+        <a:font script="Jpan" typeface="游ゴシック Light"/>
+        <a:font script="Hang" typeface="맑은 고딕"/>
+        <a:font script="Hans" typeface="等线 Light"/>
+        <a:font script="Hant" typeface="新細明體"/>
+        <a:font script="Arab" typeface="Times New Roman"/>
+        <a:font script="Hebr" typeface="Times New Roman"/>
+        <a:font script="Thai" typeface="Angsana New"/>
+        <a:font script="Ethi" typeface="Nyala"/>
+        <a:font script="Beng" typeface="Vrinda"/>
+        <a:font script="Gujr" typeface="Shruti"/>
+        <a:font script="Khmr" typeface="MoolBoran"/>
+        <a:font script="Knda" typeface="Tunga"/>
+        <a:font script="Guru" typeface="Raavi"/>
+        <a:font script="Cans" typeface="Euphemia"/>
+        <a:font script="Cher" typeface="Plantagenet Cherokee"/>
+        <a:font script="Yiii" typeface="Microsoft Yi Baiti"/>
+        <a:font script="Tibt" typeface="Microsoft Himalaya"/>
+        <a:font script="Thaa" typeface="MV Boli"/>
+        <a:font script="Deva" typeface="Mangal"/>
+        <a:font script="Telu" typeface="Gautami"/>
+        <a:font script="Taml" typeface="Latha"/>
+        <a:font script="Syrc" typeface="Estrangelo Edessa"/>
+        <a:font script="Orya" typeface="Kalinga"/>
+        <a:font script="Mlym" typeface="Kartika"/>
+        <a:font script="Laoo" typeface="DokChampa"/>
+        <a:font script="Sinh" typeface="Iskoola Pota"/>
+        <a:font script="Mong" typeface="Mongolian Baiti"/>
+        <a:font script="Viet" typeface="Times New Roman"/>
+        <a:font script="Uigh" typeface="Microsoft Uighur"/>
+        <a:font script="Geor" typeface="Sylfaen"/>
+      </a:majorFont>
+      <a:minorFont>
+        <a:latin typeface="Calibri" panose="020F0502020204030204"/>
+        <a:ea typeface=""/>
+        <a:cs typeface=""/>
+        <a:font script="Jpan" typeface="游ゴシック"/>
+        <a:font script="Hang" typeface="맑은 고딕"/>
+        <a:font script="Hans" typeface="等线"/>
+        <a:font script="Hant" typeface="新細明體"/>
+        <a:font script="Arab" typeface="Arial"/>
+        <a:font script="Hebr" typeface="Arial"/>
+        <a:font script="Thai" typeface="Cordia New"/>
+        <a:font script="Ethi" typeface="Nyala"/>
+        <a:font script="Beng" typeface="Vrinda"/>
+        <a:font script="Gujr" typeface="Shruti"/>
+        <a:font script="Khmr" typeface="DaunPenh"/>
+        <a:font script="Knda" typeface="Tunga"/>
+        <a:font script="Guru" typeface="Raavi"/>
+        <a:font script="Cans" typeface="Euphemia"/>
+        <a:font script="Cher" typeface="Plantagenet Cherokee"/>
+        <a:font script="Yiii" typeface="Microsoft Yi Baiti"/>
+        <a:font script="Tibt" typeface="Microsoft Himalaya"/>
+        <a:font script="Thaa" typeface="MV Boli"/>
+        <a:font script="Deva" typeface="Mangal"/>
+        <a:font script="Telu" typeface="Gautami"/>
+        <a:font script="Taml" typeface="Latha"/>
+        <a:font script="Syrc" typeface="Estrangelo Edessa"/>
+        <a:font script="Orya" typeface="Kalinga"/>
+        <a:font script="Mlym" typeface="Kartika"/>
+        <a:font script="Laoo" typeface="DokChampa"/>
+        <a:font script="Sinh" typeface="Iskoola Pota"/>
+        <a:font script="Mong" typeface="Mongolian Baiti"/>
+        <a:font script="Viet" typeface="Arial"/>
+        <a:font script="Uigh" typeface="Microsoft Uighur"/>
+        <a:font script="Geor" typeface="Sylfaen"/>
+      </a:minorFont>
+    </a:fontScheme>
+    <a:fmtScheme name="Office 主题​​">
+      <a:fillStyleLst>
+        <a:solidFill>
+          <a:schemeClr val="phClr"/>
+        </a:solidFill>
+        <a:gradFill rotWithShape="1">
+          <a:gsLst>
+            <a:gs pos="0">
+              <a:schemeClr val="phClr">
+                <a:lumMod val="110000"/>
+                <a:satMod val="105000"/>
+                <a:tint val="67000"/>
+              </a:schemeClr>
+            </a:gs>
+            <a:gs pos="50000">
+              <a:schemeClr val="phClr">
+                <a:lumMod val="105000"/>
+                <a:satMod val="103000"/>
+                <a:tint val="73000"/>
+              </a:schemeClr>
+            </a:gs>
+            <a:gs pos="100000">
+              <a:schemeClr val="phClr">
+                <a:lumMod val="105000"/>
+                <a:satMod val="109000"/>
+                <a:tint val="81000"/>
+              </a:schemeClr>
+            </a:gs>
+          </a:gsLst>
+          <a:lin ang="5400000" scaled="0"/>
+        </a:gradFill>
+        <a:gradFill rotWithShape="1">
+          <a:gsLst>
+            <a:gs pos="0">
+              <a:schemeClr val="phClr">
+                <a:satMod val="103000"/>
+                <a:lumMod val="102000"/>
+                <a:tint val="94000"/>
+              </a:schemeClr>
+            </a:gs>
+            <a:gs pos="50000">
+              <a:schemeClr val="phClr">
+                <a:satMod val="110000"/>
+                <a:lumMod val="100000"/>
+                <a:shade val="100000"/>
+              </a:schemeClr>
+            </a:gs>
+            <a:gs pos="100000">
+              <a:schemeClr val="phClr">
+                <a:lumMod val="99000"/>
+                <a:satMod val="120000"/>
+                <a:shade val="78000"/>
+              </a:schemeClr>
+            </a:gs>
+          </a:gsLst>
+          <a:lin ang="5400000" scaled="0"/>
+        </a:gradFill>
+      </a:fillStyleLst>
+      <a:lnStyleLst>
+        <a:ln w="6350" cap="flat" cmpd="sng" algn="ctr">
+          <a:solidFill>
+            <a:schemeClr val="phClr"/>
+          </a:solidFill>
+          <a:prstDash val="solid"/>
+          <a:miter lim="800000"/>
+        </a:ln>
+        <a:ln w="12700" cap="flat" cmpd="sng" algn="ctr">
+          <a:solidFill>
+            <a:schemeClr val="phClr"/>
+          </a:solidFill>
+          <a:prstDash val="solid"/>
+          <a:miter lim="800000"/>
+        </a:ln>
+        <a:ln w="19050" cap="flat" cmpd="sng" algn="ctr">
+          <a:solidFill>
+            <a:schemeClr val="phClr"/>
+          </a:solidFill>
+          <a:prstDash val="solid"/>
+          <a:miter lim="800000"/>
+        </a:ln>
+      </a:lnStyleLst>
+      <a:effectStyleLst>
+        <a:effectStyle>
+          <a:effectLst/>
+        </a:effectStyle>
+        <a:effectStyle>
+          <a:effectLst/>
+        </a:effectStyle>
+        <a:effectStyle>
+          <a:effectLst>
+            <a:outerShdw blurRad="57150" dist="19050" dir="5400000" algn="ctr" rotWithShape="0">
+              <a:srgbClr val="000000">
+                <a:alpha val="63000"/>
+              </a:srgbClr>
+            </a:outerShdw>
+          </a:effectLst>
+        </a:effectStyle>
+      </a:effectStyleLst>
+      <a:bgFillStyleLst>
+        <a:solidFill>
+          <a:schemeClr val="phClr"/>
+        </a:solidFill>
+        <a:solidFill>
+          <a:schemeClr val="phClr">
+            <a:tint val="95000"/>
+            <a:satMod val="170000"/>
+          </a:schemeClr>
+        </a:solidFill>
+        <a:gradFill rotWithShape="1">
+          <a:gsLst>
+            <a:gs pos="0">
+              <a:schemeClr val="phClr">
+                <a:tint val="93000"/>
+                <a:satMod val="150000"/>
+                <a:shade val="98000"/>
+                <a:lumMod val="102000"/>
+              </a:schemeClr>
+            </a:gs>
+            <a:gs pos="50000">
+              <a:schemeClr val="phClr">
+                <a:tint val="98000"/>
+                <a:satMod val="130000"/>
+                <a:shade val="90000"/>
+                <a:lumMod val="103000"/>
+              </a:schemeClr>
+            </a:gs>
+            <a:gs pos="100000">
+              <a:schemeClr val="phClr">
+                <a:shade val="63000"/>
+                <a:satMod val="120000"/>
+              </a:schemeClr>
+            </a:gs>
+          </a:gsLst>
+          <a:lin ang="5400000" scaled="0"/>
+        </a:gradFill>
+      </a:bgFillStyleLst>
+    </a:fmtScheme>
+  </a:themeElements>
+  <a:objectDefaults>
+    <a:spDef>
+      <a:spPr>
+        <a:solidFill>
+          <a:schemeClr val="accent1">
+            <a:lumMod val="75000"/>
+          </a:schemeClr>
+        </a:solidFill>
+        <a:ln w="6350">
+          <a:solidFill>
+            <a:schemeClr val="accent1">
+              <a:shade val="15000"/>
+              <a:alpha val="59912"/>
+            </a:schemeClr>
+          </a:solidFill>
+        </a:ln>
+      </a:spPr>
+      <a:bodyPr rtlCol="0" anchor="ctr"/>
+      <a:lstStyle>
+        <a:defPPr marL="0" marR="0" indent="0" algn="ctr" defTabSz="457180" rtl="0" eaLnBrk="1" fontAlgn="auto" latinLnBrk="0" hangingPunct="1">
+          <a:lnSpc>
+            <a:spcPct val="100000"/>
+          </a:lnSpc>
+          <a:spcBef>
+            <a:spcPts val="0"/>
+          </a:spcBef>
+          <a:spcAft>
+            <a:spcPts val="0"/>
+          </a:spcAft>
+          <a:buClrTx/>
+          <a:buSzTx/>
+          <a:buFontTx/>
+          <a:buNone/>
+          <a:tabLst/>
+          <a:defRPr kumimoji="1" sz="1200" b="0" i="0" u="none" strike="noStrike" kern="1200" cap="none" spc="0" normalizeH="0" baseline="0" noProof="0" dirty="0">
+            <a:ln>
+              <a:noFill/>
+            </a:ln>
+            <a:solidFill>
+              <a:schemeClr val="tx1"/>
+            </a:solidFill>
+            <a:effectLst/>
+            <a:uLnTx/>
+            <a:uFillTx/>
+            <a:latin typeface="Calibri" panose="020F0502020204030204"/>
+            <a:ea typeface="等线" panose="02010600030101010101" pitchFamily="2" charset="-122"/>
+            <a:cs typeface="+mn-cs"/>
+          </a:defRPr>
+        </a:defPPr>
+      </a:lstStyle>
+      <a:style>
+        <a:lnRef idx="2">
+          <a:schemeClr val="accent1">
+            <a:shade val="15000"/>
+          </a:schemeClr>
+        </a:lnRef>
+        <a:fillRef idx="1">
+          <a:schemeClr val="accent1"/>
+        </a:fillRef>
+        <a:effectRef idx="0">
+          <a:schemeClr val="accent1"/>
+        </a:effectRef>
+        <a:fontRef idx="minor">
+          <a:schemeClr val="lt1"/>
+        </a:fontRef>
+      </a:style>
+    </a:spDef>
+  </a:objectDefaults>
+  <a:extraClrSchemeLst/>
+  <a:extLst>
+    <a:ext uri="{05A4C25C-085E-4340-85A3-A5531E510DB2}">
+      <thm15:themeFamily xmlns:thm15="http://schemas.microsoft.com/office/thememl/2012/main" name="Office 2013 - 2022 Theme" id="{62F939B6-93AF-4DB8-9C6B-D6C7DFDC589F}" vid="{4A3C46E8-61CC-4603-A589-7422A47A8E4A}"/>
+    </a:ext>
+  </a:extLst>
+</a:theme>
 </file>